--- a/ppt-pdf/template01.pptx
+++ b/ppt-pdf/template01.pptx
@@ -5,7 +5,7 @@
     <p:sldMasterId id="2147483696" r:id="rId1"/>
   </p:sldMasterIdLst>
   <p:notesMasterIdLst>
-    <p:notesMasterId r:id="rId21"/>
+    <p:notesMasterId r:id="rId33"/>
   </p:notesMasterIdLst>
   <p:sldIdLst>
     <p:sldId id="339" r:id="rId2"/>
@@ -27,6 +27,18 @@
     <p:sldId id="810" r:id="rId18"/>
     <p:sldId id="811" r:id="rId19"/>
     <p:sldId id="812" r:id="rId20"/>
+    <p:sldId id="813" r:id="rId21"/>
+    <p:sldId id="814" r:id="rId22"/>
+    <p:sldId id="815" r:id="rId23"/>
+    <p:sldId id="816" r:id="rId24"/>
+    <p:sldId id="817" r:id="rId25"/>
+    <p:sldId id="818" r:id="rId26"/>
+    <p:sldId id="819" r:id="rId27"/>
+    <p:sldId id="820" r:id="rId28"/>
+    <p:sldId id="821" r:id="rId29"/>
+    <p:sldId id="823" r:id="rId30"/>
+    <p:sldId id="824" r:id="rId31"/>
+    <p:sldId id="822" r:id="rId32"/>
   </p:sldIdLst>
   <p:sldSz cx="12192000" cy="6858000"/>
   <p:notesSz cx="6858000" cy="9144000"/>
@@ -229,7 +241,7 @@
           <a:p>
             <a:fld id="{648057B7-EFC7-4AC6-B479-CDD44EB7D654}" type="datetimeFigureOut">
               <a:rPr lang="ko-KR" altLang="en-US" smtClean="0"/>
-              <a:t>2019-10-18</a:t>
+              <a:t>19-10-18</a:t>
             </a:fld>
             <a:endParaRPr lang="ko-KR" altLang="en-US"/>
           </a:p>
@@ -988,7 +1000,7 @@
           <a:p>
             <a:fld id="{92DC3DFC-D19E-4489-81A0-2BEACF4D5BEA}" type="datetime1">
               <a:rPr lang="ko-KR" altLang="en-US" smtClean="0"/>
-              <a:t>2019-10-18</a:t>
+              <a:t>19-10-18</a:t>
             </a:fld>
             <a:endParaRPr lang="ko-KR" altLang="en-US"/>
           </a:p>
@@ -1664,7 +1676,7 @@
           <a:p>
             <a:fld id="{D6186EA6-D9DB-42E3-9CF4-5FF064BCCBD4}" type="datetime1">
               <a:rPr lang="ko-KR" altLang="en-US" smtClean="0"/>
-              <a:t>2019-10-18</a:t>
+              <a:t>19-10-18</a:t>
             </a:fld>
             <a:endParaRPr lang="ko-KR" altLang="en-US"/>
           </a:p>
@@ -1822,7 +1834,7 @@
           <a:p>
             <a:fld id="{E42C130B-BDA3-4432-AD22-7228F2591A72}" type="datetime1">
               <a:rPr lang="ko-KR" altLang="en-US" smtClean="0"/>
-              <a:t>2019-10-18</a:t>
+              <a:t>19-10-18</a:t>
             </a:fld>
             <a:endParaRPr lang="ko-KR" altLang="en-US"/>
           </a:p>
@@ -2086,7 +2098,7 @@
           <a:p>
             <a:fld id="{3C649B2E-AC5C-4CA1-A2FD-F4A945DECCCA}" type="datetime1">
               <a:rPr lang="ko-KR" altLang="en-US" smtClean="0"/>
-              <a:t>2019-10-18</a:t>
+              <a:t>19-10-18</a:t>
             </a:fld>
             <a:endParaRPr lang="ko-KR" altLang="en-US"/>
           </a:p>
@@ -2180,7 +2192,7 @@
           <a:p>
             <a:fld id="{AC778754-33AA-481A-B885-58843B94B2EC}" type="datetime1">
               <a:rPr lang="ko-KR" altLang="en-US" smtClean="0"/>
-              <a:t>2019-10-18</a:t>
+              <a:t>19-10-18</a:t>
             </a:fld>
             <a:endParaRPr lang="ko-KR" altLang="en-US"/>
           </a:p>
@@ -2402,7 +2414,7 @@
           </a:ln>
           <a:extLst>
             <a:ext uri="{C572A759-6A51-4108-AA02-DFA0A04FC94B}">
-              <ma14:wrappingTextBoxFlag xmlns:ma14="http://schemas.microsoft.com/office/mac/drawingml/2011/main" xmlns="" val="1"/>
+              <ma14:wrappingTextBoxFlag xmlns="" xmlns:ma14="http://schemas.microsoft.com/office/mac/drawingml/2011/main" val="1"/>
             </a:ext>
           </a:extLst>
         </p:spPr>
@@ -3289,7 +3301,7 @@
             <a:fld id="{AC778754-33AA-481A-B885-58843B94B2EC}" type="datetime1">
               <a:rPr lang="ko-KR" altLang="en-US" smtClean="0"/>
               <a:pPr/>
-              <a:t>2019-10-18</a:t>
+              <a:t>19-10-18</a:t>
             </a:fld>
             <a:endParaRPr lang="ko-KR" altLang="en-US" dirty="0"/>
           </a:p>
@@ -5367,8 +5379,12 @@
           <a:lstStyle/>
           <a:p>
             <a:r>
-              <a:rPr lang="en-US" altLang="ko-KR" dirty="0" smtClean="0"/>
-              <a:t>First Hands-on Exercise – Hello World</a:t>
+              <a:rPr lang="en-US" altLang="ko-KR" dirty="0"/>
+              <a:t>03-1 </a:t>
+            </a:r>
+            <a:r>
+              <a:rPr lang="ko-KR" altLang="en-US" dirty="0"/>
+              <a:t>첫 프로젝트 만들기</a:t>
             </a:r>
             <a:endParaRPr lang="ko-KR" altLang="en-US" dirty="0"/>
           </a:p>
@@ -5550,7 +5566,11 @@
           <a:p>
             <a:r>
               <a:rPr lang="en-US" altLang="ko-KR" dirty="0"/>
-              <a:t>First Hands-on Exercise – Hello World</a:t>
+              <a:t>03-1 </a:t>
+            </a:r>
+            <a:r>
+              <a:rPr lang="ko-KR" altLang="en-US" dirty="0"/>
+              <a:t>첫 프로젝트 만들기</a:t>
             </a:r>
             <a:endParaRPr lang="ko-KR" altLang="en-US" dirty="0"/>
           </a:p>
@@ -6012,8 +6032,12 @@
           <a:lstStyle/>
           <a:p>
             <a:r>
-              <a:rPr lang="en-US" altLang="ko-KR" dirty="0"/>
-              <a:t>First Hands-on Exercise – Hello World</a:t>
+              <a:rPr lang="en-US" altLang="ko-KR" dirty="0" smtClean="0"/>
+              <a:t>03-1 </a:t>
+            </a:r>
+            <a:r>
+              <a:rPr lang="ko-KR" altLang="en-US" dirty="0" smtClean="0"/>
+              <a:t>첫 프로젝트 만들기</a:t>
             </a:r>
             <a:endParaRPr lang="ko-KR" altLang="en-US" dirty="0"/>
           </a:p>
@@ -6154,8 +6178,20 @@
           <a:lstStyle/>
           <a:p>
             <a:r>
-              <a:rPr lang="en-US" altLang="ko-KR" dirty="0"/>
-              <a:t>First Hands-on Exercise – Hello World</a:t>
+              <a:rPr lang="en-US" altLang="ko-KR" dirty="0" smtClean="0">
+                <a:solidFill>
+                  <a:srgbClr val="C00000"/>
+                </a:solidFill>
+              </a:rPr>
+              <a:t>MainActivity.java</a:t>
+            </a:r>
+            <a:r>
+              <a:rPr lang="en-US" altLang="ko-KR" dirty="0" smtClean="0"/>
+              <a:t> </a:t>
+            </a:r>
+            <a:r>
+              <a:rPr lang="ko-KR" altLang="en-US" dirty="0" smtClean="0"/>
+              <a:t>살펴보기</a:t>
             </a:r>
             <a:endParaRPr lang="ko-KR" altLang="en-US" dirty="0"/>
           </a:p>
@@ -6189,7 +6225,7 @@
               <a:t>다음과 같이 </a:t>
             </a:r>
             <a:r>
-              <a:rPr lang="en-US" altLang="ko-KR" dirty="0" smtClean="0"/>
+              <a:rPr lang="en-US" altLang="ko-KR" b="1" dirty="0" smtClean="0"/>
               <a:t>App</a:t>
             </a:r>
             <a:r>
@@ -6220,8 +6256,12 @@
           <a:p>
             <a:pPr latinLnBrk="0"/>
             <a:r>
-              <a:rPr lang="en-US" altLang="ko-KR" dirty="0" smtClean="0"/>
-              <a:t>MainActivity.java </a:t>
+              <a:rPr lang="en-US" altLang="ko-KR" b="1" dirty="0" smtClean="0"/>
+              <a:t>MainActivity.java</a:t>
+            </a:r>
+            <a:r>
+              <a:rPr lang="en-US" altLang="ko-KR" dirty="0" smtClean="0"/>
+              <a:t> </a:t>
             </a:r>
             <a:r>
               <a:rPr lang="ko-KR" altLang="en-US" dirty="0" smtClean="0"/>
@@ -6231,21 +6271,32 @@
               <a:rPr lang="en-US" altLang="ko-KR" dirty="0" smtClean="0"/>
               <a:t>.  </a:t>
             </a:r>
-            <a:r>
-              <a:rPr lang="ko-KR" altLang="en-US" dirty="0" smtClean="0"/>
+          </a:p>
+          <a:p>
+            <a:pPr latinLnBrk="0"/>
+            <a:r>
+              <a:rPr lang="en-US" altLang="ko-KR" dirty="0" smtClean="0"/>
+              <a:t>MainActivity.java</a:t>
+            </a:r>
+            <a:r>
+              <a:rPr lang="ko-KR" altLang="en-US" dirty="0" smtClean="0"/>
+              <a:t>는 자바로 작성되어 있다는 것을 알 수 있습니다</a:t>
+            </a:r>
+            <a:r>
+              <a:rPr lang="en-US" altLang="ko-KR" dirty="0" smtClean="0"/>
+              <a:t>. </a:t>
+            </a:r>
+            <a:r>
+              <a:rPr lang="ko-KR" altLang="en-US" dirty="0"/>
               <a:t>오른쪽 창을 최소화 하십시오</a:t>
             </a:r>
             <a:r>
-              <a:rPr lang="en-US" altLang="ko-KR" dirty="0" smtClean="0"/>
-              <a:t>.  MainActivity.java</a:t>
-            </a:r>
-            <a:r>
-              <a:rPr lang="ko-KR" altLang="en-US" dirty="0" smtClean="0"/>
-              <a:t>는 자바로 작성되어 있다는 것을 알 수 있습니다</a:t>
-            </a:r>
-            <a:r>
-              <a:rPr lang="en-US" altLang="ko-KR" dirty="0" smtClean="0"/>
+              <a:rPr lang="en-US" altLang="ko-KR" dirty="0"/>
               <a:t>. </a:t>
+            </a:r>
+            <a:r>
+              <a:rPr lang="en-US" altLang="ko-KR" dirty="0" smtClean="0"/>
+              <a:t/>
             </a:r>
             <a:br>
               <a:rPr lang="en-US" altLang="ko-KR" dirty="0" smtClean="0"/>
@@ -6285,88 +6336,187 @@
       </p:sp>
       <p:grpSp>
         <p:nvGrpSpPr>
-          <p:cNvPr id="23" name="그룹 22"/>
+          <p:cNvPr id="10" name="그룹 9"/>
           <p:cNvGrpSpPr/>
           <p:nvPr/>
         </p:nvGrpSpPr>
         <p:grpSpPr>
           <a:xfrm>
-            <a:off x="767409" y="2204864"/>
-            <a:ext cx="7992887" cy="4624742"/>
-            <a:chOff x="767408" y="1292915"/>
-            <a:chExt cx="9348907" cy="5536692"/>
+            <a:off x="1343472" y="2348881"/>
+            <a:ext cx="7776863" cy="4509119"/>
+            <a:chOff x="1343472" y="2348881"/>
+            <a:chExt cx="7776863" cy="4509119"/>
           </a:xfrm>
         </p:grpSpPr>
-        <p:pic>
-          <p:nvPicPr>
-            <p:cNvPr id="5" name="그림 4"/>
-            <p:cNvPicPr>
-              <a:picLocks noChangeAspect="1"/>
-            </p:cNvPicPr>
+        <p:grpSp>
+          <p:nvGrpSpPr>
+            <p:cNvPr id="23" name="그룹 22"/>
+            <p:cNvGrpSpPr/>
             <p:nvPr/>
-          </p:nvPicPr>
-          <p:blipFill>
-            <a:blip r:embed="rId2"/>
-            <a:stretch>
-              <a:fillRect/>
-            </a:stretch>
-          </p:blipFill>
+          </p:nvGrpSpPr>
+          <p:grpSpPr>
+            <a:xfrm>
+              <a:off x="1343472" y="2436617"/>
+              <a:ext cx="7776863" cy="4421383"/>
+              <a:chOff x="767408" y="1292915"/>
+              <a:chExt cx="9348907" cy="5536692"/>
+            </a:xfrm>
+          </p:grpSpPr>
+          <p:pic>
+            <p:nvPicPr>
+              <p:cNvPr id="5" name="그림 4"/>
+              <p:cNvPicPr>
+                <a:picLocks noChangeAspect="1"/>
+              </p:cNvPicPr>
+              <p:nvPr/>
+            </p:nvPicPr>
+            <p:blipFill>
+              <a:blip r:embed="rId2"/>
+              <a:stretch>
+                <a:fillRect/>
+              </a:stretch>
+            </p:blipFill>
+            <p:spPr>
+              <a:xfrm>
+                <a:off x="1427868" y="1292915"/>
+                <a:ext cx="8688447" cy="5536692"/>
+              </a:xfrm>
+              <a:prstGeom prst="rect">
+                <a:avLst/>
+              </a:prstGeom>
+            </p:spPr>
+          </p:pic>
+          <p:cxnSp>
+            <p:nvCxnSpPr>
+              <p:cNvPr id="7" name="직선 화살표 연결선 6"/>
+              <p:cNvCxnSpPr/>
+              <p:nvPr/>
+            </p:nvCxnSpPr>
+            <p:spPr>
+              <a:xfrm>
+                <a:off x="767408" y="2276872"/>
+                <a:ext cx="1128512" cy="0"/>
+              </a:xfrm>
+              <a:prstGeom prst="straightConnector1">
+                <a:avLst/>
+              </a:prstGeom>
+              <a:ln>
+                <a:solidFill>
+                  <a:srgbClr val="C00000"/>
+                </a:solidFill>
+                <a:tailEnd type="triangle"/>
+              </a:ln>
+            </p:spPr>
+            <p:style>
+              <a:lnRef idx="1">
+                <a:schemeClr val="accent1"/>
+              </a:lnRef>
+              <a:fillRef idx="0">
+                <a:schemeClr val="accent1"/>
+              </a:fillRef>
+              <a:effectRef idx="0">
+                <a:schemeClr val="accent1"/>
+              </a:effectRef>
+              <a:fontRef idx="minor">
+                <a:schemeClr val="tx1"/>
+              </a:fontRef>
+            </p:style>
+          </p:cxnSp>
+          <p:cxnSp>
+            <p:nvCxnSpPr>
+              <p:cNvPr id="12" name="직선 화살표 연결선 11"/>
+              <p:cNvCxnSpPr/>
+              <p:nvPr/>
+            </p:nvCxnSpPr>
+            <p:spPr>
+              <a:xfrm flipV="1">
+                <a:off x="1127448" y="2935020"/>
+                <a:ext cx="1080120" cy="930"/>
+              </a:xfrm>
+              <a:prstGeom prst="straightConnector1">
+                <a:avLst/>
+              </a:prstGeom>
+              <a:ln>
+                <a:solidFill>
+                  <a:srgbClr val="C00000"/>
+                </a:solidFill>
+                <a:tailEnd type="triangle"/>
+              </a:ln>
+            </p:spPr>
+            <p:style>
+              <a:lnRef idx="1">
+                <a:schemeClr val="accent1"/>
+              </a:lnRef>
+              <a:fillRef idx="0">
+                <a:schemeClr val="accent1"/>
+              </a:fillRef>
+              <a:effectRef idx="0">
+                <a:schemeClr val="accent1"/>
+              </a:effectRef>
+              <a:fontRef idx="minor">
+                <a:schemeClr val="tx1"/>
+              </a:fontRef>
+            </p:style>
+          </p:cxnSp>
+        </p:grpSp>
+        <p:sp>
+          <p:nvSpPr>
+            <p:cNvPr id="24" name="아래쪽 화살표 23"/>
+            <p:cNvSpPr/>
+            <p:nvPr/>
+          </p:nvSpPr>
           <p:spPr>
             <a:xfrm>
-              <a:off x="1427868" y="1292915"/>
-              <a:ext cx="8688447" cy="5536692"/>
+              <a:off x="4636376" y="2348881"/>
+              <a:ext cx="523520" cy="569628"/>
             </a:xfrm>
-            <a:prstGeom prst="rect">
+            <a:prstGeom prst="downArrow">
               <a:avLst/>
             </a:prstGeom>
-          </p:spPr>
-        </p:pic>
-        <p:cxnSp>
-          <p:nvCxnSpPr>
-            <p:cNvPr id="7" name="직선 화살표 연결선 6"/>
-            <p:cNvCxnSpPr/>
-            <p:nvPr/>
-          </p:nvCxnSpPr>
-          <p:spPr>
-            <a:xfrm>
-              <a:off x="767408" y="2276872"/>
-              <a:ext cx="1128512" cy="0"/>
-            </a:xfrm>
-            <a:prstGeom prst="straightConnector1">
-              <a:avLst/>
-            </a:prstGeom>
+            <a:solidFill>
+              <a:srgbClr val="C00000"/>
+            </a:solidFill>
             <a:ln>
               <a:solidFill>
                 <a:srgbClr val="C00000"/>
               </a:solidFill>
-              <a:tailEnd type="triangle"/>
             </a:ln>
           </p:spPr>
           <p:style>
-            <a:lnRef idx="1">
-              <a:schemeClr val="accent1"/>
+            <a:lnRef idx="2">
+              <a:schemeClr val="accent1">
+                <a:shade val="50000"/>
+              </a:schemeClr>
             </a:lnRef>
-            <a:fillRef idx="0">
+            <a:fillRef idx="1">
               <a:schemeClr val="accent1"/>
             </a:fillRef>
             <a:effectRef idx="0">
               <a:schemeClr val="accent1"/>
             </a:effectRef>
             <a:fontRef idx="minor">
-              <a:schemeClr val="tx1"/>
+              <a:schemeClr val="lt1"/>
             </a:fontRef>
           </p:style>
-        </p:cxnSp>
+          <p:txBody>
+            <a:bodyPr rtlCol="0" anchor="ctr"/>
+            <a:lstStyle/>
+            <a:p>
+              <a:pPr algn="ctr"/>
+              <a:endParaRPr lang="ko-KR" altLang="en-US"/>
+            </a:p>
+          </p:txBody>
+        </p:sp>
         <p:cxnSp>
           <p:nvCxnSpPr>
-            <p:cNvPr id="12" name="직선 화살표 연결선 11"/>
+            <p:cNvPr id="26" name="직선 화살표 연결선 25"/>
             <p:cNvCxnSpPr/>
             <p:nvPr/>
           </p:nvCxnSpPr>
           <p:spPr>
-            <a:xfrm flipV="1">
-              <a:off x="1127448" y="2935020"/>
-              <a:ext cx="1080120" cy="930"/>
+            <a:xfrm>
+              <a:off x="8760296" y="2348881"/>
+              <a:ext cx="11676" cy="569628"/>
             </a:xfrm>
             <a:prstGeom prst="straightConnector1">
               <a:avLst/>
@@ -6394,90 +6544,6 @@
           </p:style>
         </p:cxnSp>
       </p:grpSp>
-      <p:sp>
-        <p:nvSpPr>
-          <p:cNvPr id="24" name="아래쪽 화살표 23"/>
-          <p:cNvSpPr/>
-          <p:nvPr/>
-        </p:nvSpPr>
-        <p:spPr>
-          <a:xfrm>
-            <a:off x="4151784" y="1988840"/>
-            <a:ext cx="216024" cy="720080"/>
-          </a:xfrm>
-          <a:prstGeom prst="downArrow">
-            <a:avLst/>
-          </a:prstGeom>
-          <a:solidFill>
-            <a:srgbClr val="C00000"/>
-          </a:solidFill>
-          <a:ln>
-            <a:solidFill>
-              <a:srgbClr val="C00000"/>
-            </a:solidFill>
-          </a:ln>
-        </p:spPr>
-        <p:style>
-          <a:lnRef idx="2">
-            <a:schemeClr val="accent1">
-              <a:shade val="50000"/>
-            </a:schemeClr>
-          </a:lnRef>
-          <a:fillRef idx="1">
-            <a:schemeClr val="accent1"/>
-          </a:fillRef>
-          <a:effectRef idx="0">
-            <a:schemeClr val="accent1"/>
-          </a:effectRef>
-          <a:fontRef idx="minor">
-            <a:schemeClr val="lt1"/>
-          </a:fontRef>
-        </p:style>
-        <p:txBody>
-          <a:bodyPr rtlCol="0" anchor="ctr"/>
-          <a:lstStyle/>
-          <a:p>
-            <a:pPr algn="ctr"/>
-            <a:endParaRPr lang="ko-KR" altLang="en-US"/>
-          </a:p>
-        </p:txBody>
-      </p:sp>
-      <p:cxnSp>
-        <p:nvCxnSpPr>
-          <p:cNvPr id="26" name="직선 화살표 연결선 25"/>
-          <p:cNvCxnSpPr/>
-          <p:nvPr/>
-        </p:nvCxnSpPr>
-        <p:spPr>
-          <a:xfrm>
-            <a:off x="6384032" y="1916832"/>
-            <a:ext cx="1944216" cy="792088"/>
-          </a:xfrm>
-          <a:prstGeom prst="straightConnector1">
-            <a:avLst/>
-          </a:prstGeom>
-          <a:ln>
-            <a:solidFill>
-              <a:srgbClr val="C00000"/>
-            </a:solidFill>
-            <a:tailEnd type="triangle"/>
-          </a:ln>
-        </p:spPr>
-        <p:style>
-          <a:lnRef idx="1">
-            <a:schemeClr val="accent1"/>
-          </a:lnRef>
-          <a:fillRef idx="0">
-            <a:schemeClr val="accent1"/>
-          </a:fillRef>
-          <a:effectRef idx="0">
-            <a:schemeClr val="accent1"/>
-          </a:effectRef>
-          <a:fontRef idx="minor">
-            <a:schemeClr val="tx1"/>
-          </a:fontRef>
-        </p:style>
-      </p:cxnSp>
     </p:spTree>
     <p:extLst>
       <p:ext uri="{BB962C8B-B14F-4D97-AF65-F5344CB8AC3E}">
@@ -6508,30 +6574,6 @@
           <a:chExt cx="0" cy="0"/>
         </a:xfrm>
       </p:grpSpPr>
-      <p:pic>
-        <p:nvPicPr>
-          <p:cNvPr id="6" name="그림 5"/>
-          <p:cNvPicPr>
-            <a:picLocks noChangeAspect="1"/>
-          </p:cNvPicPr>
-          <p:nvPr/>
-        </p:nvPicPr>
-        <p:blipFill>
-          <a:blip r:embed="rId2"/>
-          <a:stretch>
-            <a:fillRect/>
-          </a:stretch>
-        </p:blipFill>
-        <p:spPr>
-          <a:xfrm>
-            <a:off x="2271980" y="2035311"/>
-            <a:ext cx="7610351" cy="4849678"/>
-          </a:xfrm>
-          <a:prstGeom prst="rect">
-            <a:avLst/>
-          </a:prstGeom>
-        </p:spPr>
-      </p:pic>
       <p:sp>
         <p:nvSpPr>
           <p:cNvPr id="2" name="제목 1"/>
@@ -6548,10 +6590,29 @@
           <a:lstStyle/>
           <a:p>
             <a:r>
-              <a:rPr lang="en-US" altLang="ko-KR" dirty="0"/>
-              <a:t>First Hands-on Exercise – Hello World</a:t>
-            </a:r>
-            <a:endParaRPr lang="ko-KR" altLang="en-US" dirty="0"/>
+              <a:rPr lang="en-US" altLang="ko-KR" dirty="0">
+                <a:solidFill>
+                  <a:srgbClr val="C00000"/>
+                </a:solidFill>
+              </a:rPr>
+              <a:t>a</a:t>
+            </a:r>
+            <a:r>
+              <a:rPr lang="en-US" altLang="ko-KR" dirty="0" smtClean="0">
+                <a:solidFill>
+                  <a:srgbClr val="C00000"/>
+                </a:solidFill>
+              </a:rPr>
+              <a:t>ctivity_main.java</a:t>
+            </a:r>
+            <a:r>
+              <a:rPr lang="en-US" altLang="ko-KR" dirty="0" smtClean="0"/>
+              <a:t> </a:t>
+            </a:r>
+            <a:r>
+              <a:rPr lang="ko-KR" altLang="en-US" dirty="0"/>
+              <a:t>살펴보기</a:t>
+            </a:r>
           </a:p>
         </p:txBody>
       </p:sp>
@@ -6573,15 +6634,43 @@
             <a:pPr latinLnBrk="0"/>
             <a:r>
               <a:rPr lang="en-US" altLang="ko-KR" dirty="0" smtClean="0"/>
-              <a:t>[MainActivity.java] </a:t>
-            </a:r>
-            <a:r>
-              <a:rPr lang="ko-KR" altLang="en-US" dirty="0" smtClean="0"/>
-              <a:t>탭 옆에 있는 </a:t>
-            </a:r>
-            <a:r>
-              <a:rPr lang="en-US" altLang="ko-KR" dirty="0" smtClean="0"/>
-              <a:t>[Activity_main.xml]  </a:t>
+              <a:t>[</a:t>
+            </a:r>
+            <a:r>
+              <a:rPr lang="en-US" altLang="ko-KR" b="1" dirty="0" smtClean="0"/>
+              <a:t>MainActivity.java</a:t>
+            </a:r>
+            <a:r>
+              <a:rPr lang="en-US" altLang="ko-KR" dirty="0" smtClean="0"/>
+              <a:t>] </a:t>
+            </a:r>
+            <a:r>
+              <a:rPr lang="ko-KR" altLang="en-US" dirty="0" smtClean="0"/>
+              <a:t>탭의 오른쪽에 있는 </a:t>
+            </a:r>
+            <a:r>
+              <a:rPr lang="en-US" altLang="ko-KR" dirty="0" smtClean="0"/>
+              <a:t>[</a:t>
+            </a:r>
+            <a:r>
+              <a:rPr lang="en-US" altLang="ko-KR" b="1" dirty="0">
+                <a:solidFill>
+                  <a:srgbClr val="C00000"/>
+                </a:solidFill>
+              </a:rPr>
+              <a:t>a</a:t>
+            </a:r>
+            <a:r>
+              <a:rPr lang="en-US" altLang="ko-KR" b="1" dirty="0" smtClean="0">
+                <a:solidFill>
+                  <a:srgbClr val="C00000"/>
+                </a:solidFill>
+              </a:rPr>
+              <a:t>ctivity_main.xml</a:t>
+            </a:r>
+            <a:r>
+              <a:rPr lang="en-US" altLang="ko-KR" dirty="0" smtClean="0"/>
+              <a:t>]  </a:t>
             </a:r>
             <a:r>
               <a:rPr lang="ko-KR" altLang="en-US" dirty="0" smtClean="0"/>
@@ -6601,7 +6690,7 @@
             </a:r>
             <a:r>
               <a:rPr lang="ko-KR" altLang="en-US" dirty="0" smtClean="0"/>
-              <a:t>좀 더 여러 작은 창들이 나타납니다</a:t>
+              <a:t>여러 개의 작은 창들이 나타납니다</a:t>
             </a:r>
             <a:r>
               <a:rPr lang="en-US" altLang="ko-KR" dirty="0" smtClean="0"/>
@@ -6615,7 +6704,7 @@
               <a:t>아랫부분에 </a:t>
             </a:r>
             <a:r>
-              <a:rPr lang="en-US" altLang="ko-KR" dirty="0" smtClean="0"/>
+              <a:rPr lang="en-US" altLang="ko-KR" b="1" dirty="0" smtClean="0"/>
               <a:t>[Build], [Sync]</a:t>
             </a:r>
             <a:r>
@@ -6670,126 +6759,165 @@
           </a:p>
         </p:txBody>
       </p:sp>
-      <p:sp>
-        <p:nvSpPr>
-          <p:cNvPr id="24" name="아래쪽 화살표 23"/>
-          <p:cNvSpPr/>
+      <p:grpSp>
+        <p:nvGrpSpPr>
+          <p:cNvPr id="5" name="그룹 4"/>
+          <p:cNvGrpSpPr/>
           <p:nvPr/>
-        </p:nvSpPr>
-        <p:spPr>
+        </p:nvGrpSpPr>
+        <p:grpSpPr>
           <a:xfrm>
-            <a:off x="5087888" y="1844824"/>
-            <a:ext cx="216024" cy="720080"/>
+            <a:off x="1847528" y="2035311"/>
+            <a:ext cx="8316529" cy="4849678"/>
+            <a:chOff x="1847528" y="2035311"/>
+            <a:chExt cx="8316529" cy="4849678"/>
           </a:xfrm>
-          <a:prstGeom prst="downArrow">
-            <a:avLst/>
-          </a:prstGeom>
-          <a:solidFill>
-            <a:srgbClr val="C00000"/>
-          </a:solidFill>
-          <a:ln>
+        </p:grpSpPr>
+        <p:pic>
+          <p:nvPicPr>
+            <p:cNvPr id="6" name="그림 5"/>
+            <p:cNvPicPr>
+              <a:picLocks noChangeAspect="1"/>
+            </p:cNvPicPr>
+            <p:nvPr/>
+          </p:nvPicPr>
+          <p:blipFill>
+            <a:blip r:embed="rId2"/>
+            <a:stretch>
+              <a:fillRect/>
+            </a:stretch>
+          </p:blipFill>
+          <p:spPr>
+            <a:xfrm>
+              <a:off x="2271980" y="2035311"/>
+              <a:ext cx="7610351" cy="4849678"/>
+            </a:xfrm>
+            <a:prstGeom prst="rect">
+              <a:avLst/>
+            </a:prstGeom>
+          </p:spPr>
+        </p:pic>
+        <p:sp>
+          <p:nvSpPr>
+            <p:cNvPr id="24" name="아래쪽 화살표 23"/>
+            <p:cNvSpPr/>
+            <p:nvPr/>
+          </p:nvSpPr>
+          <p:spPr>
+            <a:xfrm>
+              <a:off x="5087888" y="2204864"/>
+              <a:ext cx="360040" cy="360040"/>
+            </a:xfrm>
+            <a:prstGeom prst="downArrow">
+              <a:avLst/>
+            </a:prstGeom>
             <a:solidFill>
               <a:srgbClr val="C00000"/>
             </a:solidFill>
-          </a:ln>
-        </p:spPr>
-        <p:style>
-          <a:lnRef idx="2">
-            <a:schemeClr val="accent1">
-              <a:shade val="50000"/>
-            </a:schemeClr>
-          </a:lnRef>
-          <a:fillRef idx="1">
-            <a:schemeClr val="accent1"/>
-          </a:fillRef>
-          <a:effectRef idx="0">
-            <a:schemeClr val="accent1"/>
-          </a:effectRef>
-          <a:fontRef idx="minor">
-            <a:schemeClr val="lt1"/>
-          </a:fontRef>
-        </p:style>
-        <p:txBody>
-          <a:bodyPr rtlCol="0" anchor="ctr"/>
-          <a:lstStyle/>
-          <a:p>
-            <a:pPr algn="ctr"/>
-            <a:endParaRPr lang="ko-KR" altLang="en-US"/>
-          </a:p>
-        </p:txBody>
-      </p:sp>
-      <p:cxnSp>
-        <p:nvCxnSpPr>
-          <p:cNvPr id="9" name="직선 화살표 연결선 8"/>
-          <p:cNvCxnSpPr/>
-          <p:nvPr/>
-        </p:nvCxnSpPr>
-        <p:spPr>
-          <a:xfrm>
-            <a:off x="1847528" y="4460150"/>
-            <a:ext cx="936104" cy="1057082"/>
-          </a:xfrm>
-          <a:prstGeom prst="straightConnector1">
-            <a:avLst/>
-          </a:prstGeom>
-          <a:ln>
-            <a:solidFill>
-              <a:srgbClr val="C00000"/>
-            </a:solidFill>
-            <a:tailEnd type="triangle"/>
-          </a:ln>
-        </p:spPr>
-        <p:style>
-          <a:lnRef idx="1">
-            <a:schemeClr val="accent1"/>
-          </a:lnRef>
-          <a:fillRef idx="0">
-            <a:schemeClr val="accent1"/>
-          </a:fillRef>
-          <a:effectRef idx="0">
-            <a:schemeClr val="accent1"/>
-          </a:effectRef>
-          <a:fontRef idx="minor">
-            <a:schemeClr val="tx1"/>
-          </a:fontRef>
-        </p:style>
-      </p:cxnSp>
-      <p:cxnSp>
-        <p:nvCxnSpPr>
-          <p:cNvPr id="18" name="직선 화살표 연결선 17"/>
-          <p:cNvCxnSpPr/>
-          <p:nvPr/>
-        </p:nvCxnSpPr>
-        <p:spPr>
-          <a:xfrm flipH="1">
-            <a:off x="9600604" y="4489020"/>
-            <a:ext cx="563453" cy="1063479"/>
-          </a:xfrm>
-          <a:prstGeom prst="straightConnector1">
-            <a:avLst/>
-          </a:prstGeom>
-          <a:ln>
-            <a:solidFill>
-              <a:srgbClr val="C00000"/>
-            </a:solidFill>
-            <a:tailEnd type="triangle"/>
-          </a:ln>
-        </p:spPr>
-        <p:style>
-          <a:lnRef idx="1">
-            <a:schemeClr val="accent1"/>
-          </a:lnRef>
-          <a:fillRef idx="0">
-            <a:schemeClr val="accent1"/>
-          </a:fillRef>
-          <a:effectRef idx="0">
-            <a:schemeClr val="accent1"/>
-          </a:effectRef>
-          <a:fontRef idx="minor">
-            <a:schemeClr val="tx1"/>
-          </a:fontRef>
-        </p:style>
-      </p:cxnSp>
+            <a:ln>
+              <a:solidFill>
+                <a:srgbClr val="C00000"/>
+              </a:solidFill>
+            </a:ln>
+          </p:spPr>
+          <p:style>
+            <a:lnRef idx="2">
+              <a:schemeClr val="accent1">
+                <a:shade val="50000"/>
+              </a:schemeClr>
+            </a:lnRef>
+            <a:fillRef idx="1">
+              <a:schemeClr val="accent1"/>
+            </a:fillRef>
+            <a:effectRef idx="0">
+              <a:schemeClr val="accent1"/>
+            </a:effectRef>
+            <a:fontRef idx="minor">
+              <a:schemeClr val="lt1"/>
+            </a:fontRef>
+          </p:style>
+          <p:txBody>
+            <a:bodyPr rtlCol="0" anchor="ctr"/>
+            <a:lstStyle/>
+            <a:p>
+              <a:pPr algn="ctr"/>
+              <a:endParaRPr lang="ko-KR" altLang="en-US"/>
+            </a:p>
+          </p:txBody>
+        </p:sp>
+        <p:cxnSp>
+          <p:nvCxnSpPr>
+            <p:cNvPr id="9" name="직선 화살표 연결선 8"/>
+            <p:cNvCxnSpPr/>
+            <p:nvPr/>
+          </p:nvCxnSpPr>
+          <p:spPr>
+            <a:xfrm>
+              <a:off x="1847528" y="4460150"/>
+              <a:ext cx="936104" cy="1057082"/>
+            </a:xfrm>
+            <a:prstGeom prst="straightConnector1">
+              <a:avLst/>
+            </a:prstGeom>
+            <a:ln>
+              <a:solidFill>
+                <a:srgbClr val="C00000"/>
+              </a:solidFill>
+              <a:tailEnd type="triangle"/>
+            </a:ln>
+          </p:spPr>
+          <p:style>
+            <a:lnRef idx="1">
+              <a:schemeClr val="accent1"/>
+            </a:lnRef>
+            <a:fillRef idx="0">
+              <a:schemeClr val="accent1"/>
+            </a:fillRef>
+            <a:effectRef idx="0">
+              <a:schemeClr val="accent1"/>
+            </a:effectRef>
+            <a:fontRef idx="minor">
+              <a:schemeClr val="tx1"/>
+            </a:fontRef>
+          </p:style>
+        </p:cxnSp>
+        <p:cxnSp>
+          <p:nvCxnSpPr>
+            <p:cNvPr id="18" name="직선 화살표 연결선 17"/>
+            <p:cNvCxnSpPr/>
+            <p:nvPr/>
+          </p:nvCxnSpPr>
+          <p:spPr>
+            <a:xfrm flipH="1">
+              <a:off x="9600604" y="4489020"/>
+              <a:ext cx="563453" cy="1063479"/>
+            </a:xfrm>
+            <a:prstGeom prst="straightConnector1">
+              <a:avLst/>
+            </a:prstGeom>
+            <a:ln>
+              <a:solidFill>
+                <a:srgbClr val="C00000"/>
+              </a:solidFill>
+              <a:tailEnd type="triangle"/>
+            </a:ln>
+          </p:spPr>
+          <p:style>
+            <a:lnRef idx="1">
+              <a:schemeClr val="accent1"/>
+            </a:lnRef>
+            <a:fillRef idx="0">
+              <a:schemeClr val="accent1"/>
+            </a:fillRef>
+            <a:effectRef idx="0">
+              <a:schemeClr val="accent1"/>
+            </a:effectRef>
+            <a:fontRef idx="minor">
+              <a:schemeClr val="tx1"/>
+            </a:fontRef>
+          </p:style>
+        </p:cxnSp>
+      </p:grpSp>
     </p:spTree>
     <p:extLst>
       <p:ext uri="{BB962C8B-B14F-4D97-AF65-F5344CB8AC3E}">
@@ -6836,10 +6964,21 @@
           <a:lstStyle/>
           <a:p>
             <a:r>
+              <a:rPr lang="en-US" altLang="ko-KR" dirty="0">
+                <a:solidFill>
+                  <a:srgbClr val="C00000"/>
+                </a:solidFill>
+              </a:rPr>
+              <a:t>activity_main.java</a:t>
+            </a:r>
+            <a:r>
               <a:rPr lang="en-US" altLang="ko-KR" dirty="0"/>
-              <a:t>First Hands-on Exercise – Hello World</a:t>
-            </a:r>
-            <a:endParaRPr lang="ko-KR" altLang="en-US" dirty="0"/>
+              <a:t> </a:t>
+            </a:r>
+            <a:r>
+              <a:rPr lang="ko-KR" altLang="en-US" dirty="0"/>
+              <a:t>살펴보기</a:t>
+            </a:r>
           </a:p>
         </p:txBody>
       </p:sp>
@@ -6872,7 +7011,19 @@
             </a:r>
             <a:r>
               <a:rPr lang="en-US" altLang="ko-KR" dirty="0" smtClean="0"/>
-              <a:t>[acitivity_main.xml]</a:t>
+              <a:t>[</a:t>
+            </a:r>
+            <a:r>
+              <a:rPr lang="en-US" altLang="ko-KR" b="1" dirty="0" smtClean="0">
+                <a:solidFill>
+                  <a:srgbClr val="C00000"/>
+                </a:solidFill>
+              </a:rPr>
+              <a:t>acitivity_main.xml</a:t>
+            </a:r>
+            <a:r>
+              <a:rPr lang="en-US" altLang="ko-KR" dirty="0" smtClean="0"/>
+              <a:t>]</a:t>
             </a:r>
             <a:r>
               <a:rPr lang="ko-KR" altLang="en-US" dirty="0" smtClean="0"/>
@@ -6939,30 +7090,93 @@
           </a:prstGeom>
         </p:spPr>
       </p:pic>
-      <p:pic>
-        <p:nvPicPr>
-          <p:cNvPr id="7" name="그림 6"/>
-          <p:cNvPicPr>
-            <a:picLocks noChangeAspect="1"/>
-          </p:cNvPicPr>
+      <p:grpSp>
+        <p:nvGrpSpPr>
+          <p:cNvPr id="8" name="그룹 7"/>
+          <p:cNvGrpSpPr/>
           <p:nvPr/>
-        </p:nvPicPr>
-        <p:blipFill>
-          <a:blip r:embed="rId3"/>
-          <a:stretch>
-            <a:fillRect/>
-          </a:stretch>
-        </p:blipFill>
-        <p:spPr>
+        </p:nvGrpSpPr>
+        <p:grpSpPr>
           <a:xfrm>
-            <a:off x="5015879" y="1560445"/>
-            <a:ext cx="7176121" cy="5297555"/>
+            <a:off x="4727848" y="1412776"/>
+            <a:ext cx="7056784" cy="5107088"/>
+            <a:chOff x="4583833" y="1241499"/>
+            <a:chExt cx="7608168" cy="5616501"/>
           </a:xfrm>
-          <a:prstGeom prst="rect">
-            <a:avLst/>
-          </a:prstGeom>
-        </p:spPr>
-      </p:pic>
+        </p:grpSpPr>
+        <p:pic>
+          <p:nvPicPr>
+            <p:cNvPr id="7" name="그림 6"/>
+            <p:cNvPicPr>
+              <a:picLocks noChangeAspect="1"/>
+            </p:cNvPicPr>
+            <p:nvPr/>
+          </p:nvPicPr>
+          <p:blipFill>
+            <a:blip r:embed="rId3"/>
+            <a:stretch>
+              <a:fillRect/>
+            </a:stretch>
+          </p:blipFill>
+          <p:spPr>
+            <a:xfrm>
+              <a:off x="4583833" y="1241499"/>
+              <a:ext cx="7608168" cy="5616501"/>
+            </a:xfrm>
+            <a:prstGeom prst="rect">
+              <a:avLst/>
+            </a:prstGeom>
+          </p:spPr>
+        </p:pic>
+        <p:sp>
+          <p:nvSpPr>
+            <p:cNvPr id="5" name="아래쪽 화살표 4"/>
+            <p:cNvSpPr/>
+            <p:nvPr/>
+          </p:nvSpPr>
+          <p:spPr>
+            <a:xfrm>
+              <a:off x="6312024" y="1424527"/>
+              <a:ext cx="360040" cy="387301"/>
+            </a:xfrm>
+            <a:prstGeom prst="downArrow">
+              <a:avLst/>
+            </a:prstGeom>
+            <a:solidFill>
+              <a:srgbClr val="C00000"/>
+            </a:solidFill>
+            <a:ln>
+              <a:solidFill>
+                <a:srgbClr val="C00000"/>
+              </a:solidFill>
+            </a:ln>
+          </p:spPr>
+          <p:style>
+            <a:lnRef idx="2">
+              <a:schemeClr val="accent1">
+                <a:shade val="50000"/>
+              </a:schemeClr>
+            </a:lnRef>
+            <a:fillRef idx="1">
+              <a:schemeClr val="accent1"/>
+            </a:fillRef>
+            <a:effectRef idx="0">
+              <a:schemeClr val="accent1"/>
+            </a:effectRef>
+            <a:fontRef idx="minor">
+              <a:schemeClr val="lt1"/>
+            </a:fontRef>
+          </p:style>
+          <p:txBody>
+            <a:bodyPr rtlCol="0" anchor="ctr"/>
+            <a:lstStyle/>
+            <a:p>
+              <a:pPr algn="ctr"/>
+              <a:endParaRPr lang="ko-KR" altLang="en-US"/>
+            </a:p>
+          </p:txBody>
+        </p:sp>
+      </p:grpSp>
     </p:spTree>
     <p:extLst>
       <p:ext uri="{BB962C8B-B14F-4D97-AF65-F5344CB8AC3E}">
@@ -7668,6 +7882,4010 @@
 </p:sld>
 </file>
 
+<file path=ppt/slides/slide20.xml><?xml version="1.0" encoding="utf-8"?>
+<p:sld xmlns:a="http://schemas.openxmlformats.org/drawingml/2006/main" xmlns:r="http://schemas.openxmlformats.org/officeDocument/2006/relationships" xmlns:p="http://schemas.openxmlformats.org/presentationml/2006/main">
+  <p:cSld>
+    <p:spTree>
+      <p:nvGrpSpPr>
+        <p:cNvPr id="1" name=""/>
+        <p:cNvGrpSpPr/>
+        <p:nvPr/>
+      </p:nvGrpSpPr>
+      <p:grpSpPr>
+        <a:xfrm>
+          <a:off x="0" y="0"/>
+          <a:ext cx="0" cy="0"/>
+          <a:chOff x="0" y="0"/>
+          <a:chExt cx="0" cy="0"/>
+        </a:xfrm>
+      </p:grpSpPr>
+      <p:sp>
+        <p:nvSpPr>
+          <p:cNvPr id="2" name="제목 1"/>
+          <p:cNvSpPr>
+            <a:spLocks noGrp="1"/>
+          </p:cNvSpPr>
+          <p:nvPr>
+            <p:ph type="title"/>
+          </p:nvPr>
+        </p:nvSpPr>
+        <p:spPr/>
+        <p:txBody>
+          <a:bodyPr/>
+          <a:lstStyle/>
+          <a:p>
+            <a:r>
+              <a:rPr lang="en-US" altLang="ko-KR" dirty="0">
+                <a:solidFill>
+                  <a:srgbClr val="C00000"/>
+                </a:solidFill>
+              </a:rPr>
+              <a:t>activity_main.java</a:t>
+            </a:r>
+            <a:r>
+              <a:rPr lang="en-US" altLang="ko-KR" dirty="0"/>
+              <a:t> </a:t>
+            </a:r>
+            <a:r>
+              <a:rPr lang="ko-KR" altLang="en-US" dirty="0"/>
+              <a:t>살펴보기</a:t>
+            </a:r>
+          </a:p>
+        </p:txBody>
+      </p:sp>
+      <p:sp>
+        <p:nvSpPr>
+          <p:cNvPr id="3" name="내용 개체 틀 2"/>
+          <p:cNvSpPr>
+            <a:spLocks noGrp="1"/>
+          </p:cNvSpPr>
+          <p:nvPr>
+            <p:ph idx="10"/>
+          </p:nvPr>
+        </p:nvSpPr>
+        <p:spPr/>
+        <p:txBody>
+          <a:bodyPr/>
+          <a:lstStyle/>
+          <a:p>
+            <a:r>
+              <a:rPr lang="en-US" altLang="ko-KR" dirty="0" smtClean="0"/>
+              <a:t>Design</a:t>
+            </a:r>
+            <a:r>
+              <a:rPr lang="ko-KR" altLang="en-US" dirty="0"/>
+              <a:t> </a:t>
+            </a:r>
+            <a:r>
+              <a:rPr lang="ko-KR" altLang="en-US" dirty="0" smtClean="0"/>
+              <a:t>화면과 </a:t>
+            </a:r>
+            <a:r>
+              <a:rPr lang="en-US" altLang="ko-KR" dirty="0" smtClean="0"/>
+              <a:t>Blue Print</a:t>
+            </a:r>
+            <a:r>
+              <a:rPr lang="ko-KR" altLang="en-US" dirty="0" smtClean="0"/>
+              <a:t>화면입니다</a:t>
+            </a:r>
+            <a:r>
+              <a:rPr lang="en-US" altLang="ko-KR" dirty="0" smtClean="0"/>
+              <a:t>. </a:t>
+            </a:r>
+            <a:r>
+              <a:rPr lang="ko-KR" altLang="en-US" dirty="0" smtClean="0"/>
+              <a:t>이 화면을 이 </a:t>
+            </a:r>
+            <a:r>
+              <a:rPr lang="ko-KR" altLang="en-US" b="1" dirty="0" smtClean="0"/>
+              <a:t>하늘색 아이콘으로 </a:t>
+            </a:r>
+            <a:r>
+              <a:rPr lang="ko-KR" altLang="en-US" dirty="0" smtClean="0"/>
+              <a:t>선택할 수 있습니다</a:t>
+            </a:r>
+            <a:r>
+              <a:rPr lang="en-US" altLang="ko-KR" dirty="0" smtClean="0"/>
+              <a:t>.</a:t>
+            </a:r>
+          </a:p>
+          <a:p>
+            <a:r>
+              <a:rPr lang="ko-KR" altLang="en-US" dirty="0" smtClean="0"/>
+              <a:t>하늘색 아이콘으로 </a:t>
+            </a:r>
+            <a:r>
+              <a:rPr lang="en-US" altLang="ko-KR" dirty="0" smtClean="0"/>
+              <a:t>[Design]</a:t>
+            </a:r>
+            <a:r>
+              <a:rPr lang="ko-KR" altLang="en-US" dirty="0" smtClean="0"/>
+              <a:t>과 </a:t>
+            </a:r>
+            <a:r>
+              <a:rPr lang="en-US" altLang="ko-KR" dirty="0" smtClean="0"/>
+              <a:t/>
+            </a:r>
+            <a:br>
+              <a:rPr lang="en-US" altLang="ko-KR" dirty="0" smtClean="0"/>
+            </a:br>
+            <a:r>
+              <a:rPr lang="en-US" altLang="ko-KR" dirty="0" smtClean="0"/>
+              <a:t>[Blueprint], [</a:t>
+            </a:r>
+            <a:r>
+              <a:rPr lang="en-US" altLang="ko-KR" dirty="0" err="1" smtClean="0"/>
+              <a:t>Design+Blueprint</a:t>
+            </a:r>
+            <a:r>
+              <a:rPr lang="en-US" altLang="ko-KR" dirty="0" smtClean="0"/>
+              <a:t>]</a:t>
+            </a:r>
+            <a:br>
+              <a:rPr lang="en-US" altLang="ko-KR" dirty="0" smtClean="0"/>
+            </a:br>
+            <a:r>
+              <a:rPr lang="ko-KR" altLang="en-US" dirty="0" smtClean="0"/>
+              <a:t>를 각각 선택하고 관찰하십시오</a:t>
+            </a:r>
+            <a:r>
+              <a:rPr lang="en-US" altLang="ko-KR" dirty="0" smtClean="0"/>
+              <a:t>.  </a:t>
+            </a:r>
+          </a:p>
+          <a:p>
+            <a:endParaRPr lang="ko-KR" altLang="en-US" dirty="0"/>
+          </a:p>
+        </p:txBody>
+      </p:sp>
+      <p:sp>
+        <p:nvSpPr>
+          <p:cNvPr id="4" name="슬라이드 번호 개체 틀 3"/>
+          <p:cNvSpPr>
+            <a:spLocks noGrp="1"/>
+          </p:cNvSpPr>
+          <p:nvPr>
+            <p:ph type="sldNum" sz="quarter" idx="14"/>
+          </p:nvPr>
+        </p:nvSpPr>
+        <p:spPr/>
+        <p:txBody>
+          <a:bodyPr/>
+          <a:lstStyle/>
+          <a:p>
+            <a:pPr>
+              <a:defRPr/>
+            </a:pPr>
+            <a:fld id="{3D493B47-E977-46F8-8C2F-7DA674317049}" type="slidenum">
+              <a:rPr lang="ko-KR" altLang="en-US" smtClean="0"/>
+              <a:pPr>
+                <a:defRPr/>
+              </a:pPr>
+              <a:t>20</a:t>
+            </a:fld>
+            <a:endParaRPr lang="ko-KR" altLang="en-US"/>
+          </a:p>
+        </p:txBody>
+      </p:sp>
+      <p:grpSp>
+        <p:nvGrpSpPr>
+          <p:cNvPr id="8" name="그룹 7"/>
+          <p:cNvGrpSpPr/>
+          <p:nvPr/>
+        </p:nvGrpSpPr>
+        <p:grpSpPr>
+          <a:xfrm>
+            <a:off x="4727848" y="1412776"/>
+            <a:ext cx="7056784" cy="5107088"/>
+            <a:chOff x="4583833" y="1241499"/>
+            <a:chExt cx="7608168" cy="5616501"/>
+          </a:xfrm>
+        </p:grpSpPr>
+        <p:pic>
+          <p:nvPicPr>
+            <p:cNvPr id="7" name="그림 6"/>
+            <p:cNvPicPr>
+              <a:picLocks noChangeAspect="1"/>
+            </p:cNvPicPr>
+            <p:nvPr/>
+          </p:nvPicPr>
+          <p:blipFill>
+            <a:blip r:embed="rId2"/>
+            <a:stretch>
+              <a:fillRect/>
+            </a:stretch>
+          </p:blipFill>
+          <p:spPr>
+            <a:xfrm>
+              <a:off x="4583833" y="1241499"/>
+              <a:ext cx="7608168" cy="5616501"/>
+            </a:xfrm>
+            <a:prstGeom prst="rect">
+              <a:avLst/>
+            </a:prstGeom>
+          </p:spPr>
+        </p:pic>
+        <p:sp>
+          <p:nvSpPr>
+            <p:cNvPr id="5" name="아래쪽 화살표 4"/>
+            <p:cNvSpPr/>
+            <p:nvPr/>
+          </p:nvSpPr>
+          <p:spPr>
+            <a:xfrm>
+              <a:off x="6312024" y="1424527"/>
+              <a:ext cx="360040" cy="387301"/>
+            </a:xfrm>
+            <a:prstGeom prst="downArrow">
+              <a:avLst/>
+            </a:prstGeom>
+            <a:solidFill>
+              <a:srgbClr val="C00000"/>
+            </a:solidFill>
+            <a:ln>
+              <a:solidFill>
+                <a:srgbClr val="C00000"/>
+              </a:solidFill>
+            </a:ln>
+          </p:spPr>
+          <p:style>
+            <a:lnRef idx="2">
+              <a:schemeClr val="accent1">
+                <a:shade val="50000"/>
+              </a:schemeClr>
+            </a:lnRef>
+            <a:fillRef idx="1">
+              <a:schemeClr val="accent1"/>
+            </a:fillRef>
+            <a:effectRef idx="0">
+              <a:schemeClr val="accent1"/>
+            </a:effectRef>
+            <a:fontRef idx="minor">
+              <a:schemeClr val="lt1"/>
+            </a:fontRef>
+          </p:style>
+          <p:txBody>
+            <a:bodyPr rtlCol="0" anchor="ctr"/>
+            <a:lstStyle/>
+            <a:p>
+              <a:pPr algn="ctr"/>
+              <a:endParaRPr lang="ko-KR" altLang="en-US"/>
+            </a:p>
+          </p:txBody>
+        </p:sp>
+      </p:grpSp>
+      <p:sp>
+        <p:nvSpPr>
+          <p:cNvPr id="9" name="오른쪽 화살표 8"/>
+          <p:cNvSpPr/>
+          <p:nvPr/>
+        </p:nvSpPr>
+        <p:spPr>
+          <a:xfrm>
+            <a:off x="8510646" y="4869160"/>
+            <a:ext cx="504056" cy="360040"/>
+          </a:xfrm>
+          <a:prstGeom prst="rightArrow">
+            <a:avLst/>
+          </a:prstGeom>
+        </p:spPr>
+        <p:style>
+          <a:lnRef idx="2">
+            <a:schemeClr val="accent1">
+              <a:shade val="50000"/>
+            </a:schemeClr>
+          </a:lnRef>
+          <a:fillRef idx="1">
+            <a:schemeClr val="accent1"/>
+          </a:fillRef>
+          <a:effectRef idx="0">
+            <a:schemeClr val="accent1"/>
+          </a:effectRef>
+          <a:fontRef idx="minor">
+            <a:schemeClr val="lt1"/>
+          </a:fontRef>
+        </p:style>
+        <p:txBody>
+          <a:bodyPr rtlCol="0" anchor="ctr"/>
+          <a:lstStyle/>
+          <a:p>
+            <a:pPr algn="ctr"/>
+            <a:endParaRPr lang="ko-KR" altLang="en-US"/>
+          </a:p>
+        </p:txBody>
+      </p:sp>
+      <p:sp>
+        <p:nvSpPr>
+          <p:cNvPr id="10" name="TextBox 9"/>
+          <p:cNvSpPr txBox="1"/>
+          <p:nvPr/>
+        </p:nvSpPr>
+        <p:spPr>
+          <a:xfrm>
+            <a:off x="7385657" y="2565149"/>
+            <a:ext cx="2754034" cy="307777"/>
+          </a:xfrm>
+          <a:prstGeom prst="rect">
+            <a:avLst/>
+          </a:prstGeom>
+          <a:solidFill>
+            <a:srgbClr val="FFC000"/>
+          </a:solidFill>
+        </p:spPr>
+        <p:txBody>
+          <a:bodyPr wrap="square" rtlCol="0">
+            <a:spAutoFit/>
+          </a:bodyPr>
+          <a:lstStyle/>
+          <a:p>
+            <a:pPr algn="ctr"/>
+            <a:r>
+              <a:rPr lang="ko-KR" altLang="en-US" sz="1400" dirty="0" smtClean="0"/>
+              <a:t>스마트폰에 나타날 </a:t>
+            </a:r>
+            <a:r>
+              <a:rPr lang="en-US" altLang="ko-KR" sz="1400" dirty="0" smtClean="0"/>
+              <a:t>Design</a:t>
+            </a:r>
+            <a:r>
+              <a:rPr lang="ko-KR" altLang="en-US" sz="1400" dirty="0" smtClean="0"/>
+              <a:t> </a:t>
+            </a:r>
+            <a:r>
+              <a:rPr lang="ko-KR" altLang="en-US" sz="1400" dirty="0" smtClean="0"/>
+              <a:t>화면</a:t>
+            </a:r>
+            <a:endParaRPr lang="ko-KR" altLang="en-US" sz="1400" dirty="0"/>
+          </a:p>
+        </p:txBody>
+      </p:sp>
+      <p:sp>
+        <p:nvSpPr>
+          <p:cNvPr id="11" name="TextBox 10"/>
+          <p:cNvSpPr txBox="1"/>
+          <p:nvPr/>
+        </p:nvSpPr>
+        <p:spPr>
+          <a:xfrm>
+            <a:off x="6161815" y="4787570"/>
+            <a:ext cx="2310449" cy="523220"/>
+          </a:xfrm>
+          <a:prstGeom prst="rect">
+            <a:avLst/>
+          </a:prstGeom>
+          <a:solidFill>
+            <a:srgbClr val="FFC000"/>
+          </a:solidFill>
+          <a:ln>
+            <a:solidFill>
+              <a:schemeClr val="bg1">
+                <a:lumMod val="75000"/>
+              </a:schemeClr>
+            </a:solidFill>
+          </a:ln>
+        </p:spPr>
+        <p:txBody>
+          <a:bodyPr wrap="square" rtlCol="0">
+            <a:spAutoFit/>
+          </a:bodyPr>
+          <a:lstStyle/>
+          <a:p>
+            <a:pPr algn="ctr"/>
+            <a:r>
+              <a:rPr lang="ko-KR" altLang="en-US" sz="1400" dirty="0" smtClean="0"/>
+              <a:t>화면의 구성요소를 보여주는 청사진</a:t>
+            </a:r>
+            <a:r>
+              <a:rPr lang="en-US" altLang="ko-KR" sz="1400" dirty="0" smtClean="0"/>
+              <a:t>(</a:t>
+            </a:r>
+            <a:r>
+              <a:rPr lang="en-US" altLang="ko-KR" sz="1400" dirty="0" smtClean="0"/>
+              <a:t>Blueprint</a:t>
+            </a:r>
+            <a:r>
+              <a:rPr lang="en-US" altLang="ko-KR" sz="1400" dirty="0" smtClean="0"/>
+              <a:t>)</a:t>
+            </a:r>
+            <a:r>
+              <a:rPr lang="ko-KR" altLang="en-US" sz="1400" dirty="0" smtClean="0"/>
+              <a:t>화면</a:t>
+            </a:r>
+            <a:endParaRPr lang="ko-KR" altLang="en-US" sz="1400" dirty="0"/>
+          </a:p>
+        </p:txBody>
+      </p:sp>
+      <p:sp>
+        <p:nvSpPr>
+          <p:cNvPr id="12" name="오른쪽 화살표 11"/>
+          <p:cNvSpPr/>
+          <p:nvPr/>
+        </p:nvSpPr>
+        <p:spPr>
+          <a:xfrm rot="5400000">
+            <a:off x="7809681" y="2980833"/>
+            <a:ext cx="504056" cy="360040"/>
+          </a:xfrm>
+          <a:prstGeom prst="rightArrow">
+            <a:avLst/>
+          </a:prstGeom>
+        </p:spPr>
+        <p:style>
+          <a:lnRef idx="2">
+            <a:schemeClr val="accent1">
+              <a:shade val="50000"/>
+            </a:schemeClr>
+          </a:lnRef>
+          <a:fillRef idx="1">
+            <a:schemeClr val="accent1"/>
+          </a:fillRef>
+          <a:effectRef idx="0">
+            <a:schemeClr val="accent1"/>
+          </a:effectRef>
+          <a:fontRef idx="minor">
+            <a:schemeClr val="lt1"/>
+          </a:fontRef>
+        </p:style>
+        <p:txBody>
+          <a:bodyPr rtlCol="0" anchor="ctr"/>
+          <a:lstStyle/>
+          <a:p>
+            <a:pPr algn="ctr"/>
+            <a:endParaRPr lang="ko-KR" altLang="en-US"/>
+          </a:p>
+        </p:txBody>
+      </p:sp>
+      <p:sp>
+        <p:nvSpPr>
+          <p:cNvPr id="6" name="아래쪽 화살표 5"/>
+          <p:cNvSpPr/>
+          <p:nvPr/>
+        </p:nvSpPr>
+        <p:spPr>
+          <a:xfrm>
+            <a:off x="7173023" y="1748858"/>
+            <a:ext cx="288032" cy="352173"/>
+          </a:xfrm>
+          <a:prstGeom prst="downArrow">
+            <a:avLst/>
+          </a:prstGeom>
+          <a:solidFill>
+            <a:schemeClr val="tx2">
+              <a:lumMod val="40000"/>
+              <a:lumOff val="60000"/>
+            </a:schemeClr>
+          </a:solidFill>
+          <a:ln>
+            <a:solidFill>
+              <a:srgbClr val="0070C0"/>
+            </a:solidFill>
+          </a:ln>
+        </p:spPr>
+        <p:style>
+          <a:lnRef idx="2">
+            <a:schemeClr val="accent1">
+              <a:shade val="50000"/>
+            </a:schemeClr>
+          </a:lnRef>
+          <a:fillRef idx="1">
+            <a:schemeClr val="accent1"/>
+          </a:fillRef>
+          <a:effectRef idx="0">
+            <a:schemeClr val="accent1"/>
+          </a:effectRef>
+          <a:fontRef idx="minor">
+            <a:schemeClr val="lt1"/>
+          </a:fontRef>
+        </p:style>
+        <p:txBody>
+          <a:bodyPr rtlCol="0" anchor="ctr"/>
+          <a:lstStyle/>
+          <a:p>
+            <a:pPr algn="ctr"/>
+            <a:endParaRPr lang="ko-KR" altLang="en-US"/>
+          </a:p>
+        </p:txBody>
+      </p:sp>
+    </p:spTree>
+    <p:extLst>
+      <p:ext uri="{BB962C8B-B14F-4D97-AF65-F5344CB8AC3E}">
+        <p14:creationId xmlns:p14="http://schemas.microsoft.com/office/powerpoint/2010/main" val="748440672"/>
+      </p:ext>
+    </p:extLst>
+  </p:cSld>
+  <p:clrMapOvr>
+    <a:masterClrMapping/>
+  </p:clrMapOvr>
+</p:sld>
+</file>
+
+<file path=ppt/slides/slide21.xml><?xml version="1.0" encoding="utf-8"?>
+<p:sld xmlns:a="http://schemas.openxmlformats.org/drawingml/2006/main" xmlns:r="http://schemas.openxmlformats.org/officeDocument/2006/relationships" xmlns:p="http://schemas.openxmlformats.org/presentationml/2006/main">
+  <p:cSld>
+    <p:spTree>
+      <p:nvGrpSpPr>
+        <p:cNvPr id="1" name=""/>
+        <p:cNvGrpSpPr/>
+        <p:nvPr/>
+      </p:nvGrpSpPr>
+      <p:grpSpPr>
+        <a:xfrm>
+          <a:off x="0" y="0"/>
+          <a:ext cx="0" cy="0"/>
+          <a:chOff x="0" y="0"/>
+          <a:chExt cx="0" cy="0"/>
+        </a:xfrm>
+      </p:grpSpPr>
+      <p:sp>
+        <p:nvSpPr>
+          <p:cNvPr id="2" name="제목 1"/>
+          <p:cNvSpPr>
+            <a:spLocks noGrp="1"/>
+          </p:cNvSpPr>
+          <p:nvPr>
+            <p:ph type="title"/>
+          </p:nvPr>
+        </p:nvSpPr>
+        <p:spPr/>
+        <p:txBody>
+          <a:bodyPr/>
+          <a:lstStyle/>
+          <a:p>
+            <a:r>
+              <a:rPr lang="en-US" altLang="ko-KR" dirty="0" smtClean="0">
+                <a:solidFill>
+                  <a:srgbClr val="C00000"/>
+                </a:solidFill>
+              </a:rPr>
+              <a:t>03-2 </a:t>
+            </a:r>
+            <a:r>
+              <a:rPr lang="ko-KR" altLang="en-US" dirty="0" smtClean="0">
+                <a:solidFill>
+                  <a:srgbClr val="C00000"/>
+                </a:solidFill>
+              </a:rPr>
+              <a:t>에뮬레이터로 </a:t>
+            </a:r>
+            <a:r>
+              <a:rPr lang="en-US" altLang="ko-KR" dirty="0" smtClean="0">
+                <a:solidFill>
+                  <a:srgbClr val="C00000"/>
+                </a:solidFill>
+              </a:rPr>
+              <a:t>Hello World </a:t>
+            </a:r>
+            <a:r>
+              <a:rPr lang="ko-KR" altLang="en-US" dirty="0">
+                <a:solidFill>
+                  <a:srgbClr val="C00000"/>
+                </a:solidFill>
+              </a:rPr>
+              <a:t>앱 실행하기</a:t>
+            </a:r>
+            <a:endParaRPr lang="ko-KR" altLang="en-US" dirty="0">
+              <a:solidFill>
+                <a:srgbClr val="C00000"/>
+              </a:solidFill>
+            </a:endParaRPr>
+          </a:p>
+        </p:txBody>
+      </p:sp>
+      <p:sp>
+        <p:nvSpPr>
+          <p:cNvPr id="3" name="내용 개체 틀 2"/>
+          <p:cNvSpPr>
+            <a:spLocks noGrp="1"/>
+          </p:cNvSpPr>
+          <p:nvPr>
+            <p:ph idx="10"/>
+          </p:nvPr>
+        </p:nvSpPr>
+        <p:spPr/>
+        <p:txBody>
+          <a:bodyPr/>
+          <a:lstStyle/>
+          <a:p>
+            <a:r>
+              <a:rPr lang="ko-KR" altLang="en-US" dirty="0" smtClean="0"/>
+              <a:t>앱을 실행하려면 안드로이드 단말기가 필요합니다</a:t>
+            </a:r>
+            <a:r>
+              <a:rPr lang="en-US" altLang="ko-KR" dirty="0" smtClean="0"/>
+              <a:t>.  </a:t>
+            </a:r>
+          </a:p>
+          <a:p>
+            <a:r>
+              <a:rPr lang="ko-KR" altLang="en-US" dirty="0" smtClean="0"/>
+              <a:t>지금은 먼저 에뮬레이터와 가상 단말기를 이용하여 앱을 실행하고자 합니다</a:t>
+            </a:r>
+            <a:r>
+              <a:rPr lang="en-US" altLang="ko-KR" dirty="0" smtClean="0"/>
+              <a:t>.  </a:t>
+            </a:r>
+          </a:p>
+          <a:p>
+            <a:r>
+              <a:rPr lang="ko-KR" altLang="en-US" dirty="0" smtClean="0"/>
+              <a:t>에뮬레이터는 </a:t>
+            </a:r>
+            <a:r>
+              <a:rPr lang="ko-KR" altLang="en-US" dirty="0" err="1" smtClean="0"/>
+              <a:t>안스와</a:t>
+            </a:r>
+            <a:r>
+              <a:rPr lang="ko-KR" altLang="en-US" dirty="0" smtClean="0"/>
+              <a:t> 함께 설치되었고</a:t>
+            </a:r>
+            <a:r>
+              <a:rPr lang="en-US" altLang="ko-KR" dirty="0" smtClean="0"/>
+              <a:t>, </a:t>
+            </a:r>
+            <a:r>
+              <a:rPr lang="ko-KR" altLang="en-US" dirty="0" smtClean="0"/>
+              <a:t>가상 단말기</a:t>
+            </a:r>
+            <a:r>
+              <a:rPr lang="en-US" altLang="ko-KR" dirty="0" smtClean="0"/>
+              <a:t>(Virtual Device)</a:t>
+            </a:r>
+            <a:r>
+              <a:rPr lang="ko-KR" altLang="en-US" dirty="0" smtClean="0"/>
+              <a:t>만 설치하면 됩니다</a:t>
+            </a:r>
+            <a:r>
+              <a:rPr lang="en-US" altLang="ko-KR" dirty="0" smtClean="0"/>
+              <a:t>.</a:t>
+            </a:r>
+          </a:p>
+          <a:p>
+            <a:pPr lvl="1"/>
+            <a:r>
+              <a:rPr lang="ko-KR" altLang="en-US" dirty="0" err="1" smtClean="0"/>
+              <a:t>안스</a:t>
+            </a:r>
+            <a:r>
+              <a:rPr lang="ko-KR" altLang="en-US" dirty="0" smtClean="0"/>
+              <a:t> 오른쪽 상단에 </a:t>
+            </a:r>
+            <a:r>
+              <a:rPr lang="en-US" altLang="ko-KR" b="1" dirty="0" smtClean="0"/>
+              <a:t>[AVD Manager] </a:t>
+            </a:r>
+            <a:r>
+              <a:rPr lang="ko-KR" altLang="en-US" dirty="0" smtClean="0"/>
+              <a:t>아이콘을 선택하면</a:t>
+            </a:r>
+            <a:r>
+              <a:rPr lang="en-US" altLang="ko-KR" dirty="0" smtClean="0"/>
+              <a:t>, </a:t>
+            </a:r>
+            <a:r>
+              <a:rPr lang="ko-KR" altLang="en-US" dirty="0" smtClean="0"/>
+              <a:t>가상단말관리화면</a:t>
+            </a:r>
+            <a:r>
+              <a:rPr lang="en-US" altLang="ko-KR" dirty="0" smtClean="0"/>
+              <a:t>(Android Virtual Device Manager)</a:t>
+            </a:r>
+            <a:r>
+              <a:rPr lang="ko-KR" altLang="en-US" dirty="0" smtClean="0"/>
+              <a:t>이 나타납니다</a:t>
+            </a:r>
+            <a:r>
+              <a:rPr lang="en-US" altLang="ko-KR" dirty="0" smtClean="0"/>
+              <a:t>. [Create Virtual Device]</a:t>
+            </a:r>
+            <a:r>
+              <a:rPr lang="ko-KR" altLang="en-US" dirty="0" smtClean="0"/>
+              <a:t>를 선택합니다</a:t>
+            </a:r>
+            <a:r>
+              <a:rPr lang="en-US" altLang="ko-KR" dirty="0" smtClean="0"/>
+              <a:t>.</a:t>
+            </a:r>
+          </a:p>
+          <a:p>
+            <a:pPr lvl="1"/>
+            <a:r>
+              <a:rPr lang="en-US" altLang="ko-KR" dirty="0" smtClean="0"/>
+              <a:t>Select </a:t>
+            </a:r>
+            <a:r>
+              <a:rPr lang="en-US" altLang="ko-KR" dirty="0" smtClean="0"/>
+              <a:t>Hardware </a:t>
+            </a:r>
+            <a:r>
+              <a:rPr lang="ko-KR" altLang="en-US" dirty="0" smtClean="0"/>
+              <a:t>창이 나타납니다</a:t>
+            </a:r>
+            <a:r>
+              <a:rPr lang="en-US" altLang="ko-KR" dirty="0" smtClean="0"/>
+              <a:t>. </a:t>
+            </a:r>
+            <a:r>
+              <a:rPr lang="ko-KR" altLang="en-US" dirty="0" smtClean="0"/>
+              <a:t>무난해 보이는 </a:t>
+            </a:r>
+            <a:r>
+              <a:rPr lang="en-US" altLang="ko-KR" dirty="0" smtClean="0"/>
+              <a:t>Nexus 5X</a:t>
+            </a:r>
+            <a:r>
+              <a:rPr lang="ko-KR" altLang="en-US" dirty="0" smtClean="0"/>
+              <a:t>를 선택하고</a:t>
+            </a:r>
+            <a:r>
+              <a:rPr lang="en-US" altLang="ko-KR" dirty="0" smtClean="0"/>
+              <a:t>, [Next]</a:t>
+            </a:r>
+            <a:r>
+              <a:rPr lang="ko-KR" altLang="en-US" dirty="0" smtClean="0"/>
+              <a:t>를 해봅시다</a:t>
+            </a:r>
+            <a:r>
+              <a:rPr lang="en-US" altLang="ko-KR" dirty="0" smtClean="0"/>
+              <a:t>.  </a:t>
+            </a:r>
+            <a:endParaRPr lang="ko-KR" altLang="en-US" dirty="0"/>
+          </a:p>
+        </p:txBody>
+      </p:sp>
+      <p:sp>
+        <p:nvSpPr>
+          <p:cNvPr id="4" name="슬라이드 번호 개체 틀 3"/>
+          <p:cNvSpPr>
+            <a:spLocks noGrp="1"/>
+          </p:cNvSpPr>
+          <p:nvPr>
+            <p:ph type="sldNum" sz="quarter" idx="14"/>
+          </p:nvPr>
+        </p:nvSpPr>
+        <p:spPr/>
+        <p:txBody>
+          <a:bodyPr/>
+          <a:lstStyle/>
+          <a:p>
+            <a:pPr>
+              <a:defRPr/>
+            </a:pPr>
+            <a:fld id="{3D493B47-E977-46F8-8C2F-7DA674317049}" type="slidenum">
+              <a:rPr lang="ko-KR" altLang="en-US" smtClean="0"/>
+              <a:pPr>
+                <a:defRPr/>
+              </a:pPr>
+              <a:t>21</a:t>
+            </a:fld>
+            <a:endParaRPr lang="ko-KR" altLang="en-US"/>
+          </a:p>
+        </p:txBody>
+      </p:sp>
+      <p:grpSp>
+        <p:nvGrpSpPr>
+          <p:cNvPr id="22" name="그룹 21"/>
+          <p:cNvGrpSpPr/>
+          <p:nvPr/>
+        </p:nvGrpSpPr>
+        <p:grpSpPr>
+          <a:xfrm>
+            <a:off x="453100" y="3567198"/>
+            <a:ext cx="2753109" cy="1635447"/>
+            <a:chOff x="453100" y="3068960"/>
+            <a:chExt cx="2753109" cy="1635447"/>
+          </a:xfrm>
+        </p:grpSpPr>
+        <p:pic>
+          <p:nvPicPr>
+            <p:cNvPr id="13" name="그림 12"/>
+            <p:cNvPicPr>
+              <a:picLocks noChangeAspect="1"/>
+            </p:cNvPicPr>
+            <p:nvPr/>
+          </p:nvPicPr>
+          <p:blipFill>
+            <a:blip r:embed="rId2"/>
+            <a:stretch>
+              <a:fillRect/>
+            </a:stretch>
+          </p:blipFill>
+          <p:spPr>
+            <a:xfrm>
+              <a:off x="453100" y="3284984"/>
+              <a:ext cx="2753109" cy="1419423"/>
+            </a:xfrm>
+            <a:prstGeom prst="rect">
+              <a:avLst/>
+            </a:prstGeom>
+          </p:spPr>
+        </p:pic>
+        <p:cxnSp>
+          <p:nvCxnSpPr>
+            <p:cNvPr id="15" name="직선 화살표 연결선 14"/>
+            <p:cNvCxnSpPr/>
+            <p:nvPr/>
+          </p:nvCxnSpPr>
+          <p:spPr>
+            <a:xfrm>
+              <a:off x="2135560" y="3068960"/>
+              <a:ext cx="0" cy="792088"/>
+            </a:xfrm>
+            <a:prstGeom prst="straightConnector1">
+              <a:avLst/>
+            </a:prstGeom>
+            <a:ln>
+              <a:solidFill>
+                <a:srgbClr val="C00000"/>
+              </a:solidFill>
+              <a:tailEnd type="triangle"/>
+            </a:ln>
+          </p:spPr>
+          <p:style>
+            <a:lnRef idx="1">
+              <a:schemeClr val="accent1"/>
+            </a:lnRef>
+            <a:fillRef idx="0">
+              <a:schemeClr val="accent1"/>
+            </a:fillRef>
+            <a:effectRef idx="0">
+              <a:schemeClr val="accent1"/>
+            </a:effectRef>
+            <a:fontRef idx="minor">
+              <a:schemeClr val="tx1"/>
+            </a:fontRef>
+          </p:style>
+        </p:cxnSp>
+      </p:grpSp>
+      <p:pic>
+        <p:nvPicPr>
+          <p:cNvPr id="19" name="그림 18"/>
+          <p:cNvPicPr>
+            <a:picLocks noChangeAspect="1"/>
+          </p:cNvPicPr>
+          <p:nvPr/>
+        </p:nvPicPr>
+        <p:blipFill>
+          <a:blip r:embed="rId3"/>
+          <a:stretch>
+            <a:fillRect/>
+          </a:stretch>
+        </p:blipFill>
+        <p:spPr>
+          <a:xfrm>
+            <a:off x="3618127" y="3284984"/>
+            <a:ext cx="3240360" cy="2199877"/>
+          </a:xfrm>
+          <a:prstGeom prst="rect">
+            <a:avLst/>
+          </a:prstGeom>
+        </p:spPr>
+      </p:pic>
+      <p:sp>
+        <p:nvSpPr>
+          <p:cNvPr id="20" name="TextBox 19"/>
+          <p:cNvSpPr txBox="1"/>
+          <p:nvPr/>
+        </p:nvSpPr>
+        <p:spPr>
+          <a:xfrm>
+            <a:off x="3579038" y="5621363"/>
+            <a:ext cx="3318537" cy="369332"/>
+          </a:xfrm>
+          <a:prstGeom prst="rect">
+            <a:avLst/>
+          </a:prstGeom>
+          <a:noFill/>
+        </p:spPr>
+        <p:txBody>
+          <a:bodyPr wrap="none" rtlCol="0">
+            <a:spAutoFit/>
+          </a:bodyPr>
+          <a:lstStyle/>
+          <a:p>
+            <a:r>
+              <a:rPr lang="ko-KR" altLang="en-US" dirty="0" smtClean="0"/>
+              <a:t>가상 단말이 없을 때 나타나는 창</a:t>
+            </a:r>
+            <a:endParaRPr lang="ko-KR" altLang="en-US" dirty="0"/>
+          </a:p>
+        </p:txBody>
+      </p:sp>
+      <p:sp>
+        <p:nvSpPr>
+          <p:cNvPr id="21" name="직사각형 20"/>
+          <p:cNvSpPr/>
+          <p:nvPr/>
+        </p:nvSpPr>
+        <p:spPr>
+          <a:xfrm>
+            <a:off x="850058" y="5558098"/>
+            <a:ext cx="1959191" cy="369332"/>
+          </a:xfrm>
+          <a:prstGeom prst="rect">
+            <a:avLst/>
+          </a:prstGeom>
+        </p:spPr>
+        <p:txBody>
+          <a:bodyPr wrap="none">
+            <a:spAutoFit/>
+          </a:bodyPr>
+          <a:lstStyle/>
+          <a:p>
+            <a:r>
+              <a:rPr lang="en-US" altLang="ko-KR" dirty="0"/>
+              <a:t>[AVD Manager</a:t>
+            </a:r>
+            <a:r>
+              <a:rPr lang="en-US" altLang="ko-KR" dirty="0" smtClean="0"/>
+              <a:t>]</a:t>
+            </a:r>
+            <a:endParaRPr lang="ko-KR" altLang="en-US" dirty="0"/>
+          </a:p>
+        </p:txBody>
+      </p:sp>
+      <p:pic>
+        <p:nvPicPr>
+          <p:cNvPr id="23" name="그림 22"/>
+          <p:cNvPicPr>
+            <a:picLocks noChangeAspect="1"/>
+          </p:cNvPicPr>
+          <p:nvPr/>
+        </p:nvPicPr>
+        <p:blipFill>
+          <a:blip r:embed="rId4"/>
+          <a:stretch>
+            <a:fillRect/>
+          </a:stretch>
+        </p:blipFill>
+        <p:spPr>
+          <a:xfrm>
+            <a:off x="7270406" y="3284984"/>
+            <a:ext cx="4550668" cy="3086034"/>
+          </a:xfrm>
+          <a:prstGeom prst="rect">
+            <a:avLst/>
+          </a:prstGeom>
+        </p:spPr>
+      </p:pic>
+    </p:spTree>
+    <p:extLst>
+      <p:ext uri="{BB962C8B-B14F-4D97-AF65-F5344CB8AC3E}">
+        <p14:creationId xmlns:p14="http://schemas.microsoft.com/office/powerpoint/2010/main" val="692047083"/>
+      </p:ext>
+    </p:extLst>
+  </p:cSld>
+  <p:clrMapOvr>
+    <a:masterClrMapping/>
+  </p:clrMapOvr>
+</p:sld>
+</file>
+
+<file path=ppt/slides/slide22.xml><?xml version="1.0" encoding="utf-8"?>
+<p:sld xmlns:a="http://schemas.openxmlformats.org/drawingml/2006/main" xmlns:r="http://schemas.openxmlformats.org/officeDocument/2006/relationships" xmlns:p="http://schemas.openxmlformats.org/presentationml/2006/main">
+  <p:cSld>
+    <p:spTree>
+      <p:nvGrpSpPr>
+        <p:cNvPr id="1" name=""/>
+        <p:cNvGrpSpPr/>
+        <p:nvPr/>
+      </p:nvGrpSpPr>
+      <p:grpSpPr>
+        <a:xfrm>
+          <a:off x="0" y="0"/>
+          <a:ext cx="0" cy="0"/>
+          <a:chOff x="0" y="0"/>
+          <a:chExt cx="0" cy="0"/>
+        </a:xfrm>
+      </p:grpSpPr>
+      <p:sp>
+        <p:nvSpPr>
+          <p:cNvPr id="2" name="제목 1"/>
+          <p:cNvSpPr>
+            <a:spLocks noGrp="1"/>
+          </p:cNvSpPr>
+          <p:nvPr>
+            <p:ph type="title"/>
+          </p:nvPr>
+        </p:nvSpPr>
+        <p:spPr/>
+        <p:txBody>
+          <a:bodyPr/>
+          <a:lstStyle/>
+          <a:p>
+            <a:r>
+              <a:rPr lang="en-US" altLang="ko-KR" dirty="0" smtClean="0">
+                <a:solidFill>
+                  <a:srgbClr val="C00000"/>
+                </a:solidFill>
+              </a:rPr>
+              <a:t>03-2 </a:t>
+            </a:r>
+            <a:r>
+              <a:rPr lang="ko-KR" altLang="en-US" dirty="0" smtClean="0">
+                <a:solidFill>
+                  <a:srgbClr val="C00000"/>
+                </a:solidFill>
+              </a:rPr>
+              <a:t>에뮬레이터로 </a:t>
+            </a:r>
+            <a:r>
+              <a:rPr lang="en-US" altLang="ko-KR" dirty="0" smtClean="0">
+                <a:solidFill>
+                  <a:srgbClr val="C00000"/>
+                </a:solidFill>
+              </a:rPr>
+              <a:t>Hello World </a:t>
+            </a:r>
+            <a:r>
+              <a:rPr lang="ko-KR" altLang="en-US" dirty="0">
+                <a:solidFill>
+                  <a:srgbClr val="C00000"/>
+                </a:solidFill>
+              </a:rPr>
+              <a:t>앱 실행하기</a:t>
+            </a:r>
+            <a:endParaRPr lang="ko-KR" altLang="en-US" dirty="0">
+              <a:solidFill>
+                <a:srgbClr val="C00000"/>
+              </a:solidFill>
+            </a:endParaRPr>
+          </a:p>
+        </p:txBody>
+      </p:sp>
+      <p:sp>
+        <p:nvSpPr>
+          <p:cNvPr id="3" name="내용 개체 틀 2"/>
+          <p:cNvSpPr>
+            <a:spLocks noGrp="1"/>
+          </p:cNvSpPr>
+          <p:nvPr>
+            <p:ph idx="10"/>
+          </p:nvPr>
+        </p:nvSpPr>
+        <p:spPr/>
+        <p:txBody>
+          <a:bodyPr/>
+          <a:lstStyle/>
+          <a:p>
+            <a:r>
+              <a:rPr lang="en-US" altLang="ko-KR" dirty="0" smtClean="0"/>
+              <a:t>"</a:t>
+            </a:r>
+            <a:r>
+              <a:rPr lang="en-US" altLang="ko-KR" dirty="0" smtClean="0"/>
+              <a:t>System Image"</a:t>
+            </a:r>
+            <a:r>
+              <a:rPr lang="ko-KR" altLang="en-US" dirty="0" smtClean="0"/>
+              <a:t>창에서 가상 단말기에 사용할 이미지</a:t>
+            </a:r>
+            <a:r>
+              <a:rPr lang="en-US" altLang="ko-KR" dirty="0" smtClean="0"/>
+              <a:t>(OS</a:t>
+            </a:r>
+            <a:r>
+              <a:rPr lang="ko-KR" altLang="en-US" dirty="0" smtClean="0"/>
+              <a:t>를 담고 있는 가상 단말기 실행파일</a:t>
+            </a:r>
+            <a:r>
+              <a:rPr lang="en-US" altLang="ko-KR" dirty="0" smtClean="0"/>
+              <a:t>)</a:t>
+            </a:r>
+            <a:r>
+              <a:rPr lang="ko-KR" altLang="en-US" dirty="0" smtClean="0"/>
+              <a:t>를 선택합니다</a:t>
+            </a:r>
+            <a:r>
+              <a:rPr lang="en-US" altLang="ko-KR" dirty="0" smtClean="0"/>
+              <a:t>. </a:t>
+            </a:r>
+            <a:r>
+              <a:rPr lang="ko-KR" altLang="en-US" dirty="0" smtClean="0"/>
+              <a:t>최신의 </a:t>
+            </a:r>
+            <a:r>
+              <a:rPr lang="en-US" altLang="ko-KR" dirty="0" smtClean="0"/>
+              <a:t>Pie </a:t>
+            </a:r>
+            <a:r>
+              <a:rPr lang="ko-KR" altLang="en-US" dirty="0" smtClean="0"/>
+              <a:t>버전을 사용하겠습니다</a:t>
+            </a:r>
+            <a:r>
+              <a:rPr lang="en-US" altLang="ko-KR" dirty="0" smtClean="0"/>
+              <a:t>. [Download]</a:t>
+            </a:r>
+            <a:r>
+              <a:rPr lang="ko-KR" altLang="en-US" dirty="0" smtClean="0"/>
+              <a:t>링크를 눌러 파일을 내려 받으십시오</a:t>
+            </a:r>
+            <a:r>
+              <a:rPr lang="en-US" altLang="ko-KR" dirty="0" smtClean="0"/>
+              <a:t>. </a:t>
+            </a:r>
+          </a:p>
+          <a:p>
+            <a:r>
+              <a:rPr lang="ko-KR" altLang="en-US" dirty="0" smtClean="0"/>
+              <a:t>설치가 끝나고</a:t>
+            </a:r>
+            <a:r>
+              <a:rPr lang="en-US" altLang="ko-KR" dirty="0" smtClean="0"/>
+              <a:t>, [Next]</a:t>
+            </a:r>
+            <a:r>
+              <a:rPr lang="ko-KR" altLang="en-US" dirty="0" smtClean="0"/>
+              <a:t>하면</a:t>
+            </a:r>
+            <a:r>
+              <a:rPr lang="en-US" altLang="ko-KR" dirty="0" smtClean="0"/>
+              <a:t>, </a:t>
+            </a:r>
+            <a:r>
+              <a:rPr lang="ko-KR" altLang="en-US" dirty="0" smtClean="0"/>
+              <a:t>설치된 </a:t>
+            </a:r>
+            <a:r>
+              <a:rPr lang="en-US" altLang="ko-KR" dirty="0" smtClean="0"/>
+              <a:t>"Android Virtual Device"</a:t>
+            </a:r>
+            <a:r>
+              <a:rPr lang="ko-KR" altLang="en-US" dirty="0" smtClean="0"/>
+              <a:t>의 이름을 확인하고 </a:t>
+            </a:r>
+            <a:r>
+              <a:rPr lang="en-US" altLang="ko-KR" dirty="0" smtClean="0"/>
+              <a:t>[Finish]</a:t>
+            </a:r>
+            <a:r>
+              <a:rPr lang="ko-KR" altLang="en-US" dirty="0" smtClean="0"/>
+              <a:t>하십시오</a:t>
+            </a:r>
+            <a:r>
+              <a:rPr lang="en-US" altLang="ko-KR" dirty="0" smtClean="0"/>
+              <a:t>.</a:t>
+            </a:r>
+            <a:endParaRPr lang="ko-KR" altLang="en-US" dirty="0"/>
+          </a:p>
+        </p:txBody>
+      </p:sp>
+      <p:sp>
+        <p:nvSpPr>
+          <p:cNvPr id="4" name="슬라이드 번호 개체 틀 3"/>
+          <p:cNvSpPr>
+            <a:spLocks noGrp="1"/>
+          </p:cNvSpPr>
+          <p:nvPr>
+            <p:ph type="sldNum" sz="quarter" idx="14"/>
+          </p:nvPr>
+        </p:nvSpPr>
+        <p:spPr/>
+        <p:txBody>
+          <a:bodyPr/>
+          <a:lstStyle/>
+          <a:p>
+            <a:pPr>
+              <a:defRPr/>
+            </a:pPr>
+            <a:fld id="{3D493B47-E977-46F8-8C2F-7DA674317049}" type="slidenum">
+              <a:rPr lang="ko-KR" altLang="en-US" smtClean="0"/>
+              <a:pPr>
+                <a:defRPr/>
+              </a:pPr>
+              <a:t>22</a:t>
+            </a:fld>
+            <a:endParaRPr lang="ko-KR" altLang="en-US"/>
+          </a:p>
+        </p:txBody>
+      </p:sp>
+      <p:pic>
+        <p:nvPicPr>
+          <p:cNvPr id="6" name="그림 5"/>
+          <p:cNvPicPr>
+            <a:picLocks noChangeAspect="1"/>
+          </p:cNvPicPr>
+          <p:nvPr/>
+        </p:nvPicPr>
+        <p:blipFill>
+          <a:blip r:embed="rId2"/>
+          <a:stretch>
+            <a:fillRect/>
+          </a:stretch>
+        </p:blipFill>
+        <p:spPr>
+          <a:xfrm>
+            <a:off x="453101" y="2132856"/>
+            <a:ext cx="5027751" cy="3409567"/>
+          </a:xfrm>
+          <a:prstGeom prst="rect">
+            <a:avLst/>
+          </a:prstGeom>
+        </p:spPr>
+      </p:pic>
+      <p:pic>
+        <p:nvPicPr>
+          <p:cNvPr id="7" name="그림 6"/>
+          <p:cNvPicPr>
+            <a:picLocks noChangeAspect="1"/>
+          </p:cNvPicPr>
+          <p:nvPr/>
+        </p:nvPicPr>
+        <p:blipFill>
+          <a:blip r:embed="rId3"/>
+          <a:stretch>
+            <a:fillRect/>
+          </a:stretch>
+        </p:blipFill>
+        <p:spPr>
+          <a:xfrm>
+            <a:off x="4250068" y="2939024"/>
+            <a:ext cx="3289972" cy="2777930"/>
+          </a:xfrm>
+          <a:prstGeom prst="rect">
+            <a:avLst/>
+          </a:prstGeom>
+        </p:spPr>
+      </p:pic>
+      <p:cxnSp>
+        <p:nvCxnSpPr>
+          <p:cNvPr id="9" name="직선 화살표 연결선 8"/>
+          <p:cNvCxnSpPr/>
+          <p:nvPr/>
+        </p:nvCxnSpPr>
+        <p:spPr>
+          <a:xfrm flipV="1">
+            <a:off x="2351584" y="4293096"/>
+            <a:ext cx="0" cy="1397119"/>
+          </a:xfrm>
+          <a:prstGeom prst="straightConnector1">
+            <a:avLst/>
+          </a:prstGeom>
+          <a:ln>
+            <a:solidFill>
+              <a:srgbClr val="C00000"/>
+            </a:solidFill>
+            <a:tailEnd type="triangle"/>
+          </a:ln>
+        </p:spPr>
+        <p:style>
+          <a:lnRef idx="1">
+            <a:schemeClr val="accent1"/>
+          </a:lnRef>
+          <a:fillRef idx="0">
+            <a:schemeClr val="accent1"/>
+          </a:fillRef>
+          <a:effectRef idx="0">
+            <a:schemeClr val="accent1"/>
+          </a:effectRef>
+          <a:fontRef idx="minor">
+            <a:schemeClr val="tx1"/>
+          </a:fontRef>
+        </p:style>
+      </p:cxnSp>
+      <p:sp>
+        <p:nvSpPr>
+          <p:cNvPr id="12" name="TextBox 11"/>
+          <p:cNvSpPr txBox="1"/>
+          <p:nvPr/>
+        </p:nvSpPr>
+        <p:spPr>
+          <a:xfrm>
+            <a:off x="453098" y="5714672"/>
+            <a:ext cx="11248113" cy="830997"/>
+          </a:xfrm>
+          <a:prstGeom prst="rect">
+            <a:avLst/>
+          </a:prstGeom>
+          <a:noFill/>
+        </p:spPr>
+        <p:txBody>
+          <a:bodyPr wrap="square" rtlCol="0">
+            <a:spAutoFit/>
+          </a:bodyPr>
+          <a:lstStyle/>
+          <a:p>
+            <a:pPr latinLnBrk="0"/>
+            <a:r>
+              <a:rPr lang="en-US" altLang="ko-KR" sz="1600" b="1" dirty="0" smtClean="0"/>
+              <a:t>ABI </a:t>
+            </a:r>
+            <a:r>
+              <a:rPr lang="en-US" altLang="ko-KR" sz="1600" dirty="0" smtClean="0"/>
+              <a:t>– Application Binary Interface: </a:t>
+            </a:r>
+            <a:r>
+              <a:rPr lang="ko-KR" altLang="en-US" sz="1600" dirty="0" smtClean="0"/>
+              <a:t>안드로이드 </a:t>
+            </a:r>
+            <a:r>
+              <a:rPr lang="en-US" altLang="ko-KR" sz="1600" dirty="0" smtClean="0"/>
+              <a:t>CPU</a:t>
+            </a:r>
+            <a:r>
+              <a:rPr lang="ko-KR" altLang="en-US" sz="1600" dirty="0" smtClean="0"/>
+              <a:t>칩과 시스템 상호작용방법을 기술한 인터페이스입니다 대표적으로 </a:t>
+            </a:r>
+            <a:r>
+              <a:rPr lang="en-US" altLang="ko-KR" sz="1600" dirty="0" smtClean="0"/>
+              <a:t>ARM, MIPS, x86</a:t>
+            </a:r>
+            <a:r>
+              <a:rPr lang="ko-KR" altLang="en-US" sz="1600" dirty="0" smtClean="0"/>
+              <a:t>가 있습니다</a:t>
+            </a:r>
+            <a:r>
+              <a:rPr lang="en-US" altLang="ko-KR" sz="1600" dirty="0" smtClean="0"/>
+              <a:t>. </a:t>
+            </a:r>
+            <a:r>
+              <a:rPr lang="ko-KR" altLang="en-US" sz="1600" dirty="0" smtClean="0"/>
+              <a:t>가상화 기술</a:t>
+            </a:r>
+            <a:r>
+              <a:rPr lang="en-US" altLang="ko-KR" sz="1600" dirty="0" smtClean="0"/>
+              <a:t>(Virtualization Technology</a:t>
+            </a:r>
+            <a:r>
+              <a:rPr lang="ko-KR" altLang="en-US" sz="1600" dirty="0" smtClean="0"/>
+              <a:t>를 사용할 수 없다는 오류가 나타난다면</a:t>
+            </a:r>
+            <a:r>
+              <a:rPr lang="en-US" altLang="ko-KR" sz="1600" dirty="0" smtClean="0"/>
+              <a:t>, PC BIOS</a:t>
+            </a:r>
+            <a:r>
+              <a:rPr lang="ko-KR" altLang="en-US" sz="1600" dirty="0" smtClean="0"/>
+              <a:t>에서 조정하거나 </a:t>
+            </a:r>
+            <a:r>
+              <a:rPr lang="en-US" altLang="ko-KR" sz="1600" dirty="0" smtClean="0"/>
+              <a:t>x86</a:t>
+            </a:r>
+            <a:r>
+              <a:rPr lang="ko-KR" altLang="en-US" sz="1600" dirty="0" smtClean="0"/>
+              <a:t>가 아닌 </a:t>
+            </a:r>
+            <a:r>
+              <a:rPr lang="en-US" altLang="ko-KR" sz="1600" dirty="0" smtClean="0"/>
+              <a:t>ARM </a:t>
+            </a:r>
+            <a:r>
+              <a:rPr lang="ko-KR" altLang="en-US" sz="1600" dirty="0" smtClean="0"/>
+              <a:t>혹은</a:t>
+            </a:r>
+            <a:r>
+              <a:rPr lang="en-US" altLang="ko-KR" sz="1600" dirty="0"/>
+              <a:t> </a:t>
+            </a:r>
+            <a:r>
+              <a:rPr lang="en-US" altLang="ko-KR" sz="1600" dirty="0" smtClean="0"/>
+              <a:t>MIPS</a:t>
+            </a:r>
+            <a:r>
+              <a:rPr lang="ko-KR" altLang="en-US" sz="1600" dirty="0" smtClean="0"/>
+              <a:t>를 선택해야 합니다</a:t>
+            </a:r>
+            <a:r>
+              <a:rPr lang="en-US" altLang="ko-KR" sz="1600" dirty="0" smtClean="0"/>
+              <a:t>.  </a:t>
+            </a:r>
+            <a:endParaRPr lang="ko-KR" altLang="en-US" sz="1600" dirty="0"/>
+          </a:p>
+        </p:txBody>
+      </p:sp>
+      <p:pic>
+        <p:nvPicPr>
+          <p:cNvPr id="16" name="그림 15"/>
+          <p:cNvPicPr>
+            <a:picLocks noChangeAspect="1"/>
+          </p:cNvPicPr>
+          <p:nvPr/>
+        </p:nvPicPr>
+        <p:blipFill>
+          <a:blip r:embed="rId4"/>
+          <a:stretch>
+            <a:fillRect/>
+          </a:stretch>
+        </p:blipFill>
+        <p:spPr>
+          <a:xfrm>
+            <a:off x="7684183" y="1985063"/>
+            <a:ext cx="4022736" cy="3705152"/>
+          </a:xfrm>
+          <a:prstGeom prst="rect">
+            <a:avLst/>
+          </a:prstGeom>
+        </p:spPr>
+      </p:pic>
+      <p:cxnSp>
+        <p:nvCxnSpPr>
+          <p:cNvPr id="18" name="직선 화살표 연결선 17"/>
+          <p:cNvCxnSpPr/>
+          <p:nvPr/>
+        </p:nvCxnSpPr>
+        <p:spPr>
+          <a:xfrm>
+            <a:off x="6888088" y="1844824"/>
+            <a:ext cx="651952" cy="864096"/>
+          </a:xfrm>
+          <a:prstGeom prst="straightConnector1">
+            <a:avLst/>
+          </a:prstGeom>
+          <a:ln>
+            <a:solidFill>
+              <a:srgbClr val="C00000"/>
+            </a:solidFill>
+            <a:tailEnd type="triangle"/>
+          </a:ln>
+        </p:spPr>
+        <p:style>
+          <a:lnRef idx="1">
+            <a:schemeClr val="accent1"/>
+          </a:lnRef>
+          <a:fillRef idx="0">
+            <a:schemeClr val="accent1"/>
+          </a:fillRef>
+          <a:effectRef idx="0">
+            <a:schemeClr val="accent1"/>
+          </a:effectRef>
+          <a:fontRef idx="minor">
+            <a:schemeClr val="tx1"/>
+          </a:fontRef>
+        </p:style>
+      </p:cxnSp>
+    </p:spTree>
+    <p:extLst>
+      <p:ext uri="{BB962C8B-B14F-4D97-AF65-F5344CB8AC3E}">
+        <p14:creationId xmlns:p14="http://schemas.microsoft.com/office/powerpoint/2010/main" val="1676429360"/>
+      </p:ext>
+    </p:extLst>
+  </p:cSld>
+  <p:clrMapOvr>
+    <a:masterClrMapping/>
+  </p:clrMapOvr>
+</p:sld>
+</file>
+
+<file path=ppt/slides/slide23.xml><?xml version="1.0" encoding="utf-8"?>
+<p:sld xmlns:a="http://schemas.openxmlformats.org/drawingml/2006/main" xmlns:r="http://schemas.openxmlformats.org/officeDocument/2006/relationships" xmlns:p="http://schemas.openxmlformats.org/presentationml/2006/main">
+  <p:cSld>
+    <p:spTree>
+      <p:nvGrpSpPr>
+        <p:cNvPr id="1" name=""/>
+        <p:cNvGrpSpPr/>
+        <p:nvPr/>
+      </p:nvGrpSpPr>
+      <p:grpSpPr>
+        <a:xfrm>
+          <a:off x="0" y="0"/>
+          <a:ext cx="0" cy="0"/>
+          <a:chOff x="0" y="0"/>
+          <a:chExt cx="0" cy="0"/>
+        </a:xfrm>
+      </p:grpSpPr>
+      <p:sp>
+        <p:nvSpPr>
+          <p:cNvPr id="2" name="제목 1"/>
+          <p:cNvSpPr>
+            <a:spLocks noGrp="1"/>
+          </p:cNvSpPr>
+          <p:nvPr>
+            <p:ph type="title"/>
+          </p:nvPr>
+        </p:nvSpPr>
+        <p:spPr/>
+        <p:txBody>
+          <a:bodyPr/>
+          <a:lstStyle/>
+          <a:p>
+            <a:r>
+              <a:rPr lang="en-US" altLang="ko-KR" dirty="0" smtClean="0">
+                <a:solidFill>
+                  <a:srgbClr val="C00000"/>
+                </a:solidFill>
+              </a:rPr>
+              <a:t>03-2 </a:t>
+            </a:r>
+            <a:r>
+              <a:rPr lang="ko-KR" altLang="en-US" dirty="0" smtClean="0">
+                <a:solidFill>
+                  <a:srgbClr val="C00000"/>
+                </a:solidFill>
+              </a:rPr>
+              <a:t>에뮬레이터로 </a:t>
+            </a:r>
+            <a:r>
+              <a:rPr lang="en-US" altLang="ko-KR" dirty="0" smtClean="0">
+                <a:solidFill>
+                  <a:srgbClr val="C00000"/>
+                </a:solidFill>
+              </a:rPr>
+              <a:t>Hello World </a:t>
+            </a:r>
+            <a:r>
+              <a:rPr lang="ko-KR" altLang="en-US" dirty="0">
+                <a:solidFill>
+                  <a:srgbClr val="C00000"/>
+                </a:solidFill>
+              </a:rPr>
+              <a:t>앱 실행하기</a:t>
+            </a:r>
+            <a:endParaRPr lang="ko-KR" altLang="en-US" dirty="0">
+              <a:solidFill>
+                <a:srgbClr val="C00000"/>
+              </a:solidFill>
+            </a:endParaRPr>
+          </a:p>
+        </p:txBody>
+      </p:sp>
+      <p:sp>
+        <p:nvSpPr>
+          <p:cNvPr id="3" name="내용 개체 틀 2"/>
+          <p:cNvSpPr>
+            <a:spLocks noGrp="1"/>
+          </p:cNvSpPr>
+          <p:nvPr>
+            <p:ph idx="10"/>
+          </p:nvPr>
+        </p:nvSpPr>
+        <p:spPr/>
+        <p:txBody>
+          <a:bodyPr/>
+          <a:lstStyle/>
+          <a:p>
+            <a:r>
+              <a:rPr lang="en-US" altLang="ko-KR" dirty="0" smtClean="0"/>
+              <a:t>"Your Virtual Devices</a:t>
+            </a:r>
+            <a:r>
+              <a:rPr lang="en-US" altLang="ko-KR" dirty="0" smtClean="0"/>
+              <a:t>"</a:t>
+            </a:r>
+            <a:r>
+              <a:rPr lang="ko-KR" altLang="en-US" dirty="0" smtClean="0"/>
+              <a:t>창 오른쪽 끝에 화살표</a:t>
+            </a:r>
+            <a:r>
+              <a:rPr lang="en-US" altLang="ko-KR" dirty="0" smtClean="0"/>
+              <a:t>[</a:t>
+            </a:r>
+            <a:r>
+              <a:rPr lang="en-US" altLang="ko-KR" b="1" dirty="0" smtClean="0"/>
+              <a:t>Launch this AVD in the emulator]</a:t>
+            </a:r>
+            <a:r>
+              <a:rPr lang="ko-KR" altLang="en-US" dirty="0" smtClean="0"/>
+              <a:t>를 누르십시오</a:t>
+            </a:r>
+            <a:r>
+              <a:rPr lang="en-US" altLang="ko-KR" dirty="0" smtClean="0"/>
+              <a:t>.</a:t>
+            </a:r>
+          </a:p>
+          <a:p>
+            <a:r>
+              <a:rPr lang="ko-KR" altLang="en-US" dirty="0" smtClean="0"/>
+              <a:t>잠시 후</a:t>
+            </a:r>
+            <a:r>
+              <a:rPr lang="en-US" altLang="ko-KR" dirty="0" smtClean="0"/>
+              <a:t>, </a:t>
+            </a:r>
+            <a:r>
+              <a:rPr lang="ko-KR" altLang="en-US" dirty="0" smtClean="0"/>
+              <a:t>에뮬레이터 실행 과정을 거친 후</a:t>
+            </a:r>
+            <a:r>
+              <a:rPr lang="en-US" altLang="ko-KR" dirty="0" smtClean="0"/>
+              <a:t>, </a:t>
+            </a:r>
+            <a:r>
+              <a:rPr lang="ko-KR" altLang="en-US" dirty="0" smtClean="0"/>
+              <a:t>안드로이드 단말의 홈 화면이 나타납니다</a:t>
+            </a:r>
+            <a:r>
+              <a:rPr lang="en-US" altLang="ko-KR" dirty="0" smtClean="0"/>
+              <a:t>. </a:t>
+            </a:r>
+            <a:endParaRPr lang="ko-KR" altLang="en-US" dirty="0"/>
+          </a:p>
+        </p:txBody>
+      </p:sp>
+      <p:sp>
+        <p:nvSpPr>
+          <p:cNvPr id="4" name="슬라이드 번호 개체 틀 3"/>
+          <p:cNvSpPr>
+            <a:spLocks noGrp="1"/>
+          </p:cNvSpPr>
+          <p:nvPr>
+            <p:ph type="sldNum" sz="quarter" idx="14"/>
+          </p:nvPr>
+        </p:nvSpPr>
+        <p:spPr/>
+        <p:txBody>
+          <a:bodyPr/>
+          <a:lstStyle/>
+          <a:p>
+            <a:pPr>
+              <a:defRPr/>
+            </a:pPr>
+            <a:fld id="{3D493B47-E977-46F8-8C2F-7DA674317049}" type="slidenum">
+              <a:rPr lang="ko-KR" altLang="en-US" smtClean="0"/>
+              <a:pPr>
+                <a:defRPr/>
+              </a:pPr>
+              <a:t>23</a:t>
+            </a:fld>
+            <a:endParaRPr lang="ko-KR" altLang="en-US"/>
+          </a:p>
+        </p:txBody>
+      </p:sp>
+      <p:grpSp>
+        <p:nvGrpSpPr>
+          <p:cNvPr id="17" name="그룹 16"/>
+          <p:cNvGrpSpPr/>
+          <p:nvPr/>
+        </p:nvGrpSpPr>
+        <p:grpSpPr>
+          <a:xfrm>
+            <a:off x="453100" y="1844824"/>
+            <a:ext cx="6860257" cy="2126604"/>
+            <a:chOff x="453100" y="1340768"/>
+            <a:chExt cx="9086850" cy="2905125"/>
+          </a:xfrm>
+        </p:grpSpPr>
+        <p:pic>
+          <p:nvPicPr>
+            <p:cNvPr id="5" name="그림 4"/>
+            <p:cNvPicPr>
+              <a:picLocks noChangeAspect="1"/>
+            </p:cNvPicPr>
+            <p:nvPr/>
+          </p:nvPicPr>
+          <p:blipFill>
+            <a:blip r:embed="rId2"/>
+            <a:stretch>
+              <a:fillRect/>
+            </a:stretch>
+          </p:blipFill>
+          <p:spPr>
+            <a:xfrm>
+              <a:off x="453100" y="1340768"/>
+              <a:ext cx="9086850" cy="2905125"/>
+            </a:xfrm>
+            <a:prstGeom prst="rect">
+              <a:avLst/>
+            </a:prstGeom>
+          </p:spPr>
+        </p:pic>
+        <p:sp>
+          <p:nvSpPr>
+            <p:cNvPr id="15" name="아래쪽 화살표 14"/>
+            <p:cNvSpPr/>
+            <p:nvPr/>
+          </p:nvSpPr>
+          <p:spPr>
+            <a:xfrm>
+              <a:off x="8328248" y="2217266"/>
+              <a:ext cx="432048" cy="576064"/>
+            </a:xfrm>
+            <a:prstGeom prst="downArrow">
+              <a:avLst/>
+            </a:prstGeom>
+            <a:solidFill>
+              <a:schemeClr val="tx2">
+                <a:lumMod val="40000"/>
+                <a:lumOff val="60000"/>
+              </a:schemeClr>
+            </a:solidFill>
+            <a:ln>
+              <a:solidFill>
+                <a:schemeClr val="tx2">
+                  <a:lumMod val="60000"/>
+                  <a:lumOff val="40000"/>
+                </a:schemeClr>
+              </a:solidFill>
+            </a:ln>
+          </p:spPr>
+          <p:style>
+            <a:lnRef idx="2">
+              <a:schemeClr val="accent1">
+                <a:shade val="50000"/>
+              </a:schemeClr>
+            </a:lnRef>
+            <a:fillRef idx="1">
+              <a:schemeClr val="accent1"/>
+            </a:fillRef>
+            <a:effectRef idx="0">
+              <a:schemeClr val="accent1"/>
+            </a:effectRef>
+            <a:fontRef idx="minor">
+              <a:schemeClr val="lt1"/>
+            </a:fontRef>
+          </p:style>
+          <p:txBody>
+            <a:bodyPr rtlCol="0" anchor="ctr"/>
+            <a:lstStyle/>
+            <a:p>
+              <a:pPr algn="ctr"/>
+              <a:endParaRPr lang="ko-KR" altLang="en-US"/>
+            </a:p>
+          </p:txBody>
+        </p:sp>
+      </p:grpSp>
+      <p:pic>
+        <p:nvPicPr>
+          <p:cNvPr id="20" name="그림 19"/>
+          <p:cNvPicPr>
+            <a:picLocks noChangeAspect="1"/>
+          </p:cNvPicPr>
+          <p:nvPr/>
+        </p:nvPicPr>
+        <p:blipFill>
+          <a:blip r:embed="rId3"/>
+          <a:stretch>
+            <a:fillRect/>
+          </a:stretch>
+        </p:blipFill>
+        <p:spPr>
+          <a:xfrm>
+            <a:off x="7430220" y="2864493"/>
+            <a:ext cx="2044762" cy="3632037"/>
+          </a:xfrm>
+          <a:prstGeom prst="rect">
+            <a:avLst/>
+          </a:prstGeom>
+        </p:spPr>
+      </p:pic>
+      <p:pic>
+        <p:nvPicPr>
+          <p:cNvPr id="21" name="그림 20"/>
+          <p:cNvPicPr>
+            <a:picLocks noChangeAspect="1"/>
+          </p:cNvPicPr>
+          <p:nvPr/>
+        </p:nvPicPr>
+        <p:blipFill>
+          <a:blip r:embed="rId4"/>
+          <a:stretch>
+            <a:fillRect/>
+          </a:stretch>
+        </p:blipFill>
+        <p:spPr>
+          <a:xfrm>
+            <a:off x="9715656" y="2864493"/>
+            <a:ext cx="2160800" cy="3683921"/>
+          </a:xfrm>
+          <a:prstGeom prst="rect">
+            <a:avLst/>
+          </a:prstGeom>
+        </p:spPr>
+      </p:pic>
+      <p:cxnSp>
+        <p:nvCxnSpPr>
+          <p:cNvPr id="23" name="직선 화살표 연결선 22"/>
+          <p:cNvCxnSpPr/>
+          <p:nvPr/>
+        </p:nvCxnSpPr>
+        <p:spPr>
+          <a:xfrm>
+            <a:off x="9264352" y="2630915"/>
+            <a:ext cx="1" cy="510053"/>
+          </a:xfrm>
+          <a:prstGeom prst="straightConnector1">
+            <a:avLst/>
+          </a:prstGeom>
+          <a:ln w="57150">
+            <a:solidFill>
+              <a:srgbClr val="00B050"/>
+            </a:solidFill>
+            <a:tailEnd type="triangle"/>
+          </a:ln>
+        </p:spPr>
+        <p:style>
+          <a:lnRef idx="1">
+            <a:schemeClr val="accent1"/>
+          </a:lnRef>
+          <a:fillRef idx="0">
+            <a:schemeClr val="accent1"/>
+          </a:fillRef>
+          <a:effectRef idx="0">
+            <a:schemeClr val="accent1"/>
+          </a:effectRef>
+          <a:fontRef idx="minor">
+            <a:schemeClr val="tx1"/>
+          </a:fontRef>
+        </p:style>
+      </p:cxnSp>
+      <p:sp>
+        <p:nvSpPr>
+          <p:cNvPr id="24" name="TextBox 23"/>
+          <p:cNvSpPr txBox="1"/>
+          <p:nvPr/>
+        </p:nvSpPr>
+        <p:spPr>
+          <a:xfrm>
+            <a:off x="7792733" y="1840105"/>
+            <a:ext cx="3281668" cy="646331"/>
+          </a:xfrm>
+          <a:prstGeom prst="rect">
+            <a:avLst/>
+          </a:prstGeom>
+          <a:solidFill>
+            <a:srgbClr val="92D050"/>
+          </a:solidFill>
+          <a:ln>
+            <a:solidFill>
+              <a:schemeClr val="bg1">
+                <a:lumMod val="65000"/>
+              </a:schemeClr>
+            </a:solidFill>
+          </a:ln>
+        </p:spPr>
+        <p:txBody>
+          <a:bodyPr wrap="none" rtlCol="0">
+            <a:spAutoFit/>
+          </a:bodyPr>
+          <a:lstStyle/>
+          <a:p>
+            <a:r>
+              <a:rPr lang="ko-KR" altLang="en-US" dirty="0" smtClean="0"/>
+              <a:t>화면이 나타나지 아니하면 </a:t>
+            </a:r>
+            <a:endParaRPr lang="en-US" altLang="ko-KR" dirty="0"/>
+          </a:p>
+          <a:p>
+            <a:r>
+              <a:rPr lang="ko-KR" altLang="en-US" dirty="0" smtClean="0"/>
+              <a:t>전원</a:t>
+            </a:r>
+            <a:r>
+              <a:rPr lang="en-US" altLang="ko-KR" dirty="0" smtClean="0"/>
+              <a:t>(Power)</a:t>
+            </a:r>
+            <a:r>
+              <a:rPr lang="ko-KR" altLang="en-US" dirty="0" smtClean="0"/>
+              <a:t>버튼을 누르십시오</a:t>
+            </a:r>
+            <a:endParaRPr lang="ko-KR" altLang="en-US" dirty="0"/>
+          </a:p>
+        </p:txBody>
+      </p:sp>
+    </p:spTree>
+    <p:extLst>
+      <p:ext uri="{BB962C8B-B14F-4D97-AF65-F5344CB8AC3E}">
+        <p14:creationId xmlns:p14="http://schemas.microsoft.com/office/powerpoint/2010/main" val="2662563577"/>
+      </p:ext>
+    </p:extLst>
+  </p:cSld>
+  <p:clrMapOvr>
+    <a:masterClrMapping/>
+  </p:clrMapOvr>
+</p:sld>
+</file>
+
+<file path=ppt/slides/slide24.xml><?xml version="1.0" encoding="utf-8"?>
+<p:sld xmlns:a="http://schemas.openxmlformats.org/drawingml/2006/main" xmlns:r="http://schemas.openxmlformats.org/officeDocument/2006/relationships" xmlns:p="http://schemas.openxmlformats.org/presentationml/2006/main">
+  <p:cSld>
+    <p:spTree>
+      <p:nvGrpSpPr>
+        <p:cNvPr id="1" name=""/>
+        <p:cNvGrpSpPr/>
+        <p:nvPr/>
+      </p:nvGrpSpPr>
+      <p:grpSpPr>
+        <a:xfrm>
+          <a:off x="0" y="0"/>
+          <a:ext cx="0" cy="0"/>
+          <a:chOff x="0" y="0"/>
+          <a:chExt cx="0" cy="0"/>
+        </a:xfrm>
+      </p:grpSpPr>
+      <p:sp>
+        <p:nvSpPr>
+          <p:cNvPr id="2" name="제목 1"/>
+          <p:cNvSpPr>
+            <a:spLocks noGrp="1"/>
+          </p:cNvSpPr>
+          <p:nvPr>
+            <p:ph type="title"/>
+          </p:nvPr>
+        </p:nvSpPr>
+        <p:spPr/>
+        <p:txBody>
+          <a:bodyPr/>
+          <a:lstStyle/>
+          <a:p>
+            <a:r>
+              <a:rPr lang="en-US" altLang="ko-KR" dirty="0" smtClean="0">
+                <a:solidFill>
+                  <a:srgbClr val="C00000"/>
+                </a:solidFill>
+              </a:rPr>
+              <a:t>03-2 </a:t>
+            </a:r>
+            <a:r>
+              <a:rPr lang="ko-KR" altLang="en-US" dirty="0" smtClean="0">
+                <a:solidFill>
+                  <a:srgbClr val="C00000"/>
+                </a:solidFill>
+              </a:rPr>
+              <a:t>에뮬레이터로 </a:t>
+            </a:r>
+            <a:r>
+              <a:rPr lang="en-US" altLang="ko-KR" dirty="0" smtClean="0">
+                <a:solidFill>
+                  <a:srgbClr val="C00000"/>
+                </a:solidFill>
+              </a:rPr>
+              <a:t>Hello World </a:t>
+            </a:r>
+            <a:r>
+              <a:rPr lang="ko-KR" altLang="en-US" dirty="0">
+                <a:solidFill>
+                  <a:srgbClr val="C00000"/>
+                </a:solidFill>
+              </a:rPr>
+              <a:t>앱 실행하기</a:t>
+            </a:r>
+            <a:endParaRPr lang="ko-KR" altLang="en-US" dirty="0">
+              <a:solidFill>
+                <a:srgbClr val="C00000"/>
+              </a:solidFill>
+            </a:endParaRPr>
+          </a:p>
+        </p:txBody>
+      </p:sp>
+      <p:sp>
+        <p:nvSpPr>
+          <p:cNvPr id="3" name="내용 개체 틀 2"/>
+          <p:cNvSpPr>
+            <a:spLocks noGrp="1"/>
+          </p:cNvSpPr>
+          <p:nvPr>
+            <p:ph idx="10"/>
+          </p:nvPr>
+        </p:nvSpPr>
+        <p:spPr/>
+        <p:txBody>
+          <a:bodyPr/>
+          <a:lstStyle/>
+          <a:p>
+            <a:r>
+              <a:rPr lang="ko-KR" altLang="en-US" dirty="0" smtClean="0"/>
+              <a:t>에뮬레이터를 사용하여 앱을 실행하면 됩니다</a:t>
+            </a:r>
+            <a:r>
+              <a:rPr lang="en-US" altLang="ko-KR" dirty="0" smtClean="0"/>
+              <a:t>.</a:t>
+            </a:r>
+          </a:p>
+          <a:p>
+            <a:pPr lvl="1"/>
+            <a:r>
+              <a:rPr lang="ko-KR" altLang="en-US" dirty="0" err="1" smtClean="0"/>
+              <a:t>안스</a:t>
+            </a:r>
+            <a:r>
+              <a:rPr lang="ko-KR" altLang="en-US" dirty="0" smtClean="0"/>
+              <a:t> 상단에 있는 초록색 화살표 아이콘을 눌러 앱을 실행하십시오</a:t>
+            </a:r>
+            <a:r>
+              <a:rPr lang="en-US" altLang="ko-KR" dirty="0" smtClean="0"/>
+              <a:t>.</a:t>
+            </a:r>
+          </a:p>
+          <a:p>
+            <a:pPr lvl="1"/>
+            <a:r>
+              <a:rPr lang="ko-KR" altLang="en-US" dirty="0" smtClean="0"/>
+              <a:t>에뮬레이터 선택을 </a:t>
+            </a:r>
+            <a:r>
+              <a:rPr lang="en-US" altLang="ko-KR" dirty="0" smtClean="0"/>
+              <a:t>OK</a:t>
+            </a:r>
+            <a:r>
+              <a:rPr lang="ko-KR" altLang="en-US" dirty="0" smtClean="0"/>
+              <a:t>하십시오</a:t>
+            </a:r>
+            <a:r>
+              <a:rPr lang="en-US" altLang="ko-KR" dirty="0" smtClean="0"/>
+              <a:t>.</a:t>
+            </a:r>
+          </a:p>
+          <a:p>
+            <a:pPr lvl="1"/>
+            <a:r>
+              <a:rPr lang="en-US" altLang="ko-KR" dirty="0" smtClean="0"/>
+              <a:t> </a:t>
+            </a:r>
+          </a:p>
+          <a:p>
+            <a:pPr lvl="1"/>
+            <a:endParaRPr lang="en-US" altLang="ko-KR" dirty="0"/>
+          </a:p>
+          <a:p>
+            <a:pPr lvl="1"/>
+            <a:endParaRPr lang="en-US" altLang="ko-KR" dirty="0" smtClean="0"/>
+          </a:p>
+          <a:p>
+            <a:pPr lvl="1"/>
+            <a:endParaRPr lang="en-US" altLang="ko-KR" dirty="0"/>
+          </a:p>
+          <a:p>
+            <a:pPr lvl="1"/>
+            <a:endParaRPr lang="en-US" altLang="ko-KR" dirty="0" smtClean="0"/>
+          </a:p>
+          <a:p>
+            <a:pPr lvl="1"/>
+            <a:endParaRPr lang="en-US" altLang="ko-KR" dirty="0"/>
+          </a:p>
+          <a:p>
+            <a:pPr lvl="1"/>
+            <a:endParaRPr lang="en-US" altLang="ko-KR" dirty="0" smtClean="0"/>
+          </a:p>
+          <a:p>
+            <a:pPr lvl="1"/>
+            <a:r>
+              <a:rPr lang="ko-KR" altLang="en-US" dirty="0" smtClean="0"/>
+              <a:t>에뮬레이터가 </a:t>
+            </a:r>
+            <a:r>
+              <a:rPr lang="ko-KR" altLang="en-US" dirty="0" err="1" smtClean="0"/>
+              <a:t>안스</a:t>
+            </a:r>
+            <a:r>
+              <a:rPr lang="ko-KR" altLang="en-US" dirty="0" smtClean="0"/>
+              <a:t> 창에 가려 안보일 수도 있습니다</a:t>
+            </a:r>
+            <a:r>
+              <a:rPr lang="en-US" altLang="ko-KR" dirty="0" smtClean="0"/>
+              <a:t>.  </a:t>
+            </a:r>
+            <a:br>
+              <a:rPr lang="en-US" altLang="ko-KR" dirty="0" smtClean="0"/>
+            </a:br>
+            <a:r>
+              <a:rPr lang="ko-KR" altLang="en-US" dirty="0" smtClean="0"/>
+              <a:t>이때는 작업표시줄에서 </a:t>
+            </a:r>
+            <a:r>
+              <a:rPr lang="ko-KR" altLang="en-US" b="1" dirty="0" smtClean="0"/>
+              <a:t>에뮬레이터 아이콘</a:t>
+            </a:r>
+            <a:r>
+              <a:rPr lang="ko-KR" altLang="en-US" dirty="0" smtClean="0"/>
+              <a:t>을 클릭하면 됩니다</a:t>
+            </a:r>
+            <a:r>
+              <a:rPr lang="en-US" altLang="ko-KR" dirty="0" smtClean="0"/>
+              <a:t>.</a:t>
+            </a:r>
+          </a:p>
+          <a:p>
+            <a:pPr lvl="1"/>
+            <a:endParaRPr lang="en-US" altLang="ko-KR" dirty="0" smtClean="0"/>
+          </a:p>
+        </p:txBody>
+      </p:sp>
+      <p:sp>
+        <p:nvSpPr>
+          <p:cNvPr id="4" name="슬라이드 번호 개체 틀 3"/>
+          <p:cNvSpPr>
+            <a:spLocks noGrp="1"/>
+          </p:cNvSpPr>
+          <p:nvPr>
+            <p:ph type="sldNum" sz="quarter" idx="14"/>
+          </p:nvPr>
+        </p:nvSpPr>
+        <p:spPr/>
+        <p:txBody>
+          <a:bodyPr/>
+          <a:lstStyle/>
+          <a:p>
+            <a:pPr>
+              <a:defRPr/>
+            </a:pPr>
+            <a:fld id="{3D493B47-E977-46F8-8C2F-7DA674317049}" type="slidenum">
+              <a:rPr lang="ko-KR" altLang="en-US" smtClean="0"/>
+              <a:pPr>
+                <a:defRPr/>
+              </a:pPr>
+              <a:t>24</a:t>
+            </a:fld>
+            <a:endParaRPr lang="ko-KR" altLang="en-US"/>
+          </a:p>
+        </p:txBody>
+      </p:sp>
+      <p:pic>
+        <p:nvPicPr>
+          <p:cNvPr id="6" name="그림 5"/>
+          <p:cNvPicPr>
+            <a:picLocks noChangeAspect="1"/>
+          </p:cNvPicPr>
+          <p:nvPr/>
+        </p:nvPicPr>
+        <p:blipFill>
+          <a:blip r:embed="rId2"/>
+          <a:stretch>
+            <a:fillRect/>
+          </a:stretch>
+        </p:blipFill>
+        <p:spPr>
+          <a:xfrm>
+            <a:off x="695400" y="2630915"/>
+            <a:ext cx="4934639" cy="1638529"/>
+          </a:xfrm>
+          <a:prstGeom prst="rect">
+            <a:avLst/>
+          </a:prstGeom>
+        </p:spPr>
+      </p:pic>
+      <p:sp>
+        <p:nvSpPr>
+          <p:cNvPr id="7" name="아래쪽 화살표 6"/>
+          <p:cNvSpPr/>
+          <p:nvPr/>
+        </p:nvSpPr>
+        <p:spPr>
+          <a:xfrm>
+            <a:off x="3082175" y="2307286"/>
+            <a:ext cx="360040" cy="833682"/>
+          </a:xfrm>
+          <a:prstGeom prst="downArrow">
+            <a:avLst/>
+          </a:prstGeom>
+        </p:spPr>
+        <p:style>
+          <a:lnRef idx="2">
+            <a:schemeClr val="accent1">
+              <a:shade val="50000"/>
+            </a:schemeClr>
+          </a:lnRef>
+          <a:fillRef idx="1">
+            <a:schemeClr val="accent1"/>
+          </a:fillRef>
+          <a:effectRef idx="0">
+            <a:schemeClr val="accent1"/>
+          </a:effectRef>
+          <a:fontRef idx="minor">
+            <a:schemeClr val="lt1"/>
+          </a:fontRef>
+        </p:style>
+        <p:txBody>
+          <a:bodyPr rtlCol="0" anchor="ctr"/>
+          <a:lstStyle/>
+          <a:p>
+            <a:pPr algn="ctr"/>
+            <a:endParaRPr lang="ko-KR" altLang="en-US"/>
+          </a:p>
+        </p:txBody>
+      </p:sp>
+      <p:pic>
+        <p:nvPicPr>
+          <p:cNvPr id="8" name="그림 7"/>
+          <p:cNvPicPr>
+            <a:picLocks noChangeAspect="1"/>
+          </p:cNvPicPr>
+          <p:nvPr/>
+        </p:nvPicPr>
+        <p:blipFill>
+          <a:blip r:embed="rId3"/>
+          <a:stretch>
+            <a:fillRect/>
+          </a:stretch>
+        </p:blipFill>
+        <p:spPr>
+          <a:xfrm>
+            <a:off x="8472264" y="968885"/>
+            <a:ext cx="3236141" cy="5527645"/>
+          </a:xfrm>
+          <a:prstGeom prst="rect">
+            <a:avLst/>
+          </a:prstGeom>
+        </p:spPr>
+      </p:pic>
+      <p:pic>
+        <p:nvPicPr>
+          <p:cNvPr id="9" name="그림 8"/>
+          <p:cNvPicPr>
+            <a:picLocks noChangeAspect="1"/>
+          </p:cNvPicPr>
+          <p:nvPr/>
+        </p:nvPicPr>
+        <p:blipFill>
+          <a:blip r:embed="rId4"/>
+          <a:stretch>
+            <a:fillRect/>
+          </a:stretch>
+        </p:blipFill>
+        <p:spPr>
+          <a:xfrm>
+            <a:off x="4104369" y="5779433"/>
+            <a:ext cx="3705742" cy="485843"/>
+          </a:xfrm>
+          <a:prstGeom prst="rect">
+            <a:avLst/>
+          </a:prstGeom>
+        </p:spPr>
+      </p:pic>
+      <p:sp>
+        <p:nvSpPr>
+          <p:cNvPr id="16" name="아래쪽 화살표 15"/>
+          <p:cNvSpPr/>
+          <p:nvPr/>
+        </p:nvSpPr>
+        <p:spPr>
+          <a:xfrm>
+            <a:off x="5455173" y="5307490"/>
+            <a:ext cx="334711" cy="448609"/>
+          </a:xfrm>
+          <a:prstGeom prst="downArrow">
+            <a:avLst/>
+          </a:prstGeom>
+        </p:spPr>
+        <p:style>
+          <a:lnRef idx="2">
+            <a:schemeClr val="accent1">
+              <a:shade val="50000"/>
+            </a:schemeClr>
+          </a:lnRef>
+          <a:fillRef idx="1">
+            <a:schemeClr val="accent1"/>
+          </a:fillRef>
+          <a:effectRef idx="0">
+            <a:schemeClr val="accent1"/>
+          </a:effectRef>
+          <a:fontRef idx="minor">
+            <a:schemeClr val="lt1"/>
+          </a:fontRef>
+        </p:style>
+        <p:txBody>
+          <a:bodyPr rtlCol="0" anchor="ctr"/>
+          <a:lstStyle/>
+          <a:p>
+            <a:pPr algn="ctr"/>
+            <a:endParaRPr lang="ko-KR" altLang="en-US"/>
+          </a:p>
+        </p:txBody>
+      </p:sp>
+    </p:spTree>
+    <p:extLst>
+      <p:ext uri="{BB962C8B-B14F-4D97-AF65-F5344CB8AC3E}">
+        <p14:creationId xmlns:p14="http://schemas.microsoft.com/office/powerpoint/2010/main" val="1042363466"/>
+      </p:ext>
+    </p:extLst>
+  </p:cSld>
+  <p:clrMapOvr>
+    <a:masterClrMapping/>
+  </p:clrMapOvr>
+</p:sld>
+</file>
+
+<file path=ppt/slides/slide25.xml><?xml version="1.0" encoding="utf-8"?>
+<p:sld xmlns:a="http://schemas.openxmlformats.org/drawingml/2006/main" xmlns:r="http://schemas.openxmlformats.org/officeDocument/2006/relationships" xmlns:p="http://schemas.openxmlformats.org/presentationml/2006/main">
+  <p:cSld>
+    <p:spTree>
+      <p:nvGrpSpPr>
+        <p:cNvPr id="1" name=""/>
+        <p:cNvGrpSpPr/>
+        <p:nvPr/>
+      </p:nvGrpSpPr>
+      <p:grpSpPr>
+        <a:xfrm>
+          <a:off x="0" y="0"/>
+          <a:ext cx="0" cy="0"/>
+          <a:chOff x="0" y="0"/>
+          <a:chExt cx="0" cy="0"/>
+        </a:xfrm>
+      </p:grpSpPr>
+      <p:sp>
+        <p:nvSpPr>
+          <p:cNvPr id="2" name="제목 1"/>
+          <p:cNvSpPr>
+            <a:spLocks noGrp="1"/>
+          </p:cNvSpPr>
+          <p:nvPr>
+            <p:ph type="title"/>
+          </p:nvPr>
+        </p:nvSpPr>
+        <p:spPr/>
+        <p:txBody>
+          <a:bodyPr/>
+          <a:lstStyle/>
+          <a:p>
+            <a:r>
+              <a:rPr lang="en-US" altLang="ko-KR" dirty="0" smtClean="0">
+                <a:solidFill>
+                  <a:srgbClr val="C00000"/>
+                </a:solidFill>
+              </a:rPr>
+              <a:t>03-2 </a:t>
+            </a:r>
+            <a:r>
+              <a:rPr lang="ko-KR" altLang="en-US" dirty="0" smtClean="0">
+                <a:solidFill>
+                  <a:srgbClr val="C00000"/>
+                </a:solidFill>
+              </a:rPr>
+              <a:t>에뮬레이터로 </a:t>
+            </a:r>
+            <a:r>
+              <a:rPr lang="en-US" altLang="ko-KR" dirty="0" smtClean="0">
+                <a:solidFill>
+                  <a:srgbClr val="C00000"/>
+                </a:solidFill>
+              </a:rPr>
+              <a:t>Hello World </a:t>
+            </a:r>
+            <a:r>
+              <a:rPr lang="ko-KR" altLang="en-US" dirty="0">
+                <a:solidFill>
+                  <a:srgbClr val="C00000"/>
+                </a:solidFill>
+              </a:rPr>
+              <a:t>앱 실행하기</a:t>
+            </a:r>
+            <a:endParaRPr lang="ko-KR" altLang="en-US" dirty="0">
+              <a:solidFill>
+                <a:srgbClr val="C00000"/>
+              </a:solidFill>
+            </a:endParaRPr>
+          </a:p>
+        </p:txBody>
+      </p:sp>
+      <p:sp>
+        <p:nvSpPr>
+          <p:cNvPr id="3" name="내용 개체 틀 2"/>
+          <p:cNvSpPr>
+            <a:spLocks noGrp="1"/>
+          </p:cNvSpPr>
+          <p:nvPr>
+            <p:ph idx="10"/>
+          </p:nvPr>
+        </p:nvSpPr>
+        <p:spPr/>
+        <p:txBody>
+          <a:bodyPr>
+            <a:normAutofit/>
+          </a:bodyPr>
+          <a:lstStyle/>
+          <a:p>
+            <a:r>
+              <a:rPr lang="ko-KR" altLang="en-US" dirty="0" smtClean="0"/>
+              <a:t>첫 앱이 잘 실행되었기를 바랍니다</a:t>
+            </a:r>
+            <a:r>
+              <a:rPr lang="en-US" altLang="ko-KR" dirty="0" smtClean="0"/>
+              <a:t>. </a:t>
+            </a:r>
+          </a:p>
+          <a:p>
+            <a:r>
+              <a:rPr lang="ko-KR" altLang="en-US" dirty="0" smtClean="0"/>
+              <a:t>앱이 실행되면 </a:t>
+            </a:r>
+            <a:r>
+              <a:rPr lang="ko-KR" altLang="en-US" dirty="0" err="1" smtClean="0"/>
+              <a:t>안스</a:t>
+            </a:r>
+            <a:r>
+              <a:rPr lang="ko-KR" altLang="en-US" dirty="0" smtClean="0"/>
+              <a:t> 아래에 있는 </a:t>
+            </a:r>
+            <a:r>
+              <a:rPr lang="en-US" altLang="ko-KR" dirty="0" smtClean="0"/>
+              <a:t>[</a:t>
+            </a:r>
+            <a:r>
+              <a:rPr lang="en-US" altLang="ko-KR" b="1" dirty="0" smtClean="0"/>
+              <a:t>Logcat</a:t>
+            </a:r>
+            <a:r>
+              <a:rPr lang="en-US" altLang="ko-KR" dirty="0" smtClean="0"/>
+              <a:t>] </a:t>
+            </a:r>
+            <a:r>
+              <a:rPr lang="ko-KR" altLang="en-US" dirty="0" smtClean="0"/>
+              <a:t>탭을 클릭하여 현재 가상단말기의 상태를 확인해보십시오</a:t>
+            </a:r>
+            <a:r>
+              <a:rPr lang="en-US" altLang="ko-KR" dirty="0" smtClean="0"/>
+              <a:t>.</a:t>
+            </a:r>
+          </a:p>
+          <a:p>
+            <a:endParaRPr lang="en-US" altLang="ko-KR" dirty="0"/>
+          </a:p>
+          <a:p>
+            <a:endParaRPr lang="en-US" altLang="ko-KR" dirty="0" smtClean="0"/>
+          </a:p>
+          <a:p>
+            <a:endParaRPr lang="en-US" altLang="ko-KR" dirty="0"/>
+          </a:p>
+          <a:p>
+            <a:endParaRPr lang="en-US" altLang="ko-KR" dirty="0" smtClean="0"/>
+          </a:p>
+          <a:p>
+            <a:endParaRPr lang="en-US" altLang="ko-KR" dirty="0"/>
+          </a:p>
+          <a:p>
+            <a:endParaRPr lang="en-US" altLang="ko-KR" dirty="0" smtClean="0"/>
+          </a:p>
+          <a:p>
+            <a:endParaRPr lang="en-US" altLang="ko-KR" dirty="0"/>
+          </a:p>
+          <a:p>
+            <a:endParaRPr lang="en-US" altLang="ko-KR" dirty="0"/>
+          </a:p>
+          <a:p>
+            <a:r>
+              <a:rPr lang="ko-KR" altLang="en-US" dirty="0" smtClean="0"/>
+              <a:t>앱이 </a:t>
+            </a:r>
+            <a:r>
+              <a:rPr lang="ko-KR" altLang="en-US" dirty="0"/>
+              <a:t>메모리 문제로 실행이 되지 않으면 다음과 같은 방법을 시도해보십시오</a:t>
+            </a:r>
+            <a:r>
+              <a:rPr lang="en-US" altLang="ko-KR" dirty="0"/>
+              <a:t>. </a:t>
+            </a:r>
+          </a:p>
+          <a:p>
+            <a:pPr lvl="1"/>
+            <a:r>
+              <a:rPr lang="en-US" altLang="ko-KR" dirty="0" smtClean="0"/>
+              <a:t>C</a:t>
+            </a:r>
+            <a:r>
+              <a:rPr lang="en-US" altLang="ko-KR" dirty="0"/>
+              <a:t>:/Program Files/Android/Android Studio/bin/studio64.exe.vmoptions </a:t>
+            </a:r>
+            <a:r>
+              <a:rPr lang="ko-KR" altLang="en-US" dirty="0"/>
+              <a:t>파일을 열고</a:t>
+            </a:r>
+            <a:r>
+              <a:rPr lang="en-US" altLang="ko-KR" dirty="0"/>
+              <a:t>, </a:t>
+            </a:r>
+            <a:br>
+              <a:rPr lang="en-US" altLang="ko-KR" dirty="0"/>
+            </a:br>
+            <a:r>
+              <a:rPr lang="en-US" altLang="ko-KR" dirty="0"/>
+              <a:t>–</a:t>
+            </a:r>
+            <a:r>
+              <a:rPr lang="en-US" altLang="ko-KR" dirty="0" err="1"/>
+              <a:t>Xmx</a:t>
+            </a:r>
+            <a:r>
+              <a:rPr lang="ko-KR" altLang="en-US" dirty="0"/>
+              <a:t>로 시작하는 줄의 숫자를 더 큰 값으로 아래와 같이 관리자 권한으로 수정하십시오</a:t>
+            </a:r>
+            <a:r>
+              <a:rPr lang="en-US" altLang="ko-KR" dirty="0"/>
+              <a:t>. </a:t>
+            </a:r>
+            <a:br>
+              <a:rPr lang="en-US" altLang="ko-KR" dirty="0"/>
+            </a:br>
+            <a:r>
+              <a:rPr lang="en-US" altLang="ko-KR" dirty="0"/>
+              <a:t>-Xmx2048m</a:t>
+            </a:r>
+          </a:p>
+          <a:p>
+            <a:endParaRPr lang="en-US" altLang="ko-KR" dirty="0" smtClean="0"/>
+          </a:p>
+          <a:p>
+            <a:pPr lvl="1"/>
+            <a:endParaRPr lang="en-US" altLang="ko-KR" dirty="0"/>
+          </a:p>
+          <a:p>
+            <a:pPr lvl="1"/>
+            <a:endParaRPr lang="en-US" altLang="ko-KR" dirty="0" smtClean="0"/>
+          </a:p>
+          <a:p>
+            <a:pPr lvl="1"/>
+            <a:endParaRPr lang="en-US" altLang="ko-KR" dirty="0"/>
+          </a:p>
+          <a:p>
+            <a:pPr lvl="1"/>
+            <a:endParaRPr lang="en-US" altLang="ko-KR" dirty="0" smtClean="0"/>
+          </a:p>
+          <a:p>
+            <a:pPr lvl="1"/>
+            <a:endParaRPr lang="en-US" altLang="ko-KR" dirty="0"/>
+          </a:p>
+          <a:p>
+            <a:pPr lvl="1"/>
+            <a:endParaRPr lang="en-US" altLang="ko-KR" dirty="0" smtClean="0"/>
+          </a:p>
+          <a:p>
+            <a:pPr lvl="1"/>
+            <a:endParaRPr lang="en-US" altLang="ko-KR" dirty="0"/>
+          </a:p>
+          <a:p>
+            <a:pPr lvl="1"/>
+            <a:endParaRPr lang="en-US" altLang="ko-KR" dirty="0" smtClean="0"/>
+          </a:p>
+          <a:p>
+            <a:pPr lvl="1"/>
+            <a:endParaRPr lang="en-US" altLang="ko-KR" dirty="0"/>
+          </a:p>
+          <a:p>
+            <a:pPr lvl="1"/>
+            <a:endParaRPr lang="en-US" altLang="ko-KR" dirty="0" smtClean="0"/>
+          </a:p>
+          <a:p>
+            <a:pPr lvl="1"/>
+            <a:endParaRPr lang="en-US" altLang="ko-KR" dirty="0" smtClean="0"/>
+          </a:p>
+        </p:txBody>
+      </p:sp>
+      <p:sp>
+        <p:nvSpPr>
+          <p:cNvPr id="4" name="슬라이드 번호 개체 틀 3"/>
+          <p:cNvSpPr>
+            <a:spLocks noGrp="1"/>
+          </p:cNvSpPr>
+          <p:nvPr>
+            <p:ph type="sldNum" sz="quarter" idx="14"/>
+          </p:nvPr>
+        </p:nvSpPr>
+        <p:spPr/>
+        <p:txBody>
+          <a:bodyPr/>
+          <a:lstStyle/>
+          <a:p>
+            <a:pPr>
+              <a:defRPr/>
+            </a:pPr>
+            <a:fld id="{3D493B47-E977-46F8-8C2F-7DA674317049}" type="slidenum">
+              <a:rPr lang="ko-KR" altLang="en-US" smtClean="0"/>
+              <a:pPr>
+                <a:defRPr/>
+              </a:pPr>
+              <a:t>25</a:t>
+            </a:fld>
+            <a:endParaRPr lang="ko-KR" altLang="en-US"/>
+          </a:p>
+        </p:txBody>
+      </p:sp>
+      <p:pic>
+        <p:nvPicPr>
+          <p:cNvPr id="5" name="그림 4"/>
+          <p:cNvPicPr>
+            <a:picLocks noChangeAspect="1"/>
+          </p:cNvPicPr>
+          <p:nvPr/>
+        </p:nvPicPr>
+        <p:blipFill>
+          <a:blip r:embed="rId2"/>
+          <a:stretch>
+            <a:fillRect/>
+          </a:stretch>
+        </p:blipFill>
+        <p:spPr>
+          <a:xfrm>
+            <a:off x="1343472" y="1628800"/>
+            <a:ext cx="8856984" cy="2602229"/>
+          </a:xfrm>
+          <a:prstGeom prst="rect">
+            <a:avLst/>
+          </a:prstGeom>
+        </p:spPr>
+      </p:pic>
+      <p:sp>
+        <p:nvSpPr>
+          <p:cNvPr id="7" name="아래쪽 화살표 6"/>
+          <p:cNvSpPr/>
+          <p:nvPr/>
+        </p:nvSpPr>
+        <p:spPr>
+          <a:xfrm rot="16200000">
+            <a:off x="1403940" y="3406378"/>
+            <a:ext cx="445186" cy="1018052"/>
+          </a:xfrm>
+          <a:prstGeom prst="downArrow">
+            <a:avLst/>
+          </a:prstGeom>
+        </p:spPr>
+        <p:style>
+          <a:lnRef idx="2">
+            <a:schemeClr val="accent1">
+              <a:shade val="50000"/>
+            </a:schemeClr>
+          </a:lnRef>
+          <a:fillRef idx="1">
+            <a:schemeClr val="accent1"/>
+          </a:fillRef>
+          <a:effectRef idx="0">
+            <a:schemeClr val="accent1"/>
+          </a:effectRef>
+          <a:fontRef idx="minor">
+            <a:schemeClr val="lt1"/>
+          </a:fontRef>
+        </p:style>
+        <p:txBody>
+          <a:bodyPr rtlCol="0" anchor="ctr"/>
+          <a:lstStyle/>
+          <a:p>
+            <a:pPr algn="ctr"/>
+            <a:endParaRPr lang="ko-KR" altLang="en-US"/>
+          </a:p>
+        </p:txBody>
+      </p:sp>
+    </p:spTree>
+    <p:extLst>
+      <p:ext uri="{BB962C8B-B14F-4D97-AF65-F5344CB8AC3E}">
+        <p14:creationId xmlns:p14="http://schemas.microsoft.com/office/powerpoint/2010/main" val="3730639354"/>
+      </p:ext>
+    </p:extLst>
+  </p:cSld>
+  <p:clrMapOvr>
+    <a:masterClrMapping/>
+  </p:clrMapOvr>
+</p:sld>
+</file>
+
+<file path=ppt/slides/slide26.xml><?xml version="1.0" encoding="utf-8"?>
+<p:sld xmlns:a="http://schemas.openxmlformats.org/drawingml/2006/main" xmlns:r="http://schemas.openxmlformats.org/officeDocument/2006/relationships" xmlns:p="http://schemas.openxmlformats.org/presentationml/2006/main">
+  <p:cSld>
+    <p:spTree>
+      <p:nvGrpSpPr>
+        <p:cNvPr id="1" name=""/>
+        <p:cNvGrpSpPr/>
+        <p:nvPr/>
+      </p:nvGrpSpPr>
+      <p:grpSpPr>
+        <a:xfrm>
+          <a:off x="0" y="0"/>
+          <a:ext cx="0" cy="0"/>
+          <a:chOff x="0" y="0"/>
+          <a:chExt cx="0" cy="0"/>
+        </a:xfrm>
+      </p:grpSpPr>
+      <p:sp>
+        <p:nvSpPr>
+          <p:cNvPr id="2" name="제목 1"/>
+          <p:cNvSpPr>
+            <a:spLocks noGrp="1"/>
+          </p:cNvSpPr>
+          <p:nvPr>
+            <p:ph type="title"/>
+          </p:nvPr>
+        </p:nvSpPr>
+        <p:spPr/>
+        <p:txBody>
+          <a:bodyPr/>
+          <a:lstStyle/>
+          <a:p>
+            <a:r>
+              <a:rPr lang="en-US" altLang="ko-KR" dirty="0" smtClean="0">
+                <a:solidFill>
+                  <a:srgbClr val="C00000"/>
+                </a:solidFill>
+              </a:rPr>
+              <a:t>03-3 Hello </a:t>
+            </a:r>
+            <a:r>
+              <a:rPr lang="ko-KR" altLang="en-US" dirty="0" smtClean="0">
+                <a:solidFill>
+                  <a:srgbClr val="C00000"/>
+                </a:solidFill>
+              </a:rPr>
+              <a:t>프로젝트 하나씩 </a:t>
+            </a:r>
+            <a:r>
+              <a:rPr lang="ko-KR" altLang="en-US" dirty="0" err="1" smtClean="0">
+                <a:solidFill>
+                  <a:srgbClr val="C00000"/>
+                </a:solidFill>
+              </a:rPr>
+              <a:t>바꾸어보기</a:t>
+            </a:r>
+            <a:endParaRPr lang="ko-KR" altLang="en-US" dirty="0">
+              <a:solidFill>
+                <a:srgbClr val="C00000"/>
+              </a:solidFill>
+            </a:endParaRPr>
+          </a:p>
+        </p:txBody>
+      </p:sp>
+      <p:sp>
+        <p:nvSpPr>
+          <p:cNvPr id="3" name="내용 개체 틀 2"/>
+          <p:cNvSpPr>
+            <a:spLocks noGrp="1"/>
+          </p:cNvSpPr>
+          <p:nvPr>
+            <p:ph idx="10"/>
+          </p:nvPr>
+        </p:nvSpPr>
+        <p:spPr/>
+        <p:txBody>
+          <a:bodyPr>
+            <a:normAutofit/>
+          </a:bodyPr>
+          <a:lstStyle/>
+          <a:p>
+            <a:r>
+              <a:rPr lang="ko-KR" altLang="en-US" dirty="0" smtClean="0"/>
+              <a:t>간단한 앱이지만</a:t>
+            </a:r>
+            <a:r>
+              <a:rPr lang="en-US" altLang="ko-KR" dirty="0" smtClean="0"/>
+              <a:t>, </a:t>
+            </a:r>
+            <a:r>
+              <a:rPr lang="ko-KR" altLang="en-US" dirty="0" smtClean="0"/>
+              <a:t>내가 직접 한 것도 별로 없이 앱이 생성이 되었고</a:t>
+            </a:r>
+            <a:r>
+              <a:rPr lang="en-US" altLang="ko-KR" dirty="0" smtClean="0"/>
+              <a:t>, </a:t>
+            </a:r>
+            <a:r>
+              <a:rPr lang="ko-KR" altLang="en-US" dirty="0" smtClean="0"/>
+              <a:t>실행되었습니다</a:t>
+            </a:r>
+            <a:r>
+              <a:rPr lang="en-US" altLang="ko-KR" dirty="0" smtClean="0"/>
+              <a:t>. </a:t>
+            </a:r>
+            <a:br>
+              <a:rPr lang="en-US" altLang="ko-KR" dirty="0" smtClean="0"/>
+            </a:br>
+            <a:r>
+              <a:rPr lang="ko-KR" altLang="en-US" dirty="0" smtClean="0"/>
+              <a:t>심지어 메시지 </a:t>
+            </a:r>
+            <a:r>
+              <a:rPr lang="en-US" altLang="ko-KR" dirty="0" smtClean="0"/>
+              <a:t>"Hello World"</a:t>
+            </a:r>
+            <a:r>
+              <a:rPr lang="ko-KR" altLang="en-US" dirty="0" smtClean="0"/>
+              <a:t>는 내가 입력한 적도 없는데 화면에 나타났습니다</a:t>
+            </a:r>
+            <a:r>
+              <a:rPr lang="en-US" altLang="ko-KR" dirty="0" smtClean="0"/>
+              <a:t>. </a:t>
+            </a:r>
+          </a:p>
+          <a:p>
+            <a:r>
+              <a:rPr lang="ko-KR" altLang="en-US" dirty="0" smtClean="0"/>
+              <a:t>먼저</a:t>
+            </a:r>
+            <a:r>
+              <a:rPr lang="en-US" altLang="ko-KR" dirty="0" smtClean="0"/>
+              <a:t>, Hello </a:t>
+            </a:r>
+            <a:r>
+              <a:rPr lang="ko-KR" altLang="en-US" dirty="0" smtClean="0"/>
+              <a:t>프로젝트 앱은 어떻게 실행되었는지</a:t>
+            </a:r>
+            <a:r>
+              <a:rPr lang="en-US" altLang="ko-KR" dirty="0" smtClean="0"/>
+              <a:t>, </a:t>
+            </a:r>
+            <a:r>
+              <a:rPr lang="ko-KR" altLang="en-US" dirty="0" smtClean="0"/>
+              <a:t>메시지는 어떤 원리로 나타났는지 알아봅니다</a:t>
+            </a:r>
+            <a:r>
+              <a:rPr lang="en-US" altLang="ko-KR" dirty="0" smtClean="0"/>
+              <a:t>.</a:t>
+            </a:r>
+            <a:br>
+              <a:rPr lang="en-US" altLang="ko-KR" dirty="0" smtClean="0"/>
+            </a:br>
+            <a:r>
+              <a:rPr lang="ko-KR" altLang="en-US" dirty="0" smtClean="0"/>
+              <a:t>그 다음에</a:t>
+            </a:r>
+            <a:r>
+              <a:rPr lang="en-US" altLang="ko-KR" dirty="0" smtClean="0"/>
+              <a:t>, </a:t>
+            </a:r>
+            <a:r>
+              <a:rPr lang="ko-KR" altLang="en-US" dirty="0" smtClean="0"/>
+              <a:t>버튼과 같은 화면을 구성하는 요소들도 하나씩 추가해 볼 것입니다</a:t>
+            </a:r>
+            <a:r>
+              <a:rPr lang="en-US" altLang="ko-KR" dirty="0" smtClean="0"/>
+              <a:t>. </a:t>
+            </a:r>
+          </a:p>
+          <a:p>
+            <a:pPr lvl="1"/>
+            <a:endParaRPr lang="en-US" altLang="ko-KR" dirty="0"/>
+          </a:p>
+          <a:p>
+            <a:pPr lvl="1"/>
+            <a:endParaRPr lang="en-US" altLang="ko-KR" dirty="0" smtClean="0"/>
+          </a:p>
+          <a:p>
+            <a:pPr lvl="1"/>
+            <a:endParaRPr lang="en-US" altLang="ko-KR" dirty="0"/>
+          </a:p>
+          <a:p>
+            <a:pPr lvl="1"/>
+            <a:endParaRPr lang="en-US" altLang="ko-KR" dirty="0" smtClean="0"/>
+          </a:p>
+          <a:p>
+            <a:pPr lvl="1"/>
+            <a:endParaRPr lang="en-US" altLang="ko-KR" dirty="0"/>
+          </a:p>
+          <a:p>
+            <a:pPr lvl="1"/>
+            <a:endParaRPr lang="en-US" altLang="ko-KR" dirty="0" smtClean="0"/>
+          </a:p>
+          <a:p>
+            <a:pPr lvl="1"/>
+            <a:endParaRPr lang="en-US" altLang="ko-KR" dirty="0"/>
+          </a:p>
+          <a:p>
+            <a:pPr lvl="1"/>
+            <a:endParaRPr lang="en-US" altLang="ko-KR" dirty="0" smtClean="0"/>
+          </a:p>
+          <a:p>
+            <a:pPr lvl="1"/>
+            <a:endParaRPr lang="en-US" altLang="ko-KR" dirty="0"/>
+          </a:p>
+          <a:p>
+            <a:pPr lvl="1"/>
+            <a:endParaRPr lang="en-US" altLang="ko-KR" dirty="0" smtClean="0"/>
+          </a:p>
+          <a:p>
+            <a:pPr lvl="1"/>
+            <a:endParaRPr lang="en-US" altLang="ko-KR" dirty="0" smtClean="0"/>
+          </a:p>
+        </p:txBody>
+      </p:sp>
+      <p:sp>
+        <p:nvSpPr>
+          <p:cNvPr id="4" name="슬라이드 번호 개체 틀 3"/>
+          <p:cNvSpPr>
+            <a:spLocks noGrp="1"/>
+          </p:cNvSpPr>
+          <p:nvPr>
+            <p:ph type="sldNum" sz="quarter" idx="14"/>
+          </p:nvPr>
+        </p:nvSpPr>
+        <p:spPr/>
+        <p:txBody>
+          <a:bodyPr/>
+          <a:lstStyle/>
+          <a:p>
+            <a:pPr>
+              <a:defRPr/>
+            </a:pPr>
+            <a:fld id="{3D493B47-E977-46F8-8C2F-7DA674317049}" type="slidenum">
+              <a:rPr lang="ko-KR" altLang="en-US" smtClean="0"/>
+              <a:pPr>
+                <a:defRPr/>
+              </a:pPr>
+              <a:t>26</a:t>
+            </a:fld>
+            <a:endParaRPr lang="ko-KR" altLang="en-US"/>
+          </a:p>
+        </p:txBody>
+      </p:sp>
+    </p:spTree>
+    <p:extLst>
+      <p:ext uri="{BB962C8B-B14F-4D97-AF65-F5344CB8AC3E}">
+        <p14:creationId xmlns:p14="http://schemas.microsoft.com/office/powerpoint/2010/main" val="2843214731"/>
+      </p:ext>
+    </p:extLst>
+  </p:cSld>
+  <p:clrMapOvr>
+    <a:masterClrMapping/>
+  </p:clrMapOvr>
+</p:sld>
+</file>
+
+<file path=ppt/slides/slide27.xml><?xml version="1.0" encoding="utf-8"?>
+<p:sld xmlns:a="http://schemas.openxmlformats.org/drawingml/2006/main" xmlns:r="http://schemas.openxmlformats.org/officeDocument/2006/relationships" xmlns:p="http://schemas.openxmlformats.org/presentationml/2006/main">
+  <p:cSld>
+    <p:spTree>
+      <p:nvGrpSpPr>
+        <p:cNvPr id="1" name=""/>
+        <p:cNvGrpSpPr/>
+        <p:nvPr/>
+      </p:nvGrpSpPr>
+      <p:grpSpPr>
+        <a:xfrm>
+          <a:off x="0" y="0"/>
+          <a:ext cx="0" cy="0"/>
+          <a:chOff x="0" y="0"/>
+          <a:chExt cx="0" cy="0"/>
+        </a:xfrm>
+      </p:grpSpPr>
+      <p:sp>
+        <p:nvSpPr>
+          <p:cNvPr id="2" name="제목 1"/>
+          <p:cNvSpPr>
+            <a:spLocks noGrp="1"/>
+          </p:cNvSpPr>
+          <p:nvPr>
+            <p:ph type="title"/>
+          </p:nvPr>
+        </p:nvSpPr>
+        <p:spPr/>
+        <p:txBody>
+          <a:bodyPr/>
+          <a:lstStyle/>
+          <a:p>
+            <a:r>
+              <a:rPr lang="en-US" altLang="ko-KR" dirty="0" smtClean="0">
+                <a:solidFill>
+                  <a:srgbClr val="C00000"/>
+                </a:solidFill>
+              </a:rPr>
+              <a:t>03-3 Hello </a:t>
+            </a:r>
+            <a:r>
+              <a:rPr lang="ko-KR" altLang="en-US" dirty="0" smtClean="0">
+                <a:solidFill>
+                  <a:srgbClr val="C00000"/>
+                </a:solidFill>
+              </a:rPr>
+              <a:t>프로젝트 하나씩 </a:t>
+            </a:r>
+            <a:r>
+              <a:rPr lang="ko-KR" altLang="en-US" dirty="0" err="1" smtClean="0">
+                <a:solidFill>
+                  <a:srgbClr val="C00000"/>
+                </a:solidFill>
+              </a:rPr>
+              <a:t>바꾸어보기</a:t>
+            </a:r>
+            <a:endParaRPr lang="ko-KR" altLang="en-US" dirty="0">
+              <a:solidFill>
+                <a:srgbClr val="C00000"/>
+              </a:solidFill>
+            </a:endParaRPr>
+          </a:p>
+        </p:txBody>
+      </p:sp>
+      <p:sp>
+        <p:nvSpPr>
+          <p:cNvPr id="3" name="내용 개체 틀 2"/>
+          <p:cNvSpPr>
+            <a:spLocks noGrp="1"/>
+          </p:cNvSpPr>
+          <p:nvPr>
+            <p:ph idx="10"/>
+          </p:nvPr>
+        </p:nvSpPr>
+        <p:spPr/>
+        <p:txBody>
+          <a:bodyPr>
+            <a:normAutofit/>
+          </a:bodyPr>
+          <a:lstStyle/>
+          <a:p>
+            <a:r>
+              <a:rPr lang="en-US" altLang="ko-KR" b="1" dirty="0" smtClean="0"/>
+              <a:t>MainActivity.java</a:t>
+            </a:r>
+            <a:r>
+              <a:rPr lang="ko-KR" altLang="en-US" b="1" dirty="0"/>
+              <a:t> </a:t>
+            </a:r>
+            <a:r>
+              <a:rPr lang="ko-KR" altLang="en-US" dirty="0" smtClean="0"/>
+              <a:t>자세히 살펴보기</a:t>
+            </a:r>
+            <a:endParaRPr lang="en-US" altLang="ko-KR" dirty="0" smtClean="0"/>
+          </a:p>
+          <a:p>
+            <a:pPr lvl="1"/>
+            <a:r>
+              <a:rPr lang="ko-KR" altLang="en-US" dirty="0" smtClean="0"/>
+              <a:t>먼저</a:t>
+            </a:r>
+            <a:r>
+              <a:rPr lang="en-US" altLang="ko-KR" dirty="0" smtClean="0"/>
+              <a:t>, </a:t>
+            </a:r>
+            <a:r>
+              <a:rPr lang="ko-KR" altLang="en-US" dirty="0" err="1" smtClean="0"/>
+              <a:t>안스에서</a:t>
+            </a:r>
+            <a:r>
+              <a:rPr lang="ko-KR" altLang="en-US" dirty="0" smtClean="0"/>
+              <a:t> 이 파일을 찾아가 보십시오</a:t>
+            </a:r>
+            <a:r>
+              <a:rPr lang="en-US" altLang="ko-KR" dirty="0" smtClean="0"/>
+              <a:t>. </a:t>
+            </a:r>
+          </a:p>
+          <a:p>
+            <a:pPr lvl="1"/>
+            <a:endParaRPr lang="en-US" altLang="ko-KR" dirty="0"/>
+          </a:p>
+          <a:p>
+            <a:pPr lvl="1"/>
+            <a:endParaRPr lang="en-US" altLang="ko-KR" dirty="0" smtClean="0"/>
+          </a:p>
+          <a:p>
+            <a:pPr lvl="1"/>
+            <a:endParaRPr lang="en-US" altLang="ko-KR" dirty="0"/>
+          </a:p>
+          <a:p>
+            <a:pPr lvl="1"/>
+            <a:endParaRPr lang="en-US" altLang="ko-KR" dirty="0" smtClean="0"/>
+          </a:p>
+          <a:p>
+            <a:pPr lvl="1"/>
+            <a:endParaRPr lang="en-US" altLang="ko-KR" dirty="0"/>
+          </a:p>
+          <a:p>
+            <a:pPr lvl="1"/>
+            <a:endParaRPr lang="en-US" altLang="ko-KR" dirty="0" smtClean="0"/>
+          </a:p>
+          <a:p>
+            <a:pPr lvl="1"/>
+            <a:endParaRPr lang="en-US" altLang="ko-KR" dirty="0"/>
+          </a:p>
+          <a:p>
+            <a:pPr lvl="1"/>
+            <a:endParaRPr lang="en-US" altLang="ko-KR" dirty="0" smtClean="0"/>
+          </a:p>
+          <a:p>
+            <a:pPr lvl="1"/>
+            <a:endParaRPr lang="en-US" altLang="ko-KR" dirty="0" smtClean="0"/>
+          </a:p>
+        </p:txBody>
+      </p:sp>
+      <p:sp>
+        <p:nvSpPr>
+          <p:cNvPr id="4" name="슬라이드 번호 개체 틀 3"/>
+          <p:cNvSpPr>
+            <a:spLocks noGrp="1"/>
+          </p:cNvSpPr>
+          <p:nvPr>
+            <p:ph type="sldNum" sz="quarter" idx="14"/>
+          </p:nvPr>
+        </p:nvSpPr>
+        <p:spPr/>
+        <p:txBody>
+          <a:bodyPr/>
+          <a:lstStyle/>
+          <a:p>
+            <a:pPr>
+              <a:defRPr/>
+            </a:pPr>
+            <a:fld id="{3D493B47-E977-46F8-8C2F-7DA674317049}" type="slidenum">
+              <a:rPr lang="ko-KR" altLang="en-US" smtClean="0"/>
+              <a:pPr>
+                <a:defRPr/>
+              </a:pPr>
+              <a:t>27</a:t>
+            </a:fld>
+            <a:endParaRPr lang="ko-KR" altLang="en-US"/>
+          </a:p>
+        </p:txBody>
+      </p:sp>
+      <p:sp>
+        <p:nvSpPr>
+          <p:cNvPr id="5" name="TextBox 4"/>
+          <p:cNvSpPr txBox="1"/>
+          <p:nvPr/>
+        </p:nvSpPr>
+        <p:spPr>
+          <a:xfrm>
+            <a:off x="4583832" y="3573016"/>
+            <a:ext cx="7117380" cy="830997"/>
+          </a:xfrm>
+          <a:prstGeom prst="rect">
+            <a:avLst/>
+          </a:prstGeom>
+          <a:solidFill>
+            <a:schemeClr val="bg1">
+              <a:lumMod val="95000"/>
+            </a:schemeClr>
+          </a:solidFill>
+          <a:ln>
+            <a:solidFill>
+              <a:srgbClr val="00B050"/>
+            </a:solidFill>
+          </a:ln>
+        </p:spPr>
+        <p:txBody>
+          <a:bodyPr wrap="square" rtlCol="0">
+            <a:spAutoFit/>
+          </a:bodyPr>
+          <a:lstStyle/>
+          <a:p>
+            <a:r>
+              <a:rPr lang="ko-KR" altLang="en-US" sz="1600" dirty="0" smtClean="0"/>
+              <a:t>실수로 왼쪽의 프로젝트 구성을 보여주는 트리 모양이 창이 없어졌다면</a:t>
+            </a:r>
+            <a:r>
+              <a:rPr lang="en-US" altLang="ko-KR" sz="1600" dirty="0" smtClean="0"/>
+              <a:t>?</a:t>
+            </a:r>
+          </a:p>
+          <a:p>
+            <a:pPr marL="285750" indent="-285750">
+              <a:buFontTx/>
+              <a:buChar char="-"/>
+            </a:pPr>
+            <a:r>
+              <a:rPr lang="ko-KR" altLang="en-US" sz="1600" dirty="0" smtClean="0"/>
+              <a:t>창의 왼쪽 가장자리에 세로로 된 탭을 사용합니다</a:t>
+            </a:r>
+            <a:r>
+              <a:rPr lang="en-US" altLang="ko-KR" sz="1600" dirty="0" smtClean="0"/>
+              <a:t>. </a:t>
+            </a:r>
+            <a:r>
+              <a:rPr lang="ko-KR" altLang="en-US" sz="1600" dirty="0" smtClean="0"/>
+              <a:t>혹은</a:t>
+            </a:r>
+            <a:endParaRPr lang="en-US" altLang="ko-KR" sz="1600" dirty="0" smtClean="0"/>
+          </a:p>
+          <a:p>
+            <a:pPr marL="285750" indent="-285750">
+              <a:buFontTx/>
+              <a:buChar char="-"/>
+            </a:pPr>
+            <a:r>
+              <a:rPr lang="ko-KR" altLang="en-US" sz="1600" dirty="0" err="1" smtClean="0"/>
+              <a:t>안스</a:t>
+            </a:r>
+            <a:r>
+              <a:rPr lang="ko-KR" altLang="en-US" sz="1600" dirty="0" smtClean="0"/>
+              <a:t> 창 메뉴 왼쪽에 </a:t>
+            </a:r>
+            <a:r>
+              <a:rPr lang="en-US" altLang="ko-KR" sz="1600" dirty="0" smtClean="0"/>
+              <a:t>View</a:t>
+            </a:r>
+            <a:r>
+              <a:rPr lang="ko-KR" altLang="en-US" sz="1600" dirty="0" smtClean="0"/>
+              <a:t> </a:t>
+            </a:r>
+            <a:r>
+              <a:rPr lang="en-US" altLang="ko-KR" sz="1600" dirty="0" smtClean="0">
+                <a:sym typeface="Wingdings" panose="05000000000000000000" pitchFamily="2" charset="2"/>
+              </a:rPr>
+              <a:t> Tool Windows  Project</a:t>
+            </a:r>
+            <a:r>
+              <a:rPr lang="ko-KR" altLang="en-US" sz="1600" dirty="0" smtClean="0">
+                <a:sym typeface="Wingdings" panose="05000000000000000000" pitchFamily="2" charset="2"/>
+              </a:rPr>
+              <a:t>를 선택하십시오</a:t>
+            </a:r>
+            <a:r>
+              <a:rPr lang="en-US" altLang="ko-KR" sz="1600" dirty="0" smtClean="0">
+                <a:sym typeface="Wingdings" panose="05000000000000000000" pitchFamily="2" charset="2"/>
+              </a:rPr>
+              <a:t>. </a:t>
+            </a:r>
+            <a:r>
+              <a:rPr lang="en-US" altLang="ko-KR" sz="1600" dirty="0" smtClean="0"/>
+              <a:t> </a:t>
+            </a:r>
+          </a:p>
+        </p:txBody>
+      </p:sp>
+    </p:spTree>
+    <p:extLst>
+      <p:ext uri="{BB962C8B-B14F-4D97-AF65-F5344CB8AC3E}">
+        <p14:creationId xmlns:p14="http://schemas.microsoft.com/office/powerpoint/2010/main" val="1136965686"/>
+      </p:ext>
+    </p:extLst>
+  </p:cSld>
+  <p:clrMapOvr>
+    <a:masterClrMapping/>
+  </p:clrMapOvr>
+</p:sld>
+</file>
+
+<file path=ppt/slides/slide28.xml><?xml version="1.0" encoding="utf-8"?>
+<p:sld xmlns:a="http://schemas.openxmlformats.org/drawingml/2006/main" xmlns:r="http://schemas.openxmlformats.org/officeDocument/2006/relationships" xmlns:p="http://schemas.openxmlformats.org/presentationml/2006/main">
+  <p:cSld>
+    <p:spTree>
+      <p:nvGrpSpPr>
+        <p:cNvPr id="1" name=""/>
+        <p:cNvGrpSpPr/>
+        <p:nvPr/>
+      </p:nvGrpSpPr>
+      <p:grpSpPr>
+        <a:xfrm>
+          <a:off x="0" y="0"/>
+          <a:ext cx="0" cy="0"/>
+          <a:chOff x="0" y="0"/>
+          <a:chExt cx="0" cy="0"/>
+        </a:xfrm>
+      </p:grpSpPr>
+      <p:sp>
+        <p:nvSpPr>
+          <p:cNvPr id="2" name="제목 1"/>
+          <p:cNvSpPr>
+            <a:spLocks noGrp="1"/>
+          </p:cNvSpPr>
+          <p:nvPr>
+            <p:ph type="title"/>
+          </p:nvPr>
+        </p:nvSpPr>
+        <p:spPr/>
+        <p:txBody>
+          <a:bodyPr/>
+          <a:lstStyle/>
+          <a:p>
+            <a:r>
+              <a:rPr lang="en-US" altLang="ko-KR" dirty="0" smtClean="0">
+                <a:solidFill>
+                  <a:srgbClr val="C00000"/>
+                </a:solidFill>
+              </a:rPr>
+              <a:t>03-3 Hello </a:t>
+            </a:r>
+            <a:r>
+              <a:rPr lang="ko-KR" altLang="en-US" dirty="0" smtClean="0">
+                <a:solidFill>
+                  <a:srgbClr val="C00000"/>
+                </a:solidFill>
+              </a:rPr>
+              <a:t>프로젝트 하나씩 </a:t>
+            </a:r>
+            <a:r>
+              <a:rPr lang="ko-KR" altLang="en-US" dirty="0" err="1" smtClean="0">
+                <a:solidFill>
+                  <a:srgbClr val="C00000"/>
+                </a:solidFill>
+              </a:rPr>
+              <a:t>바꾸어보기</a:t>
+            </a:r>
+            <a:endParaRPr lang="ko-KR" altLang="en-US" dirty="0">
+              <a:solidFill>
+                <a:srgbClr val="C00000"/>
+              </a:solidFill>
+            </a:endParaRPr>
+          </a:p>
+        </p:txBody>
+      </p:sp>
+      <p:sp>
+        <p:nvSpPr>
+          <p:cNvPr id="3" name="내용 개체 틀 2"/>
+          <p:cNvSpPr>
+            <a:spLocks noGrp="1"/>
+          </p:cNvSpPr>
+          <p:nvPr>
+            <p:ph idx="10"/>
+          </p:nvPr>
+        </p:nvSpPr>
+        <p:spPr/>
+        <p:txBody>
+          <a:bodyPr>
+            <a:normAutofit/>
+          </a:bodyPr>
+          <a:lstStyle/>
+          <a:p>
+            <a:r>
+              <a:rPr lang="en-US" altLang="ko-KR" dirty="0" smtClean="0"/>
+              <a:t>MainActivity.java</a:t>
+            </a:r>
+            <a:r>
+              <a:rPr lang="ko-KR" altLang="en-US" dirty="0"/>
+              <a:t> </a:t>
+            </a:r>
+            <a:r>
+              <a:rPr lang="ko-KR" altLang="en-US" dirty="0" smtClean="0"/>
+              <a:t>자세히 살펴보기</a:t>
+            </a:r>
+            <a:endParaRPr lang="en-US" altLang="ko-KR" dirty="0" smtClean="0"/>
+          </a:p>
+          <a:p>
+            <a:pPr lvl="1"/>
+            <a:r>
+              <a:rPr lang="ko-KR" altLang="en-US" dirty="0" smtClean="0"/>
+              <a:t>먼저</a:t>
+            </a:r>
+            <a:r>
+              <a:rPr lang="en-US" altLang="ko-KR" dirty="0" smtClean="0"/>
+              <a:t>, </a:t>
+            </a:r>
+            <a:r>
+              <a:rPr lang="ko-KR" altLang="en-US" dirty="0" err="1" smtClean="0"/>
+              <a:t>안스에서</a:t>
+            </a:r>
+            <a:r>
+              <a:rPr lang="ko-KR" altLang="en-US" dirty="0" smtClean="0"/>
+              <a:t> 이 파일을 찾아가 보십시오</a:t>
+            </a:r>
+            <a:r>
+              <a:rPr lang="en-US" altLang="ko-KR" dirty="0" smtClean="0"/>
+              <a:t>. </a:t>
+            </a:r>
+          </a:p>
+          <a:p>
+            <a:pPr lvl="1"/>
+            <a:r>
+              <a:rPr lang="en-US" altLang="ko-KR" dirty="0" smtClean="0"/>
+              <a:t>[MainActivity.java] </a:t>
+            </a:r>
+            <a:r>
+              <a:rPr lang="ko-KR" altLang="en-US" dirty="0" smtClean="0"/>
+              <a:t>탭을 열어 </a:t>
+            </a:r>
+            <a:r>
+              <a:rPr lang="en-US" altLang="ko-KR" b="1" dirty="0" smtClean="0"/>
+              <a:t>MainActivity.java</a:t>
+            </a:r>
+            <a:r>
+              <a:rPr lang="ko-KR" altLang="en-US" dirty="0" smtClean="0"/>
+              <a:t>에 있는 코드를 확인해 보십시오</a:t>
+            </a:r>
+            <a:r>
+              <a:rPr lang="en-US" altLang="ko-KR" dirty="0" smtClean="0"/>
+              <a:t>.</a:t>
+            </a:r>
+          </a:p>
+          <a:p>
+            <a:pPr lvl="1"/>
+            <a:endParaRPr lang="en-US" altLang="ko-KR" dirty="0"/>
+          </a:p>
+          <a:p>
+            <a:pPr lvl="1"/>
+            <a:endParaRPr lang="en-US" altLang="ko-KR" dirty="0" smtClean="0"/>
+          </a:p>
+          <a:p>
+            <a:pPr lvl="1"/>
+            <a:endParaRPr lang="en-US" altLang="ko-KR" dirty="0"/>
+          </a:p>
+          <a:p>
+            <a:pPr lvl="1"/>
+            <a:endParaRPr lang="en-US" altLang="ko-KR" dirty="0" smtClean="0"/>
+          </a:p>
+          <a:p>
+            <a:pPr lvl="1"/>
+            <a:endParaRPr lang="en-US" altLang="ko-KR" dirty="0"/>
+          </a:p>
+          <a:p>
+            <a:pPr lvl="1"/>
+            <a:endParaRPr lang="en-US" altLang="ko-KR" dirty="0" smtClean="0"/>
+          </a:p>
+          <a:p>
+            <a:pPr lvl="1"/>
+            <a:endParaRPr lang="en-US" altLang="ko-KR" dirty="0"/>
+          </a:p>
+          <a:p>
+            <a:pPr lvl="1"/>
+            <a:endParaRPr lang="en-US" altLang="ko-KR" dirty="0" smtClean="0"/>
+          </a:p>
+          <a:p>
+            <a:pPr lvl="1"/>
+            <a:endParaRPr lang="en-US" altLang="ko-KR" dirty="0" smtClean="0"/>
+          </a:p>
+        </p:txBody>
+      </p:sp>
+      <p:sp>
+        <p:nvSpPr>
+          <p:cNvPr id="4" name="슬라이드 번호 개체 틀 3"/>
+          <p:cNvSpPr>
+            <a:spLocks noGrp="1"/>
+          </p:cNvSpPr>
+          <p:nvPr>
+            <p:ph type="sldNum" sz="quarter" idx="14"/>
+          </p:nvPr>
+        </p:nvSpPr>
+        <p:spPr/>
+        <p:txBody>
+          <a:bodyPr/>
+          <a:lstStyle/>
+          <a:p>
+            <a:pPr>
+              <a:defRPr/>
+            </a:pPr>
+            <a:fld id="{3D493B47-E977-46F8-8C2F-7DA674317049}" type="slidenum">
+              <a:rPr lang="ko-KR" altLang="en-US" smtClean="0"/>
+              <a:pPr>
+                <a:defRPr/>
+              </a:pPr>
+              <a:t>28</a:t>
+            </a:fld>
+            <a:endParaRPr lang="ko-KR" altLang="en-US"/>
+          </a:p>
+        </p:txBody>
+      </p:sp>
+      <p:pic>
+        <p:nvPicPr>
+          <p:cNvPr id="5" name="그림 4"/>
+          <p:cNvPicPr>
+            <a:picLocks noChangeAspect="1"/>
+          </p:cNvPicPr>
+          <p:nvPr/>
+        </p:nvPicPr>
+        <p:blipFill>
+          <a:blip r:embed="rId2"/>
+          <a:stretch>
+            <a:fillRect/>
+          </a:stretch>
+        </p:blipFill>
+        <p:spPr>
+          <a:xfrm>
+            <a:off x="695399" y="2234755"/>
+            <a:ext cx="6336705" cy="3855146"/>
+          </a:xfrm>
+          <a:prstGeom prst="rect">
+            <a:avLst/>
+          </a:prstGeom>
+        </p:spPr>
+      </p:pic>
+      <p:sp>
+        <p:nvSpPr>
+          <p:cNvPr id="6" name="TextBox 5"/>
+          <p:cNvSpPr txBox="1"/>
+          <p:nvPr/>
+        </p:nvSpPr>
+        <p:spPr>
+          <a:xfrm>
+            <a:off x="6077156" y="3573016"/>
+            <a:ext cx="5624056" cy="830997"/>
+          </a:xfrm>
+          <a:prstGeom prst="rect">
+            <a:avLst/>
+          </a:prstGeom>
+          <a:solidFill>
+            <a:schemeClr val="bg1">
+              <a:lumMod val="95000"/>
+            </a:schemeClr>
+          </a:solidFill>
+          <a:ln>
+            <a:solidFill>
+              <a:srgbClr val="00B050"/>
+            </a:solidFill>
+          </a:ln>
+        </p:spPr>
+        <p:txBody>
+          <a:bodyPr wrap="square" rtlCol="0">
+            <a:spAutoFit/>
+          </a:bodyPr>
+          <a:lstStyle/>
+          <a:p>
+            <a:pPr marL="285750" indent="-285750">
+              <a:buFont typeface="Arial" panose="020B0604020202020204" pitchFamily="34" charset="0"/>
+              <a:buChar char="•"/>
+            </a:pPr>
+            <a:r>
+              <a:rPr lang="en-US" altLang="ko-KR" sz="1600" dirty="0" err="1" smtClean="0"/>
+              <a:t>onCreate</a:t>
+            </a:r>
+            <a:r>
+              <a:rPr lang="en-US" altLang="ko-KR" sz="1600" dirty="0" smtClean="0"/>
+              <a:t>()</a:t>
+            </a:r>
+            <a:r>
+              <a:rPr lang="ko-KR" altLang="en-US" sz="1600" dirty="0" smtClean="0"/>
+              <a:t>는 프로그램의 시작점의 역할을 합니다</a:t>
+            </a:r>
+            <a:r>
+              <a:rPr lang="en-US" altLang="ko-KR" sz="1600" dirty="0" smtClean="0"/>
+              <a:t>.</a:t>
+            </a:r>
+          </a:p>
+          <a:p>
+            <a:pPr marL="285750" indent="-285750">
+              <a:buFont typeface="Arial" panose="020B0604020202020204" pitchFamily="34" charset="0"/>
+              <a:buChar char="•"/>
+            </a:pPr>
+            <a:r>
+              <a:rPr lang="en-US" altLang="ko-KR" sz="1600" dirty="0" smtClean="0"/>
+              <a:t>super</a:t>
+            </a:r>
+            <a:r>
+              <a:rPr lang="ko-KR" altLang="en-US" sz="1600" dirty="0" smtClean="0"/>
+              <a:t> 는 상속받은 부모 클래스 함수를 호출하여 실행합니다</a:t>
+            </a:r>
+            <a:r>
+              <a:rPr lang="en-US" altLang="ko-KR" sz="1600" dirty="0" smtClean="0"/>
+              <a:t>.</a:t>
+            </a:r>
+            <a:br>
+              <a:rPr lang="en-US" altLang="ko-KR" sz="1600" dirty="0" smtClean="0"/>
+            </a:br>
+            <a:r>
+              <a:rPr lang="ko-KR" altLang="en-US" sz="1600" dirty="0" smtClean="0"/>
+              <a:t>화면의 메시지와는 관계가 없습니다</a:t>
+            </a:r>
+            <a:r>
+              <a:rPr lang="en-US" altLang="ko-KR" sz="1600" dirty="0" smtClean="0"/>
+              <a:t>.</a:t>
+            </a:r>
+          </a:p>
+        </p:txBody>
+      </p:sp>
+      <p:sp>
+        <p:nvSpPr>
+          <p:cNvPr id="7" name="TextBox 6"/>
+          <p:cNvSpPr txBox="1"/>
+          <p:nvPr/>
+        </p:nvSpPr>
+        <p:spPr>
+          <a:xfrm>
+            <a:off x="6077156" y="4619274"/>
+            <a:ext cx="5624056" cy="830997"/>
+          </a:xfrm>
+          <a:prstGeom prst="rect">
+            <a:avLst/>
+          </a:prstGeom>
+          <a:solidFill>
+            <a:schemeClr val="bg1">
+              <a:lumMod val="95000"/>
+            </a:schemeClr>
+          </a:solidFill>
+          <a:ln>
+            <a:solidFill>
+              <a:srgbClr val="00B050"/>
+            </a:solidFill>
+          </a:ln>
+        </p:spPr>
+        <p:txBody>
+          <a:bodyPr wrap="square" rtlCol="0">
+            <a:spAutoFit/>
+          </a:bodyPr>
+          <a:lstStyle/>
+          <a:p>
+            <a:pPr marL="285750" indent="-285750">
+              <a:buFont typeface="Arial" panose="020B0604020202020204" pitchFamily="34" charset="0"/>
+              <a:buChar char="•"/>
+            </a:pPr>
+            <a:r>
+              <a:rPr lang="en-US" altLang="ko-KR" sz="1600" dirty="0" err="1" smtClean="0"/>
+              <a:t>setContentView</a:t>
+            </a:r>
+            <a:r>
+              <a:rPr lang="en-US" altLang="ko-KR" sz="1600" dirty="0" smtClean="0"/>
+              <a:t>()</a:t>
+            </a:r>
+            <a:r>
+              <a:rPr lang="ko-KR" altLang="en-US" sz="1600" dirty="0" smtClean="0"/>
+              <a:t>는</a:t>
+            </a:r>
+            <a:r>
+              <a:rPr lang="en-US" altLang="ko-KR" sz="1600" dirty="0" smtClean="0"/>
+              <a:t> </a:t>
+            </a:r>
+            <a:r>
+              <a:rPr lang="ko-KR" altLang="en-US" sz="1600" dirty="0" smtClean="0"/>
+              <a:t>이름처럼 화면 출력과 관계됩니다</a:t>
+            </a:r>
+            <a:r>
+              <a:rPr lang="en-US" altLang="ko-KR" sz="1600" dirty="0" smtClean="0"/>
+              <a:t>.</a:t>
+            </a:r>
+            <a:r>
+              <a:rPr lang="ko-KR" altLang="en-US" sz="1600" dirty="0" smtClean="0"/>
+              <a:t> </a:t>
+            </a:r>
+            <a:endParaRPr lang="en-US" altLang="ko-KR" sz="1600" dirty="0" smtClean="0"/>
+          </a:p>
+          <a:p>
+            <a:pPr marL="285750" indent="-285750">
+              <a:buFont typeface="Arial" panose="020B0604020202020204" pitchFamily="34" charset="0"/>
+              <a:buChar char="•"/>
+            </a:pPr>
+            <a:r>
+              <a:rPr lang="ko-KR" altLang="en-US" sz="1600" dirty="0" smtClean="0"/>
+              <a:t>인자로 넘겨주는 </a:t>
+            </a:r>
+            <a:r>
+              <a:rPr lang="en-US" altLang="ko-KR" sz="1600" b="1" dirty="0" err="1" smtClean="0">
+                <a:solidFill>
+                  <a:srgbClr val="C00000"/>
+                </a:solidFill>
+              </a:rPr>
+              <a:t>R.layout.activity_main</a:t>
+            </a:r>
+            <a:r>
+              <a:rPr lang="ko-KR" altLang="en-US" sz="1600" dirty="0" smtClean="0"/>
+              <a:t>과 </a:t>
+            </a:r>
+            <a:r>
+              <a:rPr lang="en-US" altLang="ko-KR" sz="1600" dirty="0" smtClean="0"/>
+              <a:t>"Hello World!" </a:t>
+            </a:r>
+            <a:r>
+              <a:rPr lang="ko-KR" altLang="en-US" sz="1600" dirty="0" smtClean="0"/>
+              <a:t>메시지와 관련이 있을 것을 짐작할 수 있습니다</a:t>
+            </a:r>
+            <a:r>
+              <a:rPr lang="en-US" altLang="ko-KR" sz="1600" dirty="0" smtClean="0"/>
+              <a:t>. </a:t>
+            </a:r>
+          </a:p>
+        </p:txBody>
+      </p:sp>
+      <p:sp>
+        <p:nvSpPr>
+          <p:cNvPr id="8" name="위쪽 화살표 7"/>
+          <p:cNvSpPr/>
+          <p:nvPr/>
+        </p:nvSpPr>
+        <p:spPr>
+          <a:xfrm>
+            <a:off x="947519" y="5450271"/>
+            <a:ext cx="360040" cy="1033605"/>
+          </a:xfrm>
+          <a:prstGeom prst="upArrow">
+            <a:avLst/>
+          </a:prstGeom>
+        </p:spPr>
+        <p:style>
+          <a:lnRef idx="2">
+            <a:schemeClr val="accent1">
+              <a:shade val="50000"/>
+            </a:schemeClr>
+          </a:lnRef>
+          <a:fillRef idx="1">
+            <a:schemeClr val="accent1"/>
+          </a:fillRef>
+          <a:effectRef idx="0">
+            <a:schemeClr val="accent1"/>
+          </a:effectRef>
+          <a:fontRef idx="minor">
+            <a:schemeClr val="lt1"/>
+          </a:fontRef>
+        </p:style>
+        <p:txBody>
+          <a:bodyPr rtlCol="0" anchor="ctr"/>
+          <a:lstStyle/>
+          <a:p>
+            <a:pPr algn="ctr"/>
+            <a:endParaRPr lang="ko-KR" altLang="en-US"/>
+          </a:p>
+        </p:txBody>
+      </p:sp>
+      <p:sp>
+        <p:nvSpPr>
+          <p:cNvPr id="9" name="TextBox 8"/>
+          <p:cNvSpPr txBox="1"/>
+          <p:nvPr/>
+        </p:nvSpPr>
+        <p:spPr>
+          <a:xfrm>
+            <a:off x="1307559" y="6164303"/>
+            <a:ext cx="3776996" cy="338554"/>
+          </a:xfrm>
+          <a:prstGeom prst="rect">
+            <a:avLst/>
+          </a:prstGeom>
+          <a:solidFill>
+            <a:schemeClr val="bg1">
+              <a:lumMod val="95000"/>
+            </a:schemeClr>
+          </a:solidFill>
+          <a:ln>
+            <a:solidFill>
+              <a:schemeClr val="bg1">
+                <a:lumMod val="65000"/>
+              </a:schemeClr>
+            </a:solidFill>
+          </a:ln>
+        </p:spPr>
+        <p:txBody>
+          <a:bodyPr wrap="none" rtlCol="0">
+            <a:spAutoFit/>
+          </a:bodyPr>
+          <a:lstStyle/>
+          <a:p>
+            <a:r>
+              <a:rPr lang="ko-KR" altLang="en-US" sz="1600" dirty="0" smtClean="0"/>
+              <a:t>폴더 트리 구조가 좀 다르죠</a:t>
+            </a:r>
+            <a:r>
+              <a:rPr lang="en-US" altLang="ko-KR" sz="1600" dirty="0" smtClean="0"/>
+              <a:t>? </a:t>
+            </a:r>
+            <a:r>
+              <a:rPr lang="ko-KR" altLang="en-US" sz="1600" dirty="0" smtClean="0"/>
+              <a:t>괜찮습니다</a:t>
+            </a:r>
+            <a:r>
+              <a:rPr lang="en-US" altLang="ko-KR" sz="1600" dirty="0" smtClean="0"/>
+              <a:t>. </a:t>
+            </a:r>
+            <a:endParaRPr lang="ko-KR" altLang="en-US" sz="1600" dirty="0"/>
+          </a:p>
+        </p:txBody>
+      </p:sp>
+      <p:cxnSp>
+        <p:nvCxnSpPr>
+          <p:cNvPr id="11" name="꺾인 연결선 10"/>
+          <p:cNvCxnSpPr>
+            <a:stCxn id="7" idx="1"/>
+          </p:cNvCxnSpPr>
+          <p:nvPr/>
+        </p:nvCxnSpPr>
+        <p:spPr>
+          <a:xfrm rot="10800000">
+            <a:off x="5591944" y="4509121"/>
+            <a:ext cx="485212" cy="525653"/>
+          </a:xfrm>
+          <a:prstGeom prst="bentConnector2">
+            <a:avLst/>
+          </a:prstGeom>
+          <a:ln>
+            <a:tailEnd type="triangle"/>
+          </a:ln>
+        </p:spPr>
+        <p:style>
+          <a:lnRef idx="1">
+            <a:schemeClr val="accent1"/>
+          </a:lnRef>
+          <a:fillRef idx="0">
+            <a:schemeClr val="accent1"/>
+          </a:fillRef>
+          <a:effectRef idx="0">
+            <a:schemeClr val="accent1"/>
+          </a:effectRef>
+          <a:fontRef idx="minor">
+            <a:schemeClr val="tx1"/>
+          </a:fontRef>
+        </p:style>
+      </p:cxnSp>
+    </p:spTree>
+    <p:extLst>
+      <p:ext uri="{BB962C8B-B14F-4D97-AF65-F5344CB8AC3E}">
+        <p14:creationId xmlns:p14="http://schemas.microsoft.com/office/powerpoint/2010/main" val="4043000092"/>
+      </p:ext>
+    </p:extLst>
+  </p:cSld>
+  <p:clrMapOvr>
+    <a:masterClrMapping/>
+  </p:clrMapOvr>
+</p:sld>
+</file>
+
+<file path=ppt/slides/slide29.xml><?xml version="1.0" encoding="utf-8"?>
+<p:sld xmlns:a="http://schemas.openxmlformats.org/drawingml/2006/main" xmlns:r="http://schemas.openxmlformats.org/officeDocument/2006/relationships" xmlns:p="http://schemas.openxmlformats.org/presentationml/2006/main">
+  <p:cSld>
+    <p:spTree>
+      <p:nvGrpSpPr>
+        <p:cNvPr id="1" name=""/>
+        <p:cNvGrpSpPr/>
+        <p:nvPr/>
+      </p:nvGrpSpPr>
+      <p:grpSpPr>
+        <a:xfrm>
+          <a:off x="0" y="0"/>
+          <a:ext cx="0" cy="0"/>
+          <a:chOff x="0" y="0"/>
+          <a:chExt cx="0" cy="0"/>
+        </a:xfrm>
+      </p:grpSpPr>
+      <p:sp>
+        <p:nvSpPr>
+          <p:cNvPr id="2" name="제목 1"/>
+          <p:cNvSpPr>
+            <a:spLocks noGrp="1"/>
+          </p:cNvSpPr>
+          <p:nvPr>
+            <p:ph type="title"/>
+          </p:nvPr>
+        </p:nvSpPr>
+        <p:spPr/>
+        <p:txBody>
+          <a:bodyPr/>
+          <a:lstStyle/>
+          <a:p>
+            <a:r>
+              <a:rPr lang="en-US" altLang="ko-KR" dirty="0" smtClean="0">
+                <a:solidFill>
+                  <a:srgbClr val="C00000"/>
+                </a:solidFill>
+              </a:rPr>
+              <a:t>03-3 Hello </a:t>
+            </a:r>
+            <a:r>
+              <a:rPr lang="ko-KR" altLang="en-US" dirty="0" smtClean="0">
+                <a:solidFill>
+                  <a:srgbClr val="C00000"/>
+                </a:solidFill>
+              </a:rPr>
+              <a:t>프로젝트 하나씩 </a:t>
+            </a:r>
+            <a:r>
+              <a:rPr lang="ko-KR" altLang="en-US" dirty="0" err="1" smtClean="0">
+                <a:solidFill>
+                  <a:srgbClr val="C00000"/>
+                </a:solidFill>
+              </a:rPr>
+              <a:t>바꾸어보기</a:t>
+            </a:r>
+            <a:endParaRPr lang="ko-KR" altLang="en-US" dirty="0">
+              <a:solidFill>
+                <a:srgbClr val="C00000"/>
+              </a:solidFill>
+            </a:endParaRPr>
+          </a:p>
+        </p:txBody>
+      </p:sp>
+      <p:sp>
+        <p:nvSpPr>
+          <p:cNvPr id="3" name="내용 개체 틀 2"/>
+          <p:cNvSpPr>
+            <a:spLocks noGrp="1"/>
+          </p:cNvSpPr>
+          <p:nvPr>
+            <p:ph idx="10"/>
+          </p:nvPr>
+        </p:nvSpPr>
+        <p:spPr/>
+        <p:txBody>
+          <a:bodyPr>
+            <a:normAutofit/>
+          </a:bodyPr>
+          <a:lstStyle/>
+          <a:p>
+            <a:r>
+              <a:rPr lang="ko-KR" altLang="en-US" dirty="0" smtClean="0"/>
+              <a:t>아래의 각 창에서 </a:t>
+            </a:r>
+            <a:r>
+              <a:rPr lang="en-US" altLang="ko-KR" dirty="0" smtClean="0"/>
+              <a:t>MainActivity.java</a:t>
+            </a:r>
+            <a:r>
+              <a:rPr lang="ko-KR" altLang="en-US" dirty="0" smtClean="0"/>
+              <a:t>는 같지만</a:t>
+            </a:r>
+            <a:r>
+              <a:rPr lang="en-US" altLang="ko-KR" dirty="0" smtClean="0"/>
+              <a:t>, </a:t>
+            </a:r>
+            <a:r>
+              <a:rPr lang="ko-KR" altLang="en-US" dirty="0" smtClean="0"/>
+              <a:t>왼쪽 </a:t>
+            </a:r>
+            <a:r>
+              <a:rPr lang="en-US" altLang="ko-KR" dirty="0" smtClean="0"/>
+              <a:t>Project </a:t>
+            </a:r>
+            <a:r>
+              <a:rPr lang="ko-KR" altLang="en-US" dirty="0" smtClean="0"/>
+              <a:t>구조를 보여주는 형식이 서로 다르죠</a:t>
+            </a:r>
+            <a:r>
+              <a:rPr lang="en-US" altLang="ko-KR" dirty="0" smtClean="0"/>
+              <a:t>?</a:t>
+            </a:r>
+            <a:endParaRPr lang="en-US" altLang="ko-KR" dirty="0"/>
+          </a:p>
+          <a:p>
+            <a:pPr lvl="1"/>
+            <a:endParaRPr lang="en-US" altLang="ko-KR" dirty="0" smtClean="0"/>
+          </a:p>
+          <a:p>
+            <a:pPr lvl="1"/>
+            <a:endParaRPr lang="en-US" altLang="ko-KR" dirty="0" smtClean="0"/>
+          </a:p>
+          <a:p>
+            <a:pPr lvl="1"/>
+            <a:endParaRPr lang="en-US" altLang="ko-KR" dirty="0"/>
+          </a:p>
+          <a:p>
+            <a:pPr lvl="1"/>
+            <a:endParaRPr lang="en-US" altLang="ko-KR" dirty="0" smtClean="0"/>
+          </a:p>
+          <a:p>
+            <a:pPr lvl="1"/>
+            <a:endParaRPr lang="en-US" altLang="ko-KR" dirty="0"/>
+          </a:p>
+          <a:p>
+            <a:pPr lvl="1"/>
+            <a:endParaRPr lang="en-US" altLang="ko-KR" dirty="0" smtClean="0"/>
+          </a:p>
+          <a:p>
+            <a:pPr lvl="1"/>
+            <a:endParaRPr lang="en-US" altLang="ko-KR" dirty="0" smtClean="0"/>
+          </a:p>
+        </p:txBody>
+      </p:sp>
+      <p:sp>
+        <p:nvSpPr>
+          <p:cNvPr id="4" name="슬라이드 번호 개체 틀 3"/>
+          <p:cNvSpPr>
+            <a:spLocks noGrp="1"/>
+          </p:cNvSpPr>
+          <p:nvPr>
+            <p:ph type="sldNum" sz="quarter" idx="14"/>
+          </p:nvPr>
+        </p:nvSpPr>
+        <p:spPr/>
+        <p:txBody>
+          <a:bodyPr/>
+          <a:lstStyle/>
+          <a:p>
+            <a:pPr>
+              <a:defRPr/>
+            </a:pPr>
+            <a:fld id="{3D493B47-E977-46F8-8C2F-7DA674317049}" type="slidenum">
+              <a:rPr lang="ko-KR" altLang="en-US" smtClean="0"/>
+              <a:pPr>
+                <a:defRPr/>
+              </a:pPr>
+              <a:t>29</a:t>
+            </a:fld>
+            <a:endParaRPr lang="ko-KR" altLang="en-US"/>
+          </a:p>
+        </p:txBody>
+      </p:sp>
+      <p:pic>
+        <p:nvPicPr>
+          <p:cNvPr id="5" name="그림 4"/>
+          <p:cNvPicPr>
+            <a:picLocks noChangeAspect="1"/>
+          </p:cNvPicPr>
+          <p:nvPr/>
+        </p:nvPicPr>
+        <p:blipFill>
+          <a:blip r:embed="rId2"/>
+          <a:stretch>
+            <a:fillRect/>
+          </a:stretch>
+        </p:blipFill>
+        <p:spPr>
+          <a:xfrm>
+            <a:off x="453100" y="2276872"/>
+            <a:ext cx="5850890" cy="3559584"/>
+          </a:xfrm>
+          <a:prstGeom prst="rect">
+            <a:avLst/>
+          </a:prstGeom>
+        </p:spPr>
+      </p:pic>
+      <p:pic>
+        <p:nvPicPr>
+          <p:cNvPr id="8" name="그림 7"/>
+          <p:cNvPicPr>
+            <a:picLocks noChangeAspect="1"/>
+          </p:cNvPicPr>
+          <p:nvPr/>
+        </p:nvPicPr>
+        <p:blipFill>
+          <a:blip r:embed="rId3"/>
+          <a:stretch>
+            <a:fillRect/>
+          </a:stretch>
+        </p:blipFill>
+        <p:spPr>
+          <a:xfrm>
+            <a:off x="6368385" y="2276872"/>
+            <a:ext cx="5615918" cy="3559584"/>
+          </a:xfrm>
+          <a:prstGeom prst="rect">
+            <a:avLst/>
+          </a:prstGeom>
+        </p:spPr>
+      </p:pic>
+    </p:spTree>
+    <p:extLst>
+      <p:ext uri="{BB962C8B-B14F-4D97-AF65-F5344CB8AC3E}">
+        <p14:creationId xmlns:p14="http://schemas.microsoft.com/office/powerpoint/2010/main" val="2332000541"/>
+      </p:ext>
+    </p:extLst>
+  </p:cSld>
+  <p:clrMapOvr>
+    <a:masterClrMapping/>
+  </p:clrMapOvr>
+</p:sld>
+</file>
+
 <file path=ppt/slides/slide3.xml><?xml version="1.0" encoding="utf-8"?>
 <p:sld xmlns:a="http://schemas.openxmlformats.org/drawingml/2006/main" xmlns:r="http://schemas.openxmlformats.org/officeDocument/2006/relationships" xmlns:p="http://schemas.openxmlformats.org/presentationml/2006/main">
   <p:cSld>
@@ -8301,6 +12519,788 @@
     <p:extLst>
       <p:ext uri="{BB962C8B-B14F-4D97-AF65-F5344CB8AC3E}">
         <p14:creationId xmlns:p14="http://schemas.microsoft.com/office/powerpoint/2010/main" val="919262991"/>
+      </p:ext>
+    </p:extLst>
+  </p:cSld>
+  <p:clrMapOvr>
+    <a:masterClrMapping/>
+  </p:clrMapOvr>
+</p:sld>
+</file>
+
+<file path=ppt/slides/slide30.xml><?xml version="1.0" encoding="utf-8"?>
+<p:sld xmlns:a="http://schemas.openxmlformats.org/drawingml/2006/main" xmlns:r="http://schemas.openxmlformats.org/officeDocument/2006/relationships" xmlns:p="http://schemas.openxmlformats.org/presentationml/2006/main">
+  <p:cSld>
+    <p:spTree>
+      <p:nvGrpSpPr>
+        <p:cNvPr id="1" name=""/>
+        <p:cNvGrpSpPr/>
+        <p:nvPr/>
+      </p:nvGrpSpPr>
+      <p:grpSpPr>
+        <a:xfrm>
+          <a:off x="0" y="0"/>
+          <a:ext cx="0" cy="0"/>
+          <a:chOff x="0" y="0"/>
+          <a:chExt cx="0" cy="0"/>
+        </a:xfrm>
+      </p:grpSpPr>
+      <p:sp>
+        <p:nvSpPr>
+          <p:cNvPr id="2" name="제목 1"/>
+          <p:cNvSpPr>
+            <a:spLocks noGrp="1"/>
+          </p:cNvSpPr>
+          <p:nvPr>
+            <p:ph type="title"/>
+          </p:nvPr>
+        </p:nvSpPr>
+        <p:spPr/>
+        <p:txBody>
+          <a:bodyPr/>
+          <a:lstStyle/>
+          <a:p>
+            <a:r>
+              <a:rPr lang="en-US" altLang="ko-KR" dirty="0" smtClean="0">
+                <a:solidFill>
+                  <a:srgbClr val="C00000"/>
+                </a:solidFill>
+              </a:rPr>
+              <a:t>03-3 Hello </a:t>
+            </a:r>
+            <a:r>
+              <a:rPr lang="ko-KR" altLang="en-US" dirty="0" smtClean="0">
+                <a:solidFill>
+                  <a:srgbClr val="C00000"/>
+                </a:solidFill>
+              </a:rPr>
+              <a:t>프로젝트 하나씩 </a:t>
+            </a:r>
+            <a:r>
+              <a:rPr lang="ko-KR" altLang="en-US" dirty="0" err="1" smtClean="0">
+                <a:solidFill>
+                  <a:srgbClr val="C00000"/>
+                </a:solidFill>
+              </a:rPr>
+              <a:t>바꾸어보기</a:t>
+            </a:r>
+            <a:endParaRPr lang="ko-KR" altLang="en-US" dirty="0">
+              <a:solidFill>
+                <a:srgbClr val="C00000"/>
+              </a:solidFill>
+            </a:endParaRPr>
+          </a:p>
+        </p:txBody>
+      </p:sp>
+      <p:sp>
+        <p:nvSpPr>
+          <p:cNvPr id="3" name="내용 개체 틀 2"/>
+          <p:cNvSpPr>
+            <a:spLocks noGrp="1"/>
+          </p:cNvSpPr>
+          <p:nvPr>
+            <p:ph idx="10"/>
+          </p:nvPr>
+        </p:nvSpPr>
+        <p:spPr/>
+        <p:txBody>
+          <a:bodyPr>
+            <a:normAutofit/>
+          </a:bodyPr>
+          <a:lstStyle/>
+          <a:p>
+            <a:r>
+              <a:rPr lang="ko-KR" altLang="en-US" dirty="0" smtClean="0"/>
+              <a:t>아래의 각 창에서 </a:t>
+            </a:r>
+            <a:r>
+              <a:rPr lang="en-US" altLang="ko-KR" dirty="0" smtClean="0"/>
+              <a:t>MainActivity.java</a:t>
+            </a:r>
+            <a:r>
+              <a:rPr lang="ko-KR" altLang="en-US" dirty="0" smtClean="0"/>
+              <a:t>는 같지만</a:t>
+            </a:r>
+            <a:r>
+              <a:rPr lang="en-US" altLang="ko-KR" dirty="0" smtClean="0"/>
+              <a:t>, </a:t>
+            </a:r>
+            <a:r>
+              <a:rPr lang="ko-KR" altLang="en-US" dirty="0" smtClean="0"/>
+              <a:t>왼쪽 </a:t>
+            </a:r>
+            <a:r>
+              <a:rPr lang="en-US" altLang="ko-KR" dirty="0" smtClean="0"/>
+              <a:t>Project </a:t>
+            </a:r>
+            <a:r>
+              <a:rPr lang="ko-KR" altLang="en-US" dirty="0" smtClean="0"/>
+              <a:t>구조를 보여주는 형식이 서로 다르죠</a:t>
+            </a:r>
+            <a:r>
+              <a:rPr lang="en-US" altLang="ko-KR" dirty="0" smtClean="0"/>
+              <a:t>?</a:t>
+            </a:r>
+            <a:endParaRPr lang="en-US" altLang="ko-KR" dirty="0"/>
+          </a:p>
+          <a:p>
+            <a:pPr lvl="1"/>
+            <a:endParaRPr lang="en-US" altLang="ko-KR" dirty="0" smtClean="0"/>
+          </a:p>
+          <a:p>
+            <a:pPr lvl="1"/>
+            <a:endParaRPr lang="en-US" altLang="ko-KR" dirty="0" smtClean="0"/>
+          </a:p>
+          <a:p>
+            <a:pPr lvl="1"/>
+            <a:endParaRPr lang="en-US" altLang="ko-KR" dirty="0"/>
+          </a:p>
+          <a:p>
+            <a:pPr lvl="1"/>
+            <a:endParaRPr lang="en-US" altLang="ko-KR" dirty="0" smtClean="0"/>
+          </a:p>
+          <a:p>
+            <a:pPr lvl="1"/>
+            <a:endParaRPr lang="en-US" altLang="ko-KR" dirty="0"/>
+          </a:p>
+          <a:p>
+            <a:pPr lvl="1"/>
+            <a:endParaRPr lang="en-US" altLang="ko-KR" dirty="0" smtClean="0"/>
+          </a:p>
+          <a:p>
+            <a:pPr lvl="1"/>
+            <a:endParaRPr lang="en-US" altLang="ko-KR" dirty="0" smtClean="0"/>
+          </a:p>
+        </p:txBody>
+      </p:sp>
+      <p:sp>
+        <p:nvSpPr>
+          <p:cNvPr id="4" name="슬라이드 번호 개체 틀 3"/>
+          <p:cNvSpPr>
+            <a:spLocks noGrp="1"/>
+          </p:cNvSpPr>
+          <p:nvPr>
+            <p:ph type="sldNum" sz="quarter" idx="14"/>
+          </p:nvPr>
+        </p:nvSpPr>
+        <p:spPr/>
+        <p:txBody>
+          <a:bodyPr/>
+          <a:lstStyle/>
+          <a:p>
+            <a:pPr>
+              <a:defRPr/>
+            </a:pPr>
+            <a:fld id="{3D493B47-E977-46F8-8C2F-7DA674317049}" type="slidenum">
+              <a:rPr lang="ko-KR" altLang="en-US" smtClean="0"/>
+              <a:pPr>
+                <a:defRPr/>
+              </a:pPr>
+              <a:t>30</a:t>
+            </a:fld>
+            <a:endParaRPr lang="ko-KR" altLang="en-US"/>
+          </a:p>
+        </p:txBody>
+      </p:sp>
+      <p:pic>
+        <p:nvPicPr>
+          <p:cNvPr id="5" name="그림 4"/>
+          <p:cNvPicPr>
+            <a:picLocks noChangeAspect="1"/>
+          </p:cNvPicPr>
+          <p:nvPr/>
+        </p:nvPicPr>
+        <p:blipFill>
+          <a:blip r:embed="rId2"/>
+          <a:stretch>
+            <a:fillRect/>
+          </a:stretch>
+        </p:blipFill>
+        <p:spPr>
+          <a:xfrm>
+            <a:off x="453100" y="2276872"/>
+            <a:ext cx="5850890" cy="3559584"/>
+          </a:xfrm>
+          <a:prstGeom prst="rect">
+            <a:avLst/>
+          </a:prstGeom>
+        </p:spPr>
+      </p:pic>
+      <p:pic>
+        <p:nvPicPr>
+          <p:cNvPr id="8" name="그림 7"/>
+          <p:cNvPicPr>
+            <a:picLocks noChangeAspect="1"/>
+          </p:cNvPicPr>
+          <p:nvPr/>
+        </p:nvPicPr>
+        <p:blipFill>
+          <a:blip r:embed="rId3"/>
+          <a:stretch>
+            <a:fillRect/>
+          </a:stretch>
+        </p:blipFill>
+        <p:spPr>
+          <a:xfrm>
+            <a:off x="6368385" y="2276872"/>
+            <a:ext cx="5615918" cy="3559584"/>
+          </a:xfrm>
+          <a:prstGeom prst="rect">
+            <a:avLst/>
+          </a:prstGeom>
+        </p:spPr>
+      </p:pic>
+      <p:sp>
+        <p:nvSpPr>
+          <p:cNvPr id="9" name="모서리가 둥근 직사각형 8"/>
+          <p:cNvSpPr/>
+          <p:nvPr/>
+        </p:nvSpPr>
+        <p:spPr>
+          <a:xfrm>
+            <a:off x="6456040" y="2780928"/>
+            <a:ext cx="792088" cy="288032"/>
+          </a:xfrm>
+          <a:prstGeom prst="roundRect">
+            <a:avLst/>
+          </a:prstGeom>
+          <a:noFill/>
+          <a:ln w="57150">
+            <a:solidFill>
+              <a:srgbClr val="C00000"/>
+            </a:solidFill>
+          </a:ln>
+        </p:spPr>
+        <p:style>
+          <a:lnRef idx="2">
+            <a:schemeClr val="accent1">
+              <a:shade val="50000"/>
+            </a:schemeClr>
+          </a:lnRef>
+          <a:fillRef idx="1">
+            <a:schemeClr val="accent1"/>
+          </a:fillRef>
+          <a:effectRef idx="0">
+            <a:schemeClr val="accent1"/>
+          </a:effectRef>
+          <a:fontRef idx="minor">
+            <a:schemeClr val="lt1"/>
+          </a:fontRef>
+        </p:style>
+        <p:txBody>
+          <a:bodyPr rtlCol="0" anchor="ctr"/>
+          <a:lstStyle/>
+          <a:p>
+            <a:pPr algn="ctr"/>
+            <a:endParaRPr lang="ko-KR" altLang="en-US"/>
+          </a:p>
+        </p:txBody>
+      </p:sp>
+      <p:sp>
+        <p:nvSpPr>
+          <p:cNvPr id="10" name="모서리가 둥근 직사각형 9"/>
+          <p:cNvSpPr/>
+          <p:nvPr/>
+        </p:nvSpPr>
+        <p:spPr>
+          <a:xfrm>
+            <a:off x="453100" y="2780928"/>
+            <a:ext cx="792088" cy="288032"/>
+          </a:xfrm>
+          <a:prstGeom prst="roundRect">
+            <a:avLst/>
+          </a:prstGeom>
+          <a:noFill/>
+          <a:ln w="57150">
+            <a:solidFill>
+              <a:srgbClr val="C00000"/>
+            </a:solidFill>
+          </a:ln>
+        </p:spPr>
+        <p:style>
+          <a:lnRef idx="2">
+            <a:schemeClr val="accent1">
+              <a:shade val="50000"/>
+            </a:schemeClr>
+          </a:lnRef>
+          <a:fillRef idx="1">
+            <a:schemeClr val="accent1"/>
+          </a:fillRef>
+          <a:effectRef idx="0">
+            <a:schemeClr val="accent1"/>
+          </a:effectRef>
+          <a:fontRef idx="minor">
+            <a:schemeClr val="lt1"/>
+          </a:fontRef>
+        </p:style>
+        <p:txBody>
+          <a:bodyPr rtlCol="0" anchor="ctr"/>
+          <a:lstStyle/>
+          <a:p>
+            <a:pPr algn="ctr"/>
+            <a:endParaRPr lang="ko-KR" altLang="en-US"/>
+          </a:p>
+        </p:txBody>
+      </p:sp>
+      <p:cxnSp>
+        <p:nvCxnSpPr>
+          <p:cNvPr id="12" name="직선 화살표 연결선 11"/>
+          <p:cNvCxnSpPr/>
+          <p:nvPr/>
+        </p:nvCxnSpPr>
+        <p:spPr>
+          <a:xfrm>
+            <a:off x="849144" y="1988840"/>
+            <a:ext cx="0" cy="792088"/>
+          </a:xfrm>
+          <a:prstGeom prst="straightConnector1">
+            <a:avLst/>
+          </a:prstGeom>
+          <a:ln>
+            <a:solidFill>
+              <a:srgbClr val="C00000"/>
+            </a:solidFill>
+            <a:tailEnd type="triangle"/>
+          </a:ln>
+        </p:spPr>
+        <p:style>
+          <a:lnRef idx="1">
+            <a:schemeClr val="accent1"/>
+          </a:lnRef>
+          <a:fillRef idx="0">
+            <a:schemeClr val="accent1"/>
+          </a:fillRef>
+          <a:effectRef idx="0">
+            <a:schemeClr val="accent1"/>
+          </a:effectRef>
+          <a:fontRef idx="minor">
+            <a:schemeClr val="tx1"/>
+          </a:fontRef>
+        </p:style>
+      </p:cxnSp>
+      <p:sp>
+        <p:nvSpPr>
+          <p:cNvPr id="15" name="직사각형 14"/>
+          <p:cNvSpPr/>
+          <p:nvPr/>
+        </p:nvSpPr>
+        <p:spPr>
+          <a:xfrm>
+            <a:off x="453100" y="1591462"/>
+            <a:ext cx="4560864" cy="338554"/>
+          </a:xfrm>
+          <a:prstGeom prst="rect">
+            <a:avLst/>
+          </a:prstGeom>
+          <a:solidFill>
+            <a:srgbClr val="FFC000"/>
+          </a:solidFill>
+          <a:ln>
+            <a:solidFill>
+              <a:schemeClr val="bg1">
+                <a:lumMod val="75000"/>
+              </a:schemeClr>
+            </a:solidFill>
+          </a:ln>
+        </p:spPr>
+        <p:txBody>
+          <a:bodyPr wrap="none">
+            <a:spAutoFit/>
+          </a:bodyPr>
+          <a:lstStyle/>
+          <a:p>
+            <a:r>
+              <a:rPr lang="ko-KR" altLang="en-US" sz="1600" dirty="0" smtClean="0"/>
+              <a:t>프로젝트 </a:t>
+            </a:r>
+            <a:r>
+              <a:rPr lang="ko-KR" altLang="en-US" sz="1600" dirty="0"/>
+              <a:t>폴더에 있는 파일들을 </a:t>
+            </a:r>
+            <a:r>
+              <a:rPr lang="ko-KR" altLang="en-US" sz="1600" dirty="0" smtClean="0"/>
+              <a:t>있는 그대로 </a:t>
+            </a:r>
+            <a:r>
+              <a:rPr lang="ko-KR" altLang="en-US" sz="1600" dirty="0"/>
+              <a:t>보여줌</a:t>
+            </a:r>
+          </a:p>
+        </p:txBody>
+      </p:sp>
+      <p:cxnSp>
+        <p:nvCxnSpPr>
+          <p:cNvPr id="16" name="직선 화살표 연결선 15"/>
+          <p:cNvCxnSpPr/>
+          <p:nvPr/>
+        </p:nvCxnSpPr>
+        <p:spPr>
+          <a:xfrm>
+            <a:off x="6852084" y="1988840"/>
+            <a:ext cx="0" cy="792088"/>
+          </a:xfrm>
+          <a:prstGeom prst="straightConnector1">
+            <a:avLst/>
+          </a:prstGeom>
+          <a:ln>
+            <a:solidFill>
+              <a:srgbClr val="C00000"/>
+            </a:solidFill>
+            <a:tailEnd type="triangle"/>
+          </a:ln>
+        </p:spPr>
+        <p:style>
+          <a:lnRef idx="1">
+            <a:schemeClr val="accent1"/>
+          </a:lnRef>
+          <a:fillRef idx="0">
+            <a:schemeClr val="accent1"/>
+          </a:fillRef>
+          <a:effectRef idx="0">
+            <a:schemeClr val="accent1"/>
+          </a:effectRef>
+          <a:fontRef idx="minor">
+            <a:schemeClr val="tx1"/>
+          </a:fontRef>
+        </p:style>
+      </p:cxnSp>
+      <p:sp>
+        <p:nvSpPr>
+          <p:cNvPr id="17" name="직사각형 16"/>
+          <p:cNvSpPr/>
+          <p:nvPr/>
+        </p:nvSpPr>
+        <p:spPr>
+          <a:xfrm>
+            <a:off x="6317823" y="1591462"/>
+            <a:ext cx="5062604" cy="338554"/>
+          </a:xfrm>
+          <a:prstGeom prst="rect">
+            <a:avLst/>
+          </a:prstGeom>
+          <a:solidFill>
+            <a:srgbClr val="FFC000"/>
+          </a:solidFill>
+          <a:ln>
+            <a:solidFill>
+              <a:schemeClr val="bg1">
+                <a:lumMod val="75000"/>
+              </a:schemeClr>
+            </a:solidFill>
+          </a:ln>
+        </p:spPr>
+        <p:txBody>
+          <a:bodyPr wrap="none">
+            <a:spAutoFit/>
+          </a:bodyPr>
+          <a:lstStyle/>
+          <a:p>
+            <a:r>
+              <a:rPr lang="en-US" altLang="ko-KR" sz="1600" dirty="0" smtClean="0"/>
+              <a:t>[Android]</a:t>
+            </a:r>
+            <a:r>
+              <a:rPr lang="ko-KR" altLang="en-US" sz="1600" dirty="0" smtClean="0"/>
+              <a:t>탭은 프로젝트의 파일들을 잘 정리해서 보여줌</a:t>
+            </a:r>
+            <a:endParaRPr lang="ko-KR" altLang="en-US" sz="1600" dirty="0"/>
+          </a:p>
+        </p:txBody>
+      </p:sp>
+      <p:sp>
+        <p:nvSpPr>
+          <p:cNvPr id="13" name="직사각형 12"/>
+          <p:cNvSpPr/>
+          <p:nvPr/>
+        </p:nvSpPr>
+        <p:spPr>
+          <a:xfrm>
+            <a:off x="453100" y="5969772"/>
+            <a:ext cx="5362365" cy="338554"/>
+          </a:xfrm>
+          <a:prstGeom prst="rect">
+            <a:avLst/>
+          </a:prstGeom>
+          <a:solidFill>
+            <a:schemeClr val="bg1">
+              <a:lumMod val="95000"/>
+            </a:schemeClr>
+          </a:solidFill>
+          <a:ln>
+            <a:solidFill>
+              <a:schemeClr val="bg1">
+                <a:lumMod val="65000"/>
+              </a:schemeClr>
+            </a:solidFill>
+          </a:ln>
+        </p:spPr>
+        <p:txBody>
+          <a:bodyPr wrap="none">
+            <a:spAutoFit/>
+          </a:bodyPr>
+          <a:lstStyle/>
+          <a:p>
+            <a:r>
+              <a:rPr lang="ko-KR" altLang="en-US" sz="1600" dirty="0" smtClean="0"/>
+              <a:t>형식을 한 두 번 바꾸어 보면서 이런 변화에 익숙해지십시오</a:t>
+            </a:r>
+            <a:r>
+              <a:rPr lang="en-US" altLang="ko-KR" sz="1600" dirty="0" smtClean="0"/>
+              <a:t>. </a:t>
+            </a:r>
+            <a:endParaRPr lang="ko-KR" altLang="en-US" sz="1600" dirty="0"/>
+          </a:p>
+        </p:txBody>
+      </p:sp>
+    </p:spTree>
+    <p:extLst>
+      <p:ext uri="{BB962C8B-B14F-4D97-AF65-F5344CB8AC3E}">
+        <p14:creationId xmlns:p14="http://schemas.microsoft.com/office/powerpoint/2010/main" val="1593784550"/>
+      </p:ext>
+    </p:extLst>
+  </p:cSld>
+  <p:clrMapOvr>
+    <a:masterClrMapping/>
+  </p:clrMapOvr>
+</p:sld>
+</file>
+
+<file path=ppt/slides/slide31.xml><?xml version="1.0" encoding="utf-8"?>
+<p:sld xmlns:a="http://schemas.openxmlformats.org/drawingml/2006/main" xmlns:r="http://schemas.openxmlformats.org/officeDocument/2006/relationships" xmlns:p="http://schemas.openxmlformats.org/presentationml/2006/main">
+  <p:cSld>
+    <p:spTree>
+      <p:nvGrpSpPr>
+        <p:cNvPr id="1" name=""/>
+        <p:cNvGrpSpPr/>
+        <p:nvPr/>
+      </p:nvGrpSpPr>
+      <p:grpSpPr>
+        <a:xfrm>
+          <a:off x="0" y="0"/>
+          <a:ext cx="0" cy="0"/>
+          <a:chOff x="0" y="0"/>
+          <a:chExt cx="0" cy="0"/>
+        </a:xfrm>
+      </p:grpSpPr>
+      <p:sp>
+        <p:nvSpPr>
+          <p:cNvPr id="2" name="제목 1"/>
+          <p:cNvSpPr>
+            <a:spLocks noGrp="1"/>
+          </p:cNvSpPr>
+          <p:nvPr>
+            <p:ph type="title"/>
+          </p:nvPr>
+        </p:nvSpPr>
+        <p:spPr/>
+        <p:txBody>
+          <a:bodyPr/>
+          <a:lstStyle/>
+          <a:p>
+            <a:r>
+              <a:rPr lang="en-US" altLang="ko-KR" dirty="0" smtClean="0">
+                <a:solidFill>
+                  <a:srgbClr val="C00000"/>
+                </a:solidFill>
+              </a:rPr>
+              <a:t>03-3 Hello </a:t>
+            </a:r>
+            <a:r>
+              <a:rPr lang="ko-KR" altLang="en-US" dirty="0" smtClean="0">
+                <a:solidFill>
+                  <a:srgbClr val="C00000"/>
+                </a:solidFill>
+              </a:rPr>
+              <a:t>프로젝트 하나씩 </a:t>
+            </a:r>
+            <a:r>
+              <a:rPr lang="ko-KR" altLang="en-US" dirty="0" err="1" smtClean="0">
+                <a:solidFill>
+                  <a:srgbClr val="C00000"/>
+                </a:solidFill>
+              </a:rPr>
+              <a:t>바꾸어보기</a:t>
+            </a:r>
+            <a:endParaRPr lang="ko-KR" altLang="en-US" dirty="0">
+              <a:solidFill>
+                <a:srgbClr val="C00000"/>
+              </a:solidFill>
+            </a:endParaRPr>
+          </a:p>
+        </p:txBody>
+      </p:sp>
+      <p:sp>
+        <p:nvSpPr>
+          <p:cNvPr id="3" name="내용 개체 틀 2"/>
+          <p:cNvSpPr>
+            <a:spLocks noGrp="1"/>
+          </p:cNvSpPr>
+          <p:nvPr>
+            <p:ph idx="10"/>
+          </p:nvPr>
+        </p:nvSpPr>
+        <p:spPr/>
+        <p:txBody>
+          <a:bodyPr>
+            <a:normAutofit/>
+          </a:bodyPr>
+          <a:lstStyle/>
+          <a:p>
+            <a:r>
+              <a:rPr lang="en-US" altLang="ko-KR" b="1" dirty="0" smtClean="0"/>
+              <a:t>activity_main.xml</a:t>
+            </a:r>
+            <a:r>
+              <a:rPr lang="ko-KR" altLang="en-US" b="1" dirty="0" smtClean="0"/>
+              <a:t> </a:t>
+            </a:r>
+            <a:r>
+              <a:rPr lang="ko-KR" altLang="en-US" dirty="0" smtClean="0"/>
+              <a:t>자세히 살펴보기</a:t>
+            </a:r>
+            <a:endParaRPr lang="en-US" altLang="ko-KR" dirty="0" smtClean="0"/>
+          </a:p>
+          <a:p>
+            <a:pPr lvl="1"/>
+            <a:r>
+              <a:rPr lang="ko-KR" altLang="en-US" dirty="0" smtClean="0"/>
+              <a:t>이 파일을 먼저 찾아 보십시오</a:t>
+            </a:r>
+            <a:r>
+              <a:rPr lang="en-US" altLang="ko-KR" dirty="0" smtClean="0"/>
+              <a:t>. </a:t>
+            </a:r>
+            <a:r>
+              <a:rPr lang="ko-KR" altLang="en-US" dirty="0" smtClean="0"/>
+              <a:t>폴더와 파일이 너무 많아서 찾기가 힘들죠</a:t>
+            </a:r>
+            <a:r>
+              <a:rPr lang="en-US" altLang="ko-KR" dirty="0" smtClean="0"/>
+              <a:t>? </a:t>
+            </a:r>
+          </a:p>
+          <a:p>
+            <a:pPr lvl="1"/>
+            <a:r>
+              <a:rPr lang="ko-KR" altLang="en-US" dirty="0" smtClean="0"/>
+              <a:t>이 파일은 </a:t>
+            </a:r>
+            <a:r>
+              <a:rPr lang="en-US" altLang="ko-KR" dirty="0" smtClean="0"/>
+              <a:t>[</a:t>
+            </a:r>
+            <a:r>
+              <a:rPr lang="en-US" altLang="ko-KR" b="1" dirty="0" smtClean="0"/>
+              <a:t>res</a:t>
+            </a:r>
+            <a:r>
+              <a:rPr lang="en-US" altLang="ko-KR" dirty="0" smtClean="0"/>
+              <a:t>]</a:t>
+            </a:r>
+            <a:r>
+              <a:rPr lang="ko-KR" altLang="en-US" dirty="0" smtClean="0"/>
+              <a:t>폴더 아래에 있습니다</a:t>
+            </a:r>
+            <a:r>
+              <a:rPr lang="en-US" altLang="ko-KR" dirty="0" smtClean="0"/>
+              <a:t>. </a:t>
+            </a:r>
+          </a:p>
+          <a:p>
+            <a:pPr lvl="1"/>
+            <a:endParaRPr lang="en-US" altLang="ko-KR" dirty="0"/>
+          </a:p>
+          <a:p>
+            <a:pPr lvl="1"/>
+            <a:endParaRPr lang="en-US" altLang="ko-KR" dirty="0" smtClean="0"/>
+          </a:p>
+          <a:p>
+            <a:pPr lvl="1"/>
+            <a:endParaRPr lang="en-US" altLang="ko-KR" dirty="0"/>
+          </a:p>
+          <a:p>
+            <a:pPr lvl="1"/>
+            <a:endParaRPr lang="en-US" altLang="ko-KR" dirty="0" smtClean="0"/>
+          </a:p>
+          <a:p>
+            <a:pPr lvl="1"/>
+            <a:endParaRPr lang="en-US" altLang="ko-KR" dirty="0"/>
+          </a:p>
+          <a:p>
+            <a:pPr lvl="1"/>
+            <a:endParaRPr lang="en-US" altLang="ko-KR" dirty="0" smtClean="0"/>
+          </a:p>
+          <a:p>
+            <a:pPr lvl="1"/>
+            <a:endParaRPr lang="en-US" altLang="ko-KR" dirty="0"/>
+          </a:p>
+          <a:p>
+            <a:pPr lvl="1"/>
+            <a:endParaRPr lang="en-US" altLang="ko-KR" dirty="0" smtClean="0"/>
+          </a:p>
+          <a:p>
+            <a:pPr lvl="1"/>
+            <a:endParaRPr lang="en-US" altLang="ko-KR" dirty="0" smtClean="0"/>
+          </a:p>
+        </p:txBody>
+      </p:sp>
+      <p:sp>
+        <p:nvSpPr>
+          <p:cNvPr id="4" name="슬라이드 번호 개체 틀 3"/>
+          <p:cNvSpPr>
+            <a:spLocks noGrp="1"/>
+          </p:cNvSpPr>
+          <p:nvPr>
+            <p:ph type="sldNum" sz="quarter" idx="14"/>
+          </p:nvPr>
+        </p:nvSpPr>
+        <p:spPr/>
+        <p:txBody>
+          <a:bodyPr/>
+          <a:lstStyle/>
+          <a:p>
+            <a:pPr>
+              <a:defRPr/>
+            </a:pPr>
+            <a:fld id="{3D493B47-E977-46F8-8C2F-7DA674317049}" type="slidenum">
+              <a:rPr lang="ko-KR" altLang="en-US" smtClean="0"/>
+              <a:pPr>
+                <a:defRPr/>
+              </a:pPr>
+              <a:t>31</a:t>
+            </a:fld>
+            <a:endParaRPr lang="ko-KR" altLang="en-US"/>
+          </a:p>
+        </p:txBody>
+      </p:sp>
+      <p:pic>
+        <p:nvPicPr>
+          <p:cNvPr id="6" name="그림 5"/>
+          <p:cNvPicPr>
+            <a:picLocks noChangeAspect="1"/>
+          </p:cNvPicPr>
+          <p:nvPr/>
+        </p:nvPicPr>
+        <p:blipFill>
+          <a:blip r:embed="rId2"/>
+          <a:stretch>
+            <a:fillRect/>
+          </a:stretch>
+        </p:blipFill>
+        <p:spPr>
+          <a:xfrm>
+            <a:off x="5519936" y="1700808"/>
+            <a:ext cx="6287026" cy="4795722"/>
+          </a:xfrm>
+          <a:prstGeom prst="rect">
+            <a:avLst/>
+          </a:prstGeom>
+        </p:spPr>
+      </p:pic>
+    </p:spTree>
+    <p:extLst>
+      <p:ext uri="{BB962C8B-B14F-4D97-AF65-F5344CB8AC3E}">
+        <p14:creationId xmlns:p14="http://schemas.microsoft.com/office/powerpoint/2010/main" val="591065383"/>
       </p:ext>
     </p:extLst>
   </p:cSld>
@@ -9382,7 +14382,7 @@
         <p:spPr/>
         <p:txBody>
           <a:bodyPr>
-            <a:normAutofit fontScale="92500" lnSpcReduction="10000"/>
+            <a:normAutofit lnSpcReduction="10000"/>
           </a:bodyPr>
           <a:lstStyle/>
           <a:p>
